--- a/기획/제안서.pptx
+++ b/기획/제안서.pptx
@@ -9,16 +9,17 @@
     <p:sldId id="257" r:id="rId3"/>
     <p:sldId id="258" r:id="rId4"/>
     <p:sldId id="259" r:id="rId5"/>
-    <p:sldId id="264" r:id="rId6"/>
-    <p:sldId id="260" r:id="rId7"/>
-    <p:sldId id="261" r:id="rId8"/>
-    <p:sldId id="263" r:id="rId9"/>
-    <p:sldId id="265" r:id="rId10"/>
-    <p:sldId id="266" r:id="rId11"/>
-    <p:sldId id="267" r:id="rId12"/>
-    <p:sldId id="268" r:id="rId13"/>
-    <p:sldId id="269" r:id="rId14"/>
-    <p:sldId id="270" r:id="rId15"/>
+    <p:sldId id="271" r:id="rId6"/>
+    <p:sldId id="272" r:id="rId7"/>
+    <p:sldId id="260" r:id="rId8"/>
+    <p:sldId id="261" r:id="rId9"/>
+    <p:sldId id="263" r:id="rId10"/>
+    <p:sldId id="265" r:id="rId11"/>
+    <p:sldId id="266" r:id="rId12"/>
+    <p:sldId id="267" r:id="rId13"/>
+    <p:sldId id="268" r:id="rId14"/>
+    <p:sldId id="269" r:id="rId15"/>
+    <p:sldId id="270" r:id="rId16"/>
   </p:sldIdLst>
   <p:sldSz cx="12192000" cy="6858000"/>
   <p:notesSz cx="6858000" cy="9144000"/>
@@ -272,7 +273,7 @@
           <a:p>
             <a:fld id="{CA8F5EA6-CF04-4C95-8F3E-F226345CF53C}" type="datetimeFigureOut">
               <a:rPr lang="ko-KR" altLang="en-US" smtClean="0"/>
-              <a:t>2021-12-04</a:t>
+              <a:t>2021-12-05</a:t>
             </a:fld>
             <a:endParaRPr lang="ko-KR" altLang="en-US"/>
           </a:p>
@@ -470,7 +471,7 @@
           <a:p>
             <a:fld id="{CA8F5EA6-CF04-4C95-8F3E-F226345CF53C}" type="datetimeFigureOut">
               <a:rPr lang="ko-KR" altLang="en-US" smtClean="0"/>
-              <a:t>2021-12-04</a:t>
+              <a:t>2021-12-05</a:t>
             </a:fld>
             <a:endParaRPr lang="ko-KR" altLang="en-US"/>
           </a:p>
@@ -678,7 +679,7 @@
           <a:p>
             <a:fld id="{CA8F5EA6-CF04-4C95-8F3E-F226345CF53C}" type="datetimeFigureOut">
               <a:rPr lang="ko-KR" altLang="en-US" smtClean="0"/>
-              <a:t>2021-12-04</a:t>
+              <a:t>2021-12-05</a:t>
             </a:fld>
             <a:endParaRPr lang="ko-KR" altLang="en-US"/>
           </a:p>
@@ -876,7 +877,7 @@
           <a:p>
             <a:fld id="{CA8F5EA6-CF04-4C95-8F3E-F226345CF53C}" type="datetimeFigureOut">
               <a:rPr lang="ko-KR" altLang="en-US" smtClean="0"/>
-              <a:t>2021-12-04</a:t>
+              <a:t>2021-12-05</a:t>
             </a:fld>
             <a:endParaRPr lang="ko-KR" altLang="en-US"/>
           </a:p>
@@ -1151,7 +1152,7 @@
           <a:p>
             <a:fld id="{CA8F5EA6-CF04-4C95-8F3E-F226345CF53C}" type="datetimeFigureOut">
               <a:rPr lang="ko-KR" altLang="en-US" smtClean="0"/>
-              <a:t>2021-12-04</a:t>
+              <a:t>2021-12-05</a:t>
             </a:fld>
             <a:endParaRPr lang="ko-KR" altLang="en-US"/>
           </a:p>
@@ -1416,7 +1417,7 @@
           <a:p>
             <a:fld id="{CA8F5EA6-CF04-4C95-8F3E-F226345CF53C}" type="datetimeFigureOut">
               <a:rPr lang="ko-KR" altLang="en-US" smtClean="0"/>
-              <a:t>2021-12-04</a:t>
+              <a:t>2021-12-05</a:t>
             </a:fld>
             <a:endParaRPr lang="ko-KR" altLang="en-US"/>
           </a:p>
@@ -1828,7 +1829,7 @@
           <a:p>
             <a:fld id="{CA8F5EA6-CF04-4C95-8F3E-F226345CF53C}" type="datetimeFigureOut">
               <a:rPr lang="ko-KR" altLang="en-US" smtClean="0"/>
-              <a:t>2021-12-04</a:t>
+              <a:t>2021-12-05</a:t>
             </a:fld>
             <a:endParaRPr lang="ko-KR" altLang="en-US"/>
           </a:p>
@@ -1969,7 +1970,7 @@
           <a:p>
             <a:fld id="{CA8F5EA6-CF04-4C95-8F3E-F226345CF53C}" type="datetimeFigureOut">
               <a:rPr lang="ko-KR" altLang="en-US" smtClean="0"/>
-              <a:t>2021-12-04</a:t>
+              <a:t>2021-12-05</a:t>
             </a:fld>
             <a:endParaRPr lang="ko-KR" altLang="en-US"/>
           </a:p>
@@ -2082,7 +2083,7 @@
           <a:p>
             <a:fld id="{CA8F5EA6-CF04-4C95-8F3E-F226345CF53C}" type="datetimeFigureOut">
               <a:rPr lang="ko-KR" altLang="en-US" smtClean="0"/>
-              <a:t>2021-12-04</a:t>
+              <a:t>2021-12-05</a:t>
             </a:fld>
             <a:endParaRPr lang="ko-KR" altLang="en-US"/>
           </a:p>
@@ -2393,7 +2394,7 @@
           <a:p>
             <a:fld id="{CA8F5EA6-CF04-4C95-8F3E-F226345CF53C}" type="datetimeFigureOut">
               <a:rPr lang="ko-KR" altLang="en-US" smtClean="0"/>
-              <a:t>2021-12-04</a:t>
+              <a:t>2021-12-05</a:t>
             </a:fld>
             <a:endParaRPr lang="ko-KR" altLang="en-US"/>
           </a:p>
@@ -2681,7 +2682,7 @@
           <a:p>
             <a:fld id="{CA8F5EA6-CF04-4C95-8F3E-F226345CF53C}" type="datetimeFigureOut">
               <a:rPr lang="ko-KR" altLang="en-US" smtClean="0"/>
-              <a:t>2021-12-04</a:t>
+              <a:t>2021-12-05</a:t>
             </a:fld>
             <a:endParaRPr lang="ko-KR" altLang="en-US"/>
           </a:p>
@@ -2922,7 +2923,7 @@
           <a:p>
             <a:fld id="{CA8F5EA6-CF04-4C95-8F3E-F226345CF53C}" type="datetimeFigureOut">
               <a:rPr lang="ko-KR" altLang="en-US" smtClean="0"/>
-              <a:t>2021-12-04</a:t>
+              <a:t>2021-12-05</a:t>
             </a:fld>
             <a:endParaRPr lang="ko-KR" altLang="en-US"/>
           </a:p>
@@ -3518,7 +3519,7 @@
         <p:spPr>
           <a:xfrm>
             <a:off x="184728" y="5219702"/>
-            <a:ext cx="2664512" cy="1200329"/>
+            <a:ext cx="2198038" cy="1200329"/>
           </a:xfrm>
           <a:prstGeom prst="rect">
             <a:avLst/>
@@ -3531,20 +3532,6 @@
           </a:bodyPr>
           <a:lstStyle/>
           <a:p>
-            <a:r>
-              <a:rPr lang="ko-KR" altLang="en-US" dirty="0">
-                <a:latin typeface="나눔바른고딕OTF Light" panose="02000303000000000000" pitchFamily="50" charset="-127"/>
-                <a:ea typeface="나눔바른고딕OTF Light" panose="02000303000000000000" pitchFamily="50" charset="-127"/>
-              </a:rPr>
-              <a:t>지도교수님 </a:t>
-            </a:r>
-            <a:r>
-              <a:rPr lang="en-US" altLang="ko-KR" dirty="0">
-                <a:latin typeface="나눔바른고딕OTF Light" panose="02000303000000000000" pitchFamily="50" charset="-127"/>
-                <a:ea typeface="나눔바른고딕OTF Light" panose="02000303000000000000" pitchFamily="50" charset="-127"/>
-              </a:rPr>
-              <a:t>: </a:t>
-            </a:r>
             <a:r>
               <a:rPr lang="ko-KR" altLang="en-US" dirty="0">
                 <a:latin typeface="나눔바른고딕OTF Light" panose="02000303000000000000" pitchFamily="50" charset="-127"/>
@@ -3654,7 +3641,7 @@
           <p:cNvPr id="2" name="직사각형 1">
             <a:extLst>
               <a:ext uri="{FF2B5EF4-FFF2-40B4-BE49-F238E27FC236}">
-                <a16:creationId xmlns:a16="http://schemas.microsoft.com/office/drawing/2014/main" id="{53FE54E2-4C7C-40FC-909B-7BFA744FF7D2}"/>
+                <a16:creationId xmlns:a16="http://schemas.microsoft.com/office/drawing/2014/main" id="{5EBE6A9B-AD32-4287-82C5-A394D0FDEAE8}"/>
               </a:ext>
             </a:extLst>
           </p:cNvPr>
@@ -3709,7 +3696,7 @@
           <p:cNvPr id="3" name="직사각형 2">
             <a:extLst>
               <a:ext uri="{FF2B5EF4-FFF2-40B4-BE49-F238E27FC236}">
-                <a16:creationId xmlns:a16="http://schemas.microsoft.com/office/drawing/2014/main" id="{15362430-A31E-4AA3-BE3B-4E7FD2B6392A}"/>
+                <a16:creationId xmlns:a16="http://schemas.microsoft.com/office/drawing/2014/main" id="{9E7635CB-8FA5-45A2-9713-E9BC0EB79B40}"/>
               </a:ext>
             </a:extLst>
           </p:cNvPr>
@@ -3764,7 +3751,7 @@
           <p:cNvPr id="4" name="TextBox 3">
             <a:extLst>
               <a:ext uri="{FF2B5EF4-FFF2-40B4-BE49-F238E27FC236}">
-                <a16:creationId xmlns:a16="http://schemas.microsoft.com/office/drawing/2014/main" id="{DFE36E73-A529-4C0E-A2B7-8B33EC05AFDF}"/>
+                <a16:creationId xmlns:a16="http://schemas.microsoft.com/office/drawing/2014/main" id="{2FF44EB3-933F-47EE-BE1F-24843D247A0F}"/>
               </a:ext>
             </a:extLst>
           </p:cNvPr>
@@ -3774,7 +3761,7 @@
         <p:spPr>
           <a:xfrm>
             <a:off x="184728" y="29503"/>
-            <a:ext cx="4751622" cy="769441"/>
+            <a:ext cx="7738016" cy="769441"/>
           </a:xfrm>
           <a:prstGeom prst="rect">
             <a:avLst/>
@@ -3795,7 +3782,7 @@
                 <a:latin typeface="Noto Sans KR Black" panose="020B0A00000000000000" pitchFamily="34" charset="-127"/>
                 <a:ea typeface="Noto Sans KR Black" panose="020B0A00000000000000" pitchFamily="34" charset="-127"/>
               </a:rPr>
-              <a:t>5. </a:t>
+              <a:t>4. </a:t>
             </a:r>
             <a:r>
               <a:rPr lang="ko-KR" altLang="en-US" sz="4400" dirty="0">
@@ -3805,7 +3792,7 @@
                 <a:latin typeface="Noto Sans KR Black" panose="020B0A00000000000000" pitchFamily="34" charset="-127"/>
                 <a:ea typeface="Noto Sans KR Black" panose="020B0A00000000000000" pitchFamily="34" charset="-127"/>
               </a:rPr>
-              <a:t>개인별 준비 현황</a:t>
+              <a:t>기술적 요소 및 중점 연구 분야</a:t>
             </a:r>
           </a:p>
         </p:txBody>
@@ -3815,7 +3802,7 @@
           <p:cNvPr id="6" name="TextBox 5">
             <a:extLst>
               <a:ext uri="{FF2B5EF4-FFF2-40B4-BE49-F238E27FC236}">
-                <a16:creationId xmlns:a16="http://schemas.microsoft.com/office/drawing/2014/main" id="{60159DFE-FED6-4DAE-AF8D-78864DB20DFA}"/>
+                <a16:creationId xmlns:a16="http://schemas.microsoft.com/office/drawing/2014/main" id="{B9F1B01C-6C5A-45F6-9078-0631D7B23490}"/>
               </a:ext>
             </a:extLst>
           </p:cNvPr>
@@ -3824,8 +3811,8 @@
         </p:nvSpPr>
         <p:spPr>
           <a:xfrm>
-            <a:off x="1620670" y="2384169"/>
-            <a:ext cx="1598515" cy="707886"/>
+            <a:off x="298306" y="2890391"/>
+            <a:ext cx="4641014" cy="1077218"/>
           </a:xfrm>
           <a:prstGeom prst="rect">
             <a:avLst/>
@@ -3849,19 +3836,34 @@
                 <a:latin typeface="Noto Sans KR Black" panose="020B0A00000000000000" pitchFamily="34" charset="-127"/>
                 <a:ea typeface="Noto Sans KR Black" panose="020B0A00000000000000" pitchFamily="34" charset="-127"/>
               </a:rPr>
-              <a:t>원윤식</a:t>
-            </a:r>
-            <a:endParaRPr lang="ko-KR" altLang="en-US" sz="2400" dirty="0">
+              <a:t>조명 및 그림자</a:t>
+            </a:r>
+            <a:endParaRPr lang="en-US" altLang="ko-KR" sz="4000" dirty="0">
               <a:solidFill>
                 <a:schemeClr val="tx1">
                   <a:lumMod val="85000"/>
                   <a:lumOff val="15000"/>
                 </a:schemeClr>
               </a:solidFill>
-              <a:latin typeface="나눔바른고딕OTF Light" panose="02000303000000000000" pitchFamily="50" charset="-127"/>
-              <a:ea typeface="나눔바른고딕OTF Light" panose="02000303000000000000" pitchFamily="50" charset="-127"/>
+              <a:latin typeface="Noto Sans KR Black" panose="020B0A00000000000000" pitchFamily="34" charset="-127"/>
+              <a:ea typeface="Noto Sans KR Black" panose="020B0A00000000000000" pitchFamily="34" charset="-127"/>
             </a:endParaRPr>
           </a:p>
+          <a:p>
+            <a:r>
+              <a:rPr lang="ko-KR" altLang="en-US" sz="2400" dirty="0">
+                <a:solidFill>
+                  <a:schemeClr val="tx1">
+                    <a:lumMod val="85000"/>
+                    <a:lumOff val="15000"/>
+                  </a:schemeClr>
+                </a:solidFill>
+                <a:latin typeface="나눔바른고딕OTF Light" panose="02000303000000000000" pitchFamily="50" charset="-127"/>
+                <a:ea typeface="나눔바른고딕OTF Light" panose="02000303000000000000" pitchFamily="50" charset="-127"/>
+              </a:rPr>
+              <a:t>방향성 조명과 그에 따른 그림자 구현</a:t>
+            </a:r>
+          </a:p>
         </p:txBody>
       </p:sp>
       <p:sp>
@@ -3869,7 +3871,7 @@
           <p:cNvPr id="7" name="TextBox 6">
             <a:extLst>
               <a:ext uri="{FF2B5EF4-FFF2-40B4-BE49-F238E27FC236}">
-                <a16:creationId xmlns:a16="http://schemas.microsoft.com/office/drawing/2014/main" id="{84CA4032-6946-46C2-A2FB-8584E4380E4A}"/>
+                <a16:creationId xmlns:a16="http://schemas.microsoft.com/office/drawing/2014/main" id="{3ED3D592-736C-4438-8407-E6514428FF2F}"/>
               </a:ext>
             </a:extLst>
           </p:cNvPr>
@@ -3878,8 +3880,8 @@
         </p:nvSpPr>
         <p:spPr>
           <a:xfrm>
-            <a:off x="5176669" y="2384169"/>
-            <a:ext cx="1598515" cy="707886"/>
+            <a:off x="298306" y="1166244"/>
+            <a:ext cx="4617546" cy="1077218"/>
           </a:xfrm>
           <a:prstGeom prst="rect">
             <a:avLst/>
@@ -3892,6 +3894,19 @@
           </a:bodyPr>
           <a:lstStyle/>
           <a:p>
+            <a:r>
+              <a:rPr lang="en-US" altLang="ko-KR" sz="4000" dirty="0">
+                <a:solidFill>
+                  <a:schemeClr val="tx1">
+                    <a:lumMod val="85000"/>
+                    <a:lumOff val="15000"/>
+                  </a:schemeClr>
+                </a:solidFill>
+                <a:latin typeface="Noto Sans KR Black" panose="020B0A00000000000000" pitchFamily="34" charset="-127"/>
+                <a:ea typeface="Noto Sans KR Black" panose="020B0A00000000000000" pitchFamily="34" charset="-127"/>
+              </a:rPr>
+              <a:t>3D </a:t>
+            </a:r>
             <a:r>
               <a:rPr lang="ko-KR" altLang="en-US" sz="4000" dirty="0">
                 <a:solidFill>
@@ -3903,18 +3918,36 @@
                 <a:latin typeface="Noto Sans KR Black" panose="020B0A00000000000000" pitchFamily="34" charset="-127"/>
                 <a:ea typeface="Noto Sans KR Black" panose="020B0A00000000000000" pitchFamily="34" charset="-127"/>
               </a:rPr>
-              <a:t>김재원</a:t>
-            </a:r>
-            <a:endParaRPr lang="ko-KR" altLang="en-US" sz="2400" dirty="0">
-              <a:solidFill>
-                <a:schemeClr val="tx1">
-                  <a:lumMod val="85000"/>
-                  <a:lumOff val="15000"/>
-                </a:schemeClr>
-              </a:solidFill>
-              <a:latin typeface="나눔바른고딕OTF Light" panose="02000303000000000000" pitchFamily="50" charset="-127"/>
-              <a:ea typeface="나눔바른고딕OTF Light" panose="02000303000000000000" pitchFamily="50" charset="-127"/>
-            </a:endParaRPr>
+              <a:t>애니메이션</a:t>
+            </a:r>
+          </a:p>
+          <a:p>
+            <a:r>
+              <a:rPr lang="en-US" altLang="ko-KR" sz="2400" dirty="0">
+                <a:solidFill>
+                  <a:schemeClr val="tx1">
+                    <a:lumMod val="85000"/>
+                    <a:lumOff val="15000"/>
+                  </a:schemeClr>
+                </a:solidFill>
+                <a:latin typeface="나눔바른고딕OTF Light" panose="02000303000000000000" pitchFamily="50" charset="-127"/>
+                <a:ea typeface="나눔바른고딕OTF Light" panose="02000303000000000000" pitchFamily="50" charset="-127"/>
+              </a:rPr>
+              <a:t>FBX SDK</a:t>
+            </a:r>
+            <a:r>
+              <a:rPr lang="ko-KR" altLang="en-US" sz="2400" dirty="0">
+                <a:solidFill>
+                  <a:schemeClr val="tx1">
+                    <a:lumMod val="85000"/>
+                    <a:lumOff val="15000"/>
+                  </a:schemeClr>
+                </a:solidFill>
+                <a:latin typeface="나눔바른고딕OTF Light" panose="02000303000000000000" pitchFamily="50" charset="-127"/>
+                <a:ea typeface="나눔바른고딕OTF Light" panose="02000303000000000000" pitchFamily="50" charset="-127"/>
+              </a:rPr>
+              <a:t>를 이용한 애니메이션 구현</a:t>
+            </a:r>
           </a:p>
         </p:txBody>
       </p:sp>
@@ -3923,7 +3956,7 @@
           <p:cNvPr id="8" name="TextBox 7">
             <a:extLst>
               <a:ext uri="{FF2B5EF4-FFF2-40B4-BE49-F238E27FC236}">
-                <a16:creationId xmlns:a16="http://schemas.microsoft.com/office/drawing/2014/main" id="{1094185D-D8A6-4BDA-B229-BFC4496BCC0A}"/>
+                <a16:creationId xmlns:a16="http://schemas.microsoft.com/office/drawing/2014/main" id="{99642363-0970-45C1-8164-E9476C10591D}"/>
               </a:ext>
             </a:extLst>
           </p:cNvPr>
@@ -3932,8 +3965,8 @@
         </p:nvSpPr>
         <p:spPr>
           <a:xfrm>
-            <a:off x="8732668" y="2407849"/>
-            <a:ext cx="1598515" cy="707886"/>
+            <a:off x="298306" y="4747195"/>
+            <a:ext cx="4846198" cy="1077218"/>
           </a:xfrm>
           <a:prstGeom prst="rect">
             <a:avLst/>
@@ -3957,19 +3990,47 @@
                 <a:latin typeface="Noto Sans KR Black" panose="020B0A00000000000000" pitchFamily="34" charset="-127"/>
                 <a:ea typeface="Noto Sans KR Black" panose="020B0A00000000000000" pitchFamily="34" charset="-127"/>
               </a:rPr>
-              <a:t>김연중</a:t>
-            </a:r>
-            <a:endParaRPr lang="ko-KR" altLang="en-US" sz="2400" dirty="0">
+              <a:t>멀티쓰레딩</a:t>
+            </a:r>
+            <a:endParaRPr lang="en-US" altLang="ko-KR" sz="4000" dirty="0">
               <a:solidFill>
                 <a:schemeClr val="tx1">
                   <a:lumMod val="85000"/>
                   <a:lumOff val="15000"/>
                 </a:schemeClr>
               </a:solidFill>
-              <a:latin typeface="나눔바른고딕OTF Light" panose="02000303000000000000" pitchFamily="50" charset="-127"/>
-              <a:ea typeface="나눔바른고딕OTF Light" panose="02000303000000000000" pitchFamily="50" charset="-127"/>
+              <a:latin typeface="Noto Sans KR Black" panose="020B0A00000000000000" pitchFamily="34" charset="-127"/>
+              <a:ea typeface="Noto Sans KR Black" panose="020B0A00000000000000" pitchFamily="34" charset="-127"/>
             </a:endParaRPr>
           </a:p>
+          <a:p>
+            <a:r>
+              <a:rPr lang="ko-KR" altLang="en-US" sz="2400" dirty="0" err="1">
+                <a:solidFill>
+                  <a:schemeClr val="tx1">
+                    <a:lumMod val="85000"/>
+                    <a:lumOff val="15000"/>
+                  </a:schemeClr>
+                </a:solidFill>
+                <a:latin typeface="나눔바른고딕OTF Light" panose="02000303000000000000" pitchFamily="50" charset="-127"/>
+                <a:ea typeface="나눔바른고딕OTF Light" panose="02000303000000000000" pitchFamily="50" charset="-127"/>
+              </a:rPr>
+              <a:t>멀티쓰레딩을</a:t>
+            </a:r>
+            <a:r>
+              <a:rPr lang="ko-KR" altLang="en-US" sz="2400" dirty="0">
+                <a:solidFill>
+                  <a:schemeClr val="tx1">
+                    <a:lumMod val="85000"/>
+                    <a:lumOff val="15000"/>
+                  </a:schemeClr>
+                </a:solidFill>
+                <a:latin typeface="나눔바른고딕OTF Light" panose="02000303000000000000" pitchFamily="50" charset="-127"/>
+                <a:ea typeface="나눔바른고딕OTF Light" panose="02000303000000000000" pitchFamily="50" charset="-127"/>
+              </a:rPr>
+              <a:t> 이용한 렌더링 속도 향상</a:t>
+            </a:r>
+          </a:p>
         </p:txBody>
       </p:sp>
       <p:sp>
@@ -3977,7 +4038,7 @@
           <p:cNvPr id="9" name="TextBox 8">
             <a:extLst>
               <a:ext uri="{FF2B5EF4-FFF2-40B4-BE49-F238E27FC236}">
-                <a16:creationId xmlns:a16="http://schemas.microsoft.com/office/drawing/2014/main" id="{D1606C0F-89EB-48C5-A784-317CCFF14EA7}"/>
+                <a16:creationId xmlns:a16="http://schemas.microsoft.com/office/drawing/2014/main" id="{EA21F5D1-E1EE-4B5F-A649-CE15381A372D}"/>
               </a:ext>
             </a:extLst>
           </p:cNvPr>
@@ -3986,8 +4047,8 @@
         </p:nvSpPr>
         <p:spPr>
           <a:xfrm>
-            <a:off x="1620670" y="2988771"/>
-            <a:ext cx="2441695" cy="1754326"/>
+            <a:off x="5955320" y="1159552"/>
+            <a:ext cx="5654112" cy="1077218"/>
           </a:xfrm>
           <a:prstGeom prst="rect">
             <a:avLst/>
@@ -4001,114 +4062,33 @@
           <a:lstStyle/>
           <a:p>
             <a:r>
-              <a:rPr lang="en-US" altLang="ko-KR" dirty="0">
-                <a:latin typeface="나눔바른고딕OTF UltraLight" panose="00000300000000000000" pitchFamily="50" charset="-127"/>
-                <a:ea typeface="나눔바른고딕OTF UltraLight" panose="00000300000000000000" pitchFamily="50" charset="-127"/>
-              </a:rPr>
-              <a:t>C, C++</a:t>
-            </a:r>
-            <a:r>
-              <a:rPr lang="ko-KR" altLang="en-US" dirty="0">
-                <a:latin typeface="나눔바른고딕OTF UltraLight" panose="00000300000000000000" pitchFamily="50" charset="-127"/>
-                <a:ea typeface="나눔바른고딕OTF UltraLight" panose="00000300000000000000" pitchFamily="50" charset="-127"/>
-              </a:rPr>
-              <a:t>프로그래밍</a:t>
-            </a:r>
-            <a:endParaRPr lang="en-US" altLang="ko-KR" dirty="0">
-              <a:latin typeface="나눔바른고딕OTF UltraLight" panose="00000300000000000000" pitchFamily="50" charset="-127"/>
-              <a:ea typeface="나눔바른고딕OTF UltraLight" panose="00000300000000000000" pitchFamily="50" charset="-127"/>
-            </a:endParaRPr>
-          </a:p>
-          <a:p>
-            <a:r>
-              <a:rPr lang="en-US" altLang="ko-KR" dirty="0">
-                <a:latin typeface="나눔바른고딕OTF UltraLight" panose="00000300000000000000" pitchFamily="50" charset="-127"/>
-                <a:ea typeface="나눔바른고딕OTF UltraLight" panose="00000300000000000000" pitchFamily="50" charset="-127"/>
-              </a:rPr>
-              <a:t>STL</a:t>
-            </a:r>
-          </a:p>
-          <a:p>
-            <a:r>
-              <a:rPr lang="en-US" altLang="ko-KR" dirty="0">
-                <a:latin typeface="나눔바른고딕OTF UltraLight" panose="00000300000000000000" pitchFamily="50" charset="-127"/>
-                <a:ea typeface="나눔바른고딕OTF UltraLight" panose="00000300000000000000" pitchFamily="50" charset="-127"/>
-              </a:rPr>
-              <a:t>3D</a:t>
-            </a:r>
-            <a:r>
-              <a:rPr lang="ko-KR" altLang="en-US" dirty="0">
-                <a:latin typeface="나눔바른고딕OTF UltraLight" panose="00000300000000000000" pitchFamily="50" charset="-127"/>
-                <a:ea typeface="나눔바른고딕OTF UltraLight" panose="00000300000000000000" pitchFamily="50" charset="-127"/>
-              </a:rPr>
-              <a:t>게임프로그래밍</a:t>
-            </a:r>
-            <a:r>
-              <a:rPr lang="en-US" altLang="ko-KR" dirty="0">
-                <a:latin typeface="나눔바른고딕OTF UltraLight" panose="00000300000000000000" pitchFamily="50" charset="-127"/>
-                <a:ea typeface="나눔바른고딕OTF UltraLight" panose="00000300000000000000" pitchFamily="50" charset="-127"/>
-              </a:rPr>
-              <a:t>1</a:t>
-            </a:r>
-          </a:p>
-          <a:p>
-            <a:r>
-              <a:rPr lang="en-US" altLang="ko-KR" dirty="0">
-                <a:latin typeface="나눔바른고딕OTF UltraLight" panose="00000300000000000000" pitchFamily="50" charset="-127"/>
-                <a:ea typeface="나눔바른고딕OTF UltraLight" panose="00000300000000000000" pitchFamily="50" charset="-127"/>
-              </a:rPr>
-              <a:t>3D</a:t>
-            </a:r>
-            <a:r>
-              <a:rPr lang="ko-KR" altLang="en-US" dirty="0">
-                <a:latin typeface="나눔바른고딕OTF UltraLight" panose="00000300000000000000" pitchFamily="50" charset="-127"/>
-                <a:ea typeface="나눔바른고딕OTF UltraLight" panose="00000300000000000000" pitchFamily="50" charset="-127"/>
-              </a:rPr>
-              <a:t>게임프로그래밍</a:t>
-            </a:r>
-            <a:r>
-              <a:rPr lang="en-US" altLang="ko-KR" dirty="0">
-                <a:latin typeface="나눔바른고딕OTF UltraLight" panose="00000300000000000000" pitchFamily="50" charset="-127"/>
-                <a:ea typeface="나눔바른고딕OTF UltraLight" panose="00000300000000000000" pitchFamily="50" charset="-127"/>
-              </a:rPr>
-              <a:t>2</a:t>
-            </a:r>
-          </a:p>
-          <a:p>
-            <a:r>
-              <a:rPr lang="en-US" altLang="ko-KR" dirty="0">
-                <a:latin typeface="나눔바른고딕OTF UltraLight" panose="00000300000000000000" pitchFamily="50" charset="-127"/>
-                <a:ea typeface="나눔바른고딕OTF UltraLight" panose="00000300000000000000" pitchFamily="50" charset="-127"/>
-              </a:rPr>
-              <a:t>3D</a:t>
-            </a:r>
-            <a:r>
-              <a:rPr lang="ko-KR" altLang="en-US" dirty="0">
-                <a:latin typeface="나눔바른고딕OTF UltraLight" panose="00000300000000000000" pitchFamily="50" charset="-127"/>
-                <a:ea typeface="나눔바른고딕OTF UltraLight" panose="00000300000000000000" pitchFamily="50" charset="-127"/>
-              </a:rPr>
-              <a:t>애니메이션</a:t>
-            </a:r>
-            <a:r>
-              <a:rPr lang="en-US" altLang="ko-KR" dirty="0">
-                <a:latin typeface="나눔바른고딕OTF UltraLight" panose="00000300000000000000" pitchFamily="50" charset="-127"/>
-                <a:ea typeface="나눔바른고딕OTF UltraLight" panose="00000300000000000000" pitchFamily="50" charset="-127"/>
-              </a:rPr>
-              <a:t>1</a:t>
-            </a:r>
-          </a:p>
-          <a:p>
-            <a:r>
-              <a:rPr lang="ko-KR" altLang="en-US" dirty="0">
-                <a:latin typeface="나눔바른고딕OTF UltraLight" panose="00000300000000000000" pitchFamily="50" charset="-127"/>
-                <a:ea typeface="나눔바른고딕OTF UltraLight" panose="00000300000000000000" pitchFamily="50" charset="-127"/>
-              </a:rPr>
-              <a:t>네트워크게임프로그래밍</a:t>
-            </a:r>
-            <a:endParaRPr lang="en-US" altLang="ko-KR" dirty="0">
-              <a:latin typeface="나눔바른고딕OTF UltraLight" panose="00000300000000000000" pitchFamily="50" charset="-127"/>
-              <a:ea typeface="나눔바른고딕OTF UltraLight" panose="00000300000000000000" pitchFamily="50" charset="-127"/>
-            </a:endParaRPr>
+              <a:rPr lang="ko-KR" altLang="en-US" sz="4000" dirty="0">
+                <a:solidFill>
+                  <a:schemeClr val="tx1">
+                    <a:lumMod val="85000"/>
+                    <a:lumOff val="15000"/>
+                  </a:schemeClr>
+                </a:solidFill>
+                <a:latin typeface="Noto Sans KR Black" panose="020B0A00000000000000" pitchFamily="34" charset="-127"/>
+                <a:ea typeface="Noto Sans KR Black" panose="020B0A00000000000000" pitchFamily="34" charset="-127"/>
+              </a:rPr>
+              <a:t>시야 처리</a:t>
+            </a:r>
+          </a:p>
+          <a:p>
+            <a:r>
+              <a:rPr lang="ko-KR" altLang="en-US" sz="2400" dirty="0">
+                <a:solidFill>
+                  <a:schemeClr val="tx1">
+                    <a:lumMod val="85000"/>
+                    <a:lumOff val="15000"/>
+                  </a:schemeClr>
+                </a:solidFill>
+                <a:latin typeface="나눔바른고딕OTF Light" panose="02000303000000000000" pitchFamily="50" charset="-127"/>
+                <a:ea typeface="나눔바른고딕OTF Light" panose="02000303000000000000" pitchFamily="50" charset="-127"/>
+              </a:rPr>
+              <a:t>필요한 계산만 처리하여 서버 부하 감소</a:t>
+            </a:r>
           </a:p>
         </p:txBody>
       </p:sp>
@@ -4117,7 +4097,7 @@
           <p:cNvPr id="10" name="TextBox 9">
             <a:extLst>
               <a:ext uri="{FF2B5EF4-FFF2-40B4-BE49-F238E27FC236}">
-                <a16:creationId xmlns:a16="http://schemas.microsoft.com/office/drawing/2014/main" id="{021B0D11-2C93-4AF7-90B8-CB92E711ED73}"/>
+                <a16:creationId xmlns:a16="http://schemas.microsoft.com/office/drawing/2014/main" id="{8907833E-73DB-4C4B-8A63-654D576E9A0D}"/>
               </a:ext>
             </a:extLst>
           </p:cNvPr>
@@ -4126,8 +4106,8 @@
         </p:nvSpPr>
         <p:spPr>
           <a:xfrm>
-            <a:off x="5176669" y="2992068"/>
-            <a:ext cx="2441694" cy="2031325"/>
+            <a:off x="5955319" y="2890391"/>
+            <a:ext cx="5056705" cy="1077218"/>
           </a:xfrm>
           <a:prstGeom prst="rect">
             <a:avLst/>
@@ -4141,127 +4121,108 @@
           <a:lstStyle/>
           <a:p>
             <a:r>
-              <a:rPr lang="en-US" altLang="ko-KR" dirty="0">
-                <a:latin typeface="나눔바른고딕OTF UltraLight" panose="00000300000000000000" pitchFamily="50" charset="-127"/>
-                <a:ea typeface="나눔바른고딕OTF UltraLight" panose="00000300000000000000" pitchFamily="50" charset="-127"/>
-              </a:rPr>
-              <a:t>C, C++</a:t>
-            </a:r>
-            <a:r>
-              <a:rPr lang="ko-KR" altLang="en-US" dirty="0">
-                <a:latin typeface="나눔바른고딕OTF UltraLight" panose="00000300000000000000" pitchFamily="50" charset="-127"/>
-                <a:ea typeface="나눔바른고딕OTF UltraLight" panose="00000300000000000000" pitchFamily="50" charset="-127"/>
-              </a:rPr>
-              <a:t>프로그래밍</a:t>
-            </a:r>
-            <a:endParaRPr lang="en-US" altLang="ko-KR" dirty="0">
-              <a:latin typeface="나눔바른고딕OTF UltraLight" panose="00000300000000000000" pitchFamily="50" charset="-127"/>
-              <a:ea typeface="나눔바른고딕OTF UltraLight" panose="00000300000000000000" pitchFamily="50" charset="-127"/>
+              <a:rPr lang="en-US" altLang="ko-KR" sz="4000" dirty="0">
+                <a:solidFill>
+                  <a:schemeClr val="tx1">
+                    <a:lumMod val="85000"/>
+                    <a:lumOff val="15000"/>
+                  </a:schemeClr>
+                </a:solidFill>
+                <a:latin typeface="Noto Sans KR Black" panose="020B0A00000000000000" pitchFamily="34" charset="-127"/>
+                <a:ea typeface="Noto Sans KR Black" panose="020B0A00000000000000" pitchFamily="34" charset="-127"/>
+              </a:rPr>
+              <a:t>NPC AI</a:t>
+            </a:r>
+            <a:endParaRPr lang="ko-KR" altLang="en-US" sz="4000" dirty="0">
+              <a:solidFill>
+                <a:schemeClr val="tx1">
+                  <a:lumMod val="85000"/>
+                  <a:lumOff val="15000"/>
+                </a:schemeClr>
+              </a:solidFill>
+              <a:latin typeface="Noto Sans KR Black" panose="020B0A00000000000000" pitchFamily="34" charset="-127"/>
+              <a:ea typeface="Noto Sans KR Black" panose="020B0A00000000000000" pitchFamily="34" charset="-127"/>
             </a:endParaRPr>
           </a:p>
           <a:p>
             <a:r>
-              <a:rPr lang="en-US" altLang="ko-KR" dirty="0">
-                <a:latin typeface="나눔바른고딕OTF UltraLight" panose="00000300000000000000" pitchFamily="50" charset="-127"/>
-                <a:ea typeface="나눔바른고딕OTF UltraLight" panose="00000300000000000000" pitchFamily="50" charset="-127"/>
-              </a:rPr>
-              <a:t>STL</a:t>
-            </a:r>
-          </a:p>
-          <a:p>
-            <a:r>
-              <a:rPr lang="en-US" altLang="ko-KR" dirty="0">
-                <a:latin typeface="나눔바른고딕OTF UltraLight" panose="00000300000000000000" pitchFamily="50" charset="-127"/>
-                <a:ea typeface="나눔바른고딕OTF UltraLight" panose="00000300000000000000" pitchFamily="50" charset="-127"/>
-              </a:rPr>
-              <a:t>3D</a:t>
-            </a:r>
-            <a:r>
-              <a:rPr lang="ko-KR" altLang="en-US" dirty="0">
-                <a:latin typeface="나눔바른고딕OTF UltraLight" panose="00000300000000000000" pitchFamily="50" charset="-127"/>
-                <a:ea typeface="나눔바른고딕OTF UltraLight" panose="00000300000000000000" pitchFamily="50" charset="-127"/>
-              </a:rPr>
-              <a:t>게임프로그래밍</a:t>
-            </a:r>
-            <a:r>
-              <a:rPr lang="en-US" altLang="ko-KR" dirty="0">
-                <a:latin typeface="나눔바른고딕OTF UltraLight" panose="00000300000000000000" pitchFamily="50" charset="-127"/>
-                <a:ea typeface="나눔바른고딕OTF UltraLight" panose="00000300000000000000" pitchFamily="50" charset="-127"/>
-              </a:rPr>
-              <a:t>1</a:t>
-            </a:r>
-          </a:p>
-          <a:p>
-            <a:r>
-              <a:rPr lang="en-US" altLang="ko-KR" dirty="0">
-                <a:latin typeface="나눔바른고딕OTF UltraLight" panose="00000300000000000000" pitchFamily="50" charset="-127"/>
-                <a:ea typeface="나눔바른고딕OTF UltraLight" panose="00000300000000000000" pitchFamily="50" charset="-127"/>
-              </a:rPr>
-              <a:t>3D</a:t>
-            </a:r>
-            <a:r>
-              <a:rPr lang="ko-KR" altLang="en-US" dirty="0">
-                <a:latin typeface="나눔바른고딕OTF UltraLight" panose="00000300000000000000" pitchFamily="50" charset="-127"/>
-                <a:ea typeface="나눔바른고딕OTF UltraLight" panose="00000300000000000000" pitchFamily="50" charset="-127"/>
-              </a:rPr>
-              <a:t>모델링</a:t>
-            </a:r>
-            <a:r>
-              <a:rPr lang="en-US" altLang="ko-KR" dirty="0">
-                <a:latin typeface="나눔바른고딕OTF UltraLight" panose="00000300000000000000" pitchFamily="50" charset="-127"/>
-                <a:ea typeface="나눔바른고딕OTF UltraLight" panose="00000300000000000000" pitchFamily="50" charset="-127"/>
-              </a:rPr>
-              <a:t>1</a:t>
-            </a:r>
-          </a:p>
-          <a:p>
-            <a:r>
-              <a:rPr lang="en-US" altLang="ko-KR" dirty="0">
-                <a:latin typeface="나눔바른고딕OTF UltraLight" panose="00000300000000000000" pitchFamily="50" charset="-127"/>
-                <a:ea typeface="나눔바른고딕OTF UltraLight" panose="00000300000000000000" pitchFamily="50" charset="-127"/>
-              </a:rPr>
-              <a:t>3D</a:t>
-            </a:r>
-            <a:r>
-              <a:rPr lang="ko-KR" altLang="en-US" dirty="0">
-                <a:latin typeface="나눔바른고딕OTF UltraLight" panose="00000300000000000000" pitchFamily="50" charset="-127"/>
-                <a:ea typeface="나눔바른고딕OTF UltraLight" panose="00000300000000000000" pitchFamily="50" charset="-127"/>
-              </a:rPr>
-              <a:t>애니메이션</a:t>
-            </a:r>
-            <a:r>
-              <a:rPr lang="en-US" altLang="ko-KR" dirty="0">
-                <a:latin typeface="나눔바른고딕OTF UltraLight" panose="00000300000000000000" pitchFamily="50" charset="-127"/>
-                <a:ea typeface="나눔바른고딕OTF UltraLight" panose="00000300000000000000" pitchFamily="50" charset="-127"/>
-              </a:rPr>
-              <a:t>1</a:t>
-            </a:r>
-          </a:p>
-          <a:p>
-            <a:r>
-              <a:rPr lang="ko-KR" altLang="en-US" dirty="0">
-                <a:latin typeface="나눔바른고딕OTF UltraLight" panose="00000300000000000000" pitchFamily="50" charset="-127"/>
-                <a:ea typeface="나눔바른고딕OTF UltraLight" panose="00000300000000000000" pitchFamily="50" charset="-127"/>
-              </a:rPr>
-              <a:t>네트워크게임프로그래밍</a:t>
-            </a:r>
-            <a:endParaRPr lang="en-US" altLang="ko-KR" dirty="0">
-              <a:latin typeface="나눔바른고딕OTF UltraLight" panose="00000300000000000000" pitchFamily="50" charset="-127"/>
-              <a:ea typeface="나눔바른고딕OTF UltraLight" panose="00000300000000000000" pitchFamily="50" charset="-127"/>
-            </a:endParaRPr>
-          </a:p>
-          <a:p>
-            <a:r>
-              <a:rPr lang="ko-KR" altLang="en-US" dirty="0">
-                <a:latin typeface="나눔바른고딕OTF UltraLight" panose="00000300000000000000" pitchFamily="50" charset="-127"/>
-                <a:ea typeface="나눔바른고딕OTF UltraLight" panose="00000300000000000000" pitchFamily="50" charset="-127"/>
-              </a:rPr>
-              <a:t>게임서버프로그래밍</a:t>
-            </a:r>
-            <a:endParaRPr lang="en-US" altLang="ko-KR" dirty="0">
-              <a:latin typeface="나눔바른고딕OTF UltraLight" panose="00000300000000000000" pitchFamily="50" charset="-127"/>
-              <a:ea typeface="나눔바른고딕OTF UltraLight" panose="00000300000000000000" pitchFamily="50" charset="-127"/>
-            </a:endParaRPr>
+              <a:rPr lang="en-US" altLang="ko-KR" sz="2400" dirty="0">
+                <a:solidFill>
+                  <a:schemeClr val="tx1">
+                    <a:lumMod val="85000"/>
+                    <a:lumOff val="15000"/>
+                  </a:schemeClr>
+                </a:solidFill>
+                <a:latin typeface="나눔바른고딕OTF Light" panose="02000303000000000000" pitchFamily="50" charset="-127"/>
+                <a:ea typeface="나눔바른고딕OTF Light" panose="02000303000000000000" pitchFamily="50" charset="-127"/>
+              </a:rPr>
+              <a:t>A*</a:t>
+            </a:r>
+            <a:r>
+              <a:rPr lang="ko-KR" altLang="en-US" sz="2400" dirty="0">
+                <a:solidFill>
+                  <a:schemeClr val="tx1">
+                    <a:lumMod val="85000"/>
+                    <a:lumOff val="15000"/>
+                  </a:schemeClr>
+                </a:solidFill>
+                <a:latin typeface="나눔바른고딕OTF Light" panose="02000303000000000000" pitchFamily="50" charset="-127"/>
+                <a:ea typeface="나눔바른고딕OTF Light" panose="02000303000000000000" pitchFamily="50" charset="-127"/>
+              </a:rPr>
+              <a:t>와 </a:t>
+            </a:r>
+            <a:r>
+              <a:rPr lang="en-US" altLang="ko-KR" sz="2400" dirty="0">
+                <a:solidFill>
+                  <a:schemeClr val="tx1">
+                    <a:lumMod val="85000"/>
+                    <a:lumOff val="15000"/>
+                  </a:schemeClr>
+                </a:solidFill>
+                <a:latin typeface="나눔바른고딕OTF Light" panose="02000303000000000000" pitchFamily="50" charset="-127"/>
+                <a:ea typeface="나눔바른고딕OTF Light" panose="02000303000000000000" pitchFamily="50" charset="-127"/>
+              </a:rPr>
+              <a:t>Path mesh</a:t>
+            </a:r>
+            <a:r>
+              <a:rPr lang="ko-KR" altLang="en-US" sz="2400" dirty="0">
+                <a:solidFill>
+                  <a:schemeClr val="tx1">
+                    <a:lumMod val="85000"/>
+                    <a:lumOff val="15000"/>
+                  </a:schemeClr>
+                </a:solidFill>
+                <a:latin typeface="나눔바른고딕OTF Light" panose="02000303000000000000" pitchFamily="50" charset="-127"/>
+                <a:ea typeface="나눔바른고딕OTF Light" panose="02000303000000000000" pitchFamily="50" charset="-127"/>
+              </a:rPr>
+              <a:t>로 몬스터 </a:t>
+            </a:r>
+            <a:r>
+              <a:rPr lang="en-US" altLang="ko-KR" sz="2400" dirty="0">
+                <a:solidFill>
+                  <a:schemeClr val="tx1">
+                    <a:lumMod val="85000"/>
+                    <a:lumOff val="15000"/>
+                  </a:schemeClr>
+                </a:solidFill>
+                <a:latin typeface="나눔바른고딕OTF Light" panose="02000303000000000000" pitchFamily="50" charset="-127"/>
+                <a:ea typeface="나눔바른고딕OTF Light" panose="02000303000000000000" pitchFamily="50" charset="-127"/>
+              </a:rPr>
+              <a:t>AI </a:t>
+            </a:r>
+            <a:r>
+              <a:rPr lang="ko-KR" altLang="en-US" sz="2400" dirty="0">
+                <a:solidFill>
+                  <a:schemeClr val="tx1">
+                    <a:lumMod val="85000"/>
+                    <a:lumOff val="15000"/>
+                  </a:schemeClr>
+                </a:solidFill>
+                <a:latin typeface="나눔바른고딕OTF Light" panose="02000303000000000000" pitchFamily="50" charset="-127"/>
+                <a:ea typeface="나눔바른고딕OTF Light" panose="02000303000000000000" pitchFamily="50" charset="-127"/>
+              </a:rPr>
+              <a:t>구현  </a:t>
+            </a:r>
           </a:p>
         </p:txBody>
       </p:sp>
@@ -4270,7 +4231,7 @@
           <p:cNvPr id="11" name="TextBox 10">
             <a:extLst>
               <a:ext uri="{FF2B5EF4-FFF2-40B4-BE49-F238E27FC236}">
-                <a16:creationId xmlns:a16="http://schemas.microsoft.com/office/drawing/2014/main" id="{2A60D340-2F6B-41FF-B73D-9511815271C8}"/>
+                <a16:creationId xmlns:a16="http://schemas.microsoft.com/office/drawing/2014/main" id="{92327C20-70BD-420E-B29D-EECB4F5484D8}"/>
               </a:ext>
             </a:extLst>
           </p:cNvPr>
@@ -4279,8 +4240,8 @@
         </p:nvSpPr>
         <p:spPr>
           <a:xfrm>
-            <a:off x="8732667" y="2991851"/>
-            <a:ext cx="1697901" cy="1754326"/>
+            <a:off x="5955319" y="4747195"/>
+            <a:ext cx="6147004" cy="1077218"/>
           </a:xfrm>
           <a:prstGeom prst="rect">
             <a:avLst/>
@@ -4294,273 +4255,115 @@
           <a:lstStyle/>
           <a:p>
             <a:r>
-              <a:rPr lang="en-US" altLang="ko-KR" dirty="0">
-                <a:latin typeface="나눔바른고딕OTF UltraLight" panose="00000300000000000000" pitchFamily="50" charset="-127"/>
-                <a:ea typeface="나눔바른고딕OTF UltraLight" panose="00000300000000000000" pitchFamily="50" charset="-127"/>
-              </a:rPr>
-              <a:t>C</a:t>
-            </a:r>
-            <a:r>
-              <a:rPr lang="ko-KR" altLang="en-US" dirty="0">
-                <a:latin typeface="나눔바른고딕OTF UltraLight" panose="00000300000000000000" pitchFamily="50" charset="-127"/>
-                <a:ea typeface="나눔바른고딕OTF UltraLight" panose="00000300000000000000" pitchFamily="50" charset="-127"/>
-              </a:rPr>
-              <a:t>프로그래밍</a:t>
-            </a:r>
-            <a:endParaRPr lang="en-US" altLang="ko-KR" dirty="0">
-              <a:latin typeface="나눔바른고딕OTF UltraLight" panose="00000300000000000000" pitchFamily="50" charset="-127"/>
-              <a:ea typeface="나눔바른고딕OTF UltraLight" panose="00000300000000000000" pitchFamily="50" charset="-127"/>
+              <a:rPr lang="en-US" altLang="ko-KR" sz="4000" dirty="0">
+                <a:solidFill>
+                  <a:schemeClr val="tx1">
+                    <a:lumMod val="85000"/>
+                    <a:lumOff val="15000"/>
+                  </a:schemeClr>
+                </a:solidFill>
+                <a:latin typeface="Noto Sans KR Black" panose="020B0A00000000000000" pitchFamily="34" charset="-127"/>
+                <a:ea typeface="Noto Sans KR Black" panose="020B0A00000000000000" pitchFamily="34" charset="-127"/>
+              </a:rPr>
+              <a:t>3D</a:t>
+            </a:r>
+            <a:r>
+              <a:rPr lang="ko-KR" altLang="en-US" sz="4000" dirty="0">
+                <a:solidFill>
+                  <a:schemeClr val="tx1">
+                    <a:lumMod val="85000"/>
+                    <a:lumOff val="15000"/>
+                  </a:schemeClr>
+                </a:solidFill>
+                <a:latin typeface="Noto Sans KR Black" panose="020B0A00000000000000" pitchFamily="34" charset="-127"/>
+                <a:ea typeface="Noto Sans KR Black" panose="020B0A00000000000000" pitchFamily="34" charset="-127"/>
+              </a:rPr>
+              <a:t>지형 </a:t>
+            </a:r>
+            <a:r>
+              <a:rPr lang="en-US" altLang="ko-KR" sz="4000" dirty="0">
+                <a:solidFill>
+                  <a:schemeClr val="tx1">
+                    <a:lumMod val="85000"/>
+                    <a:lumOff val="15000"/>
+                  </a:schemeClr>
+                </a:solidFill>
+                <a:latin typeface="Noto Sans KR Black" panose="020B0A00000000000000" pitchFamily="34" charset="-127"/>
+                <a:ea typeface="Noto Sans KR Black" panose="020B0A00000000000000" pitchFamily="34" charset="-127"/>
+              </a:rPr>
+              <a:t>Polygon </a:t>
+            </a:r>
+            <a:r>
+              <a:rPr lang="ko-KR" altLang="en-US" sz="4000" dirty="0">
+                <a:solidFill>
+                  <a:schemeClr val="tx1">
+                    <a:lumMod val="85000"/>
+                    <a:lumOff val="15000"/>
+                  </a:schemeClr>
+                </a:solidFill>
+                <a:latin typeface="Noto Sans KR Black" panose="020B0A00000000000000" pitchFamily="34" charset="-127"/>
+                <a:ea typeface="Noto Sans KR Black" panose="020B0A00000000000000" pitchFamily="34" charset="-127"/>
+              </a:rPr>
+              <a:t>충돌처리</a:t>
+            </a:r>
+            <a:endParaRPr lang="en-US" altLang="ko-KR" sz="4000" dirty="0">
+              <a:solidFill>
+                <a:schemeClr val="tx1">
+                  <a:lumMod val="85000"/>
+                  <a:lumOff val="15000"/>
+                </a:schemeClr>
+              </a:solidFill>
+              <a:latin typeface="Noto Sans KR Black" panose="020B0A00000000000000" pitchFamily="34" charset="-127"/>
+              <a:ea typeface="Noto Sans KR Black" panose="020B0A00000000000000" pitchFamily="34" charset="-127"/>
             </a:endParaRPr>
           </a:p>
           <a:p>
             <a:r>
-              <a:rPr lang="en-US" altLang="ko-KR" dirty="0">
-                <a:latin typeface="나눔바른고딕OTF UltraLight" panose="00000300000000000000" pitchFamily="50" charset="-127"/>
-                <a:ea typeface="나눔바른고딕OTF UltraLight" panose="00000300000000000000" pitchFamily="50" charset="-127"/>
-              </a:rPr>
-              <a:t>STL</a:t>
-            </a:r>
-          </a:p>
-          <a:p>
-            <a:r>
-              <a:rPr lang="ko-KR" altLang="en-US" dirty="0">
-                <a:latin typeface="나눔바른고딕OTF UltraLight" panose="00000300000000000000" pitchFamily="50" charset="-127"/>
-                <a:ea typeface="나눔바른고딕OTF UltraLight" panose="00000300000000000000" pitchFamily="50" charset="-127"/>
-              </a:rPr>
-              <a:t>게임엔진</a:t>
-            </a:r>
-            <a:r>
-              <a:rPr lang="en-US" altLang="ko-KR" dirty="0">
-                <a:latin typeface="나눔바른고딕OTF UltraLight" panose="00000300000000000000" pitchFamily="50" charset="-127"/>
-                <a:ea typeface="나눔바른고딕OTF UltraLight" panose="00000300000000000000" pitchFamily="50" charset="-127"/>
-              </a:rPr>
-              <a:t>1</a:t>
-            </a:r>
-          </a:p>
-          <a:p>
-            <a:r>
-              <a:rPr lang="en-US" altLang="ko-KR" dirty="0">
-                <a:latin typeface="나눔바른고딕OTF UltraLight" panose="00000300000000000000" pitchFamily="50" charset="-127"/>
-                <a:ea typeface="나눔바른고딕OTF UltraLight" panose="00000300000000000000" pitchFamily="50" charset="-127"/>
-              </a:rPr>
-              <a:t>3D</a:t>
-            </a:r>
-            <a:r>
-              <a:rPr lang="ko-KR" altLang="en-US" dirty="0">
-                <a:latin typeface="나눔바른고딕OTF UltraLight" panose="00000300000000000000" pitchFamily="50" charset="-127"/>
-                <a:ea typeface="나눔바른고딕OTF UltraLight" panose="00000300000000000000" pitchFamily="50" charset="-127"/>
-              </a:rPr>
-              <a:t>모델링</a:t>
-            </a:r>
-            <a:r>
-              <a:rPr lang="en-US" altLang="ko-KR" dirty="0">
-                <a:latin typeface="나눔바른고딕OTF UltraLight" panose="00000300000000000000" pitchFamily="50" charset="-127"/>
-                <a:ea typeface="나눔바른고딕OTF UltraLight" panose="00000300000000000000" pitchFamily="50" charset="-127"/>
-              </a:rPr>
-              <a:t>1</a:t>
-            </a:r>
-          </a:p>
-          <a:p>
-            <a:r>
-              <a:rPr lang="en-US" altLang="ko-KR" dirty="0">
-                <a:latin typeface="나눔바른고딕OTF UltraLight" panose="00000300000000000000" pitchFamily="50" charset="-127"/>
-                <a:ea typeface="나눔바른고딕OTF UltraLight" panose="00000300000000000000" pitchFamily="50" charset="-127"/>
-              </a:rPr>
-              <a:t>3D</a:t>
-            </a:r>
-            <a:r>
-              <a:rPr lang="ko-KR" altLang="en-US" dirty="0">
-                <a:latin typeface="나눔바른고딕OTF UltraLight" panose="00000300000000000000" pitchFamily="50" charset="-127"/>
-                <a:ea typeface="나눔바른고딕OTF UltraLight" panose="00000300000000000000" pitchFamily="50" charset="-127"/>
-              </a:rPr>
-              <a:t>애니메이션</a:t>
-            </a:r>
-            <a:r>
-              <a:rPr lang="en-US" altLang="ko-KR" dirty="0">
-                <a:latin typeface="나눔바른고딕OTF UltraLight" panose="00000300000000000000" pitchFamily="50" charset="-127"/>
-                <a:ea typeface="나눔바른고딕OTF UltraLight" panose="00000300000000000000" pitchFamily="50" charset="-127"/>
-              </a:rPr>
-              <a:t>2</a:t>
-            </a:r>
-          </a:p>
-          <a:p>
-            <a:r>
-              <a:rPr lang="ko-KR" altLang="en-US" dirty="0">
-                <a:latin typeface="나눔바른고딕OTF UltraLight" panose="00000300000000000000" pitchFamily="50" charset="-127"/>
-                <a:ea typeface="나눔바른고딕OTF UltraLight" panose="00000300000000000000" pitchFamily="50" charset="-127"/>
-              </a:rPr>
-              <a:t>게임기획</a:t>
-            </a:r>
-            <a:r>
-              <a:rPr lang="en-US" altLang="ko-KR" dirty="0">
-                <a:latin typeface="나눔바른고딕OTF UltraLight" panose="00000300000000000000" pitchFamily="50" charset="-127"/>
-                <a:ea typeface="나눔바른고딕OTF UltraLight" panose="00000300000000000000" pitchFamily="50" charset="-127"/>
-              </a:rPr>
-              <a:t>2</a:t>
-            </a:r>
-          </a:p>
-        </p:txBody>
-      </p:sp>
-      <p:sp>
-        <p:nvSpPr>
-          <p:cNvPr id="12" name="직사각형 11">
-            <a:extLst>
-              <a:ext uri="{FF2B5EF4-FFF2-40B4-BE49-F238E27FC236}">
-                <a16:creationId xmlns:a16="http://schemas.microsoft.com/office/drawing/2014/main" id="{6B264F5A-7B53-42AE-BAEE-01DE870B3D84}"/>
-              </a:ext>
-            </a:extLst>
-          </p:cNvPr>
-          <p:cNvSpPr/>
-          <p:nvPr/>
-        </p:nvSpPr>
-        <p:spPr>
-          <a:xfrm>
-            <a:off x="1514475" y="2407849"/>
-            <a:ext cx="106195" cy="2335248"/>
-          </a:xfrm>
-          <a:prstGeom prst="rect">
-            <a:avLst/>
-          </a:prstGeom>
-          <a:solidFill>
-            <a:srgbClr val="FF6565"/>
-          </a:solidFill>
-          <a:ln>
-            <a:noFill/>
-          </a:ln>
-        </p:spPr>
-        <p:style>
-          <a:lnRef idx="2">
-            <a:schemeClr val="accent1">
-              <a:shade val="50000"/>
-            </a:schemeClr>
-          </a:lnRef>
-          <a:fillRef idx="1">
-            <a:schemeClr val="accent1"/>
-          </a:fillRef>
-          <a:effectRef idx="0">
-            <a:schemeClr val="accent1"/>
-          </a:effectRef>
-          <a:fontRef idx="minor">
-            <a:schemeClr val="lt1"/>
-          </a:fontRef>
-        </p:style>
-        <p:txBody>
-          <a:bodyPr rtlCol="0" anchor="ctr"/>
-          <a:lstStyle/>
-          <a:p>
-            <a:pPr algn="ctr"/>
-            <a:endParaRPr lang="ko-KR" altLang="en-US"/>
-          </a:p>
-        </p:txBody>
-      </p:sp>
-      <p:sp>
-        <p:nvSpPr>
-          <p:cNvPr id="13" name="직사각형 12">
-            <a:extLst>
-              <a:ext uri="{FF2B5EF4-FFF2-40B4-BE49-F238E27FC236}">
-                <a16:creationId xmlns:a16="http://schemas.microsoft.com/office/drawing/2014/main" id="{F9D3C837-9DAE-4904-99C5-4FA719337E6C}"/>
-              </a:ext>
-            </a:extLst>
-          </p:cNvPr>
-          <p:cNvSpPr/>
-          <p:nvPr/>
-        </p:nvSpPr>
-        <p:spPr>
-          <a:xfrm>
-            <a:off x="5069654" y="2407849"/>
-            <a:ext cx="106195" cy="2615544"/>
-          </a:xfrm>
-          <a:prstGeom prst="rect">
-            <a:avLst/>
-          </a:prstGeom>
-          <a:solidFill>
-            <a:srgbClr val="FFC000"/>
-          </a:solidFill>
-          <a:ln>
-            <a:noFill/>
-          </a:ln>
-        </p:spPr>
-        <p:style>
-          <a:lnRef idx="2">
-            <a:schemeClr val="accent1">
-              <a:shade val="50000"/>
-            </a:schemeClr>
-          </a:lnRef>
-          <a:fillRef idx="1">
-            <a:schemeClr val="accent1"/>
-          </a:fillRef>
-          <a:effectRef idx="0">
-            <a:schemeClr val="accent1"/>
-          </a:effectRef>
-          <a:fontRef idx="minor">
-            <a:schemeClr val="lt1"/>
-          </a:fontRef>
-        </p:style>
-        <p:txBody>
-          <a:bodyPr rtlCol="0" anchor="ctr"/>
-          <a:lstStyle/>
-          <a:p>
-            <a:pPr algn="ctr"/>
-            <a:endParaRPr lang="ko-KR" altLang="en-US"/>
-          </a:p>
-        </p:txBody>
-      </p:sp>
-      <p:sp>
-        <p:nvSpPr>
-          <p:cNvPr id="14" name="직사각형 13">
-            <a:extLst>
-              <a:ext uri="{FF2B5EF4-FFF2-40B4-BE49-F238E27FC236}">
-                <a16:creationId xmlns:a16="http://schemas.microsoft.com/office/drawing/2014/main" id="{80BD813A-C4A3-4F89-AB17-A5337638EBEF}"/>
-              </a:ext>
-            </a:extLst>
-          </p:cNvPr>
-          <p:cNvSpPr/>
-          <p:nvPr/>
-        </p:nvSpPr>
-        <p:spPr>
-          <a:xfrm>
-            <a:off x="8624833" y="2407849"/>
-            <a:ext cx="106195" cy="2335248"/>
-          </a:xfrm>
-          <a:prstGeom prst="rect">
-            <a:avLst/>
-          </a:prstGeom>
-          <a:solidFill>
-            <a:srgbClr val="92D050"/>
-          </a:solidFill>
-          <a:ln>
-            <a:noFill/>
-          </a:ln>
-        </p:spPr>
-        <p:style>
-          <a:lnRef idx="2">
-            <a:schemeClr val="accent1">
-              <a:shade val="50000"/>
-            </a:schemeClr>
-          </a:lnRef>
-          <a:fillRef idx="1">
-            <a:schemeClr val="accent1"/>
-          </a:fillRef>
-          <a:effectRef idx="0">
-            <a:schemeClr val="accent1"/>
-          </a:effectRef>
-          <a:fontRef idx="minor">
-            <a:schemeClr val="lt1"/>
-          </a:fontRef>
-        </p:style>
-        <p:txBody>
-          <a:bodyPr rtlCol="0" anchor="ctr"/>
-          <a:lstStyle/>
-          <a:p>
-            <a:pPr algn="ctr"/>
-            <a:endParaRPr lang="ko-KR" altLang="en-US"/>
+              <a:rPr lang="ko-KR" altLang="en-US" sz="2400" dirty="0">
+                <a:solidFill>
+                  <a:schemeClr val="tx1">
+                    <a:lumMod val="85000"/>
+                    <a:lumOff val="15000"/>
+                  </a:schemeClr>
+                </a:solidFill>
+                <a:latin typeface="나눔바른고딕OTF Light" panose="02000303000000000000" pitchFamily="50" charset="-127"/>
+                <a:ea typeface="나눔바른고딕OTF Light" panose="02000303000000000000" pitchFamily="50" charset="-127"/>
+              </a:rPr>
+              <a:t>검색 </a:t>
+            </a:r>
+            <a:r>
+              <a:rPr lang="en-US" altLang="ko-KR" sz="2400" dirty="0">
+                <a:solidFill>
+                  <a:schemeClr val="tx1">
+                    <a:lumMod val="85000"/>
+                    <a:lumOff val="15000"/>
+                  </a:schemeClr>
+                </a:solidFill>
+                <a:latin typeface="나눔바른고딕OTF Light" panose="02000303000000000000" pitchFamily="50" charset="-127"/>
+                <a:ea typeface="나눔바른고딕OTF Light" panose="02000303000000000000" pitchFamily="50" charset="-127"/>
+              </a:rPr>
+              <a:t>Data</a:t>
+            </a:r>
+            <a:r>
+              <a:rPr lang="ko-KR" altLang="en-US" sz="2400" dirty="0">
+                <a:solidFill>
+                  <a:schemeClr val="tx1">
+                    <a:lumMod val="85000"/>
+                    <a:lumOff val="15000"/>
+                  </a:schemeClr>
+                </a:solidFill>
+                <a:latin typeface="나눔바른고딕OTF Light" panose="02000303000000000000" pitchFamily="50" charset="-127"/>
+                <a:ea typeface="나눔바른고딕OTF Light" panose="02000303000000000000" pitchFamily="50" charset="-127"/>
+              </a:rPr>
+              <a:t> 최적화로 충돌검색 속도 향상</a:t>
+            </a:r>
           </a:p>
         </p:txBody>
       </p:sp>
     </p:spTree>
     <p:extLst>
       <p:ext uri="{BB962C8B-B14F-4D97-AF65-F5344CB8AC3E}">
-        <p14:creationId xmlns:p14="http://schemas.microsoft.com/office/powerpoint/2010/main" val="3475033969"/>
+        <p14:creationId xmlns:p14="http://schemas.microsoft.com/office/powerpoint/2010/main" val="3806875783"/>
       </p:ext>
     </p:extLst>
   </p:cSld>
@@ -4592,7 +4395,7 @@
           <p:cNvPr id="2" name="직사각형 1">
             <a:extLst>
               <a:ext uri="{FF2B5EF4-FFF2-40B4-BE49-F238E27FC236}">
-                <a16:creationId xmlns:a16="http://schemas.microsoft.com/office/drawing/2014/main" id="{65BF263F-0E33-414D-A97F-5E9D23608E72}"/>
+                <a16:creationId xmlns:a16="http://schemas.microsoft.com/office/drawing/2014/main" id="{53FE54E2-4C7C-40FC-909B-7BFA744FF7D2}"/>
               </a:ext>
             </a:extLst>
           </p:cNvPr>
@@ -4647,7 +4450,7 @@
           <p:cNvPr id="3" name="직사각형 2">
             <a:extLst>
               <a:ext uri="{FF2B5EF4-FFF2-40B4-BE49-F238E27FC236}">
-                <a16:creationId xmlns:a16="http://schemas.microsoft.com/office/drawing/2014/main" id="{9DA2AC03-BBB5-4F6D-B0ED-36D125220166}"/>
+                <a16:creationId xmlns:a16="http://schemas.microsoft.com/office/drawing/2014/main" id="{15362430-A31E-4AA3-BE3B-4E7FD2B6392A}"/>
               </a:ext>
             </a:extLst>
           </p:cNvPr>
@@ -4699,10 +4502,10 @@
       </p:sp>
       <p:sp>
         <p:nvSpPr>
-          <p:cNvPr id="5" name="TextBox 4">
-            <a:extLst>
-              <a:ext uri="{FF2B5EF4-FFF2-40B4-BE49-F238E27FC236}">
-                <a16:creationId xmlns:a16="http://schemas.microsoft.com/office/drawing/2014/main" id="{E214CD9D-BC67-46FB-897F-3183A5F6CC07}"/>
+          <p:cNvPr id="4" name="TextBox 3">
+            <a:extLst>
+              <a:ext uri="{FF2B5EF4-FFF2-40B4-BE49-F238E27FC236}">
+                <a16:creationId xmlns:a16="http://schemas.microsoft.com/office/drawing/2014/main" id="{DFE36E73-A529-4C0E-A2B7-8B33EC05AFDF}"/>
               </a:ext>
             </a:extLst>
           </p:cNvPr>
@@ -4712,7 +4515,7 @@
         <p:spPr>
           <a:xfrm>
             <a:off x="184728" y="29503"/>
-            <a:ext cx="5270995" cy="769441"/>
+            <a:ext cx="4751622" cy="769441"/>
           </a:xfrm>
           <a:prstGeom prst="rect">
             <a:avLst/>
@@ -4733,7 +4536,7 @@
                 <a:latin typeface="Noto Sans KR Black" panose="020B0A00000000000000" pitchFamily="34" charset="-127"/>
                 <a:ea typeface="Noto Sans KR Black" panose="020B0A00000000000000" pitchFamily="34" charset="-127"/>
               </a:rPr>
-              <a:t>6. </a:t>
+              <a:t>5. </a:t>
             </a:r>
             <a:r>
               <a:rPr lang="ko-KR" altLang="en-US" sz="4400" dirty="0">
@@ -4743,64 +4546,71 @@
                 <a:latin typeface="Noto Sans KR Black" panose="020B0A00000000000000" pitchFamily="34" charset="-127"/>
                 <a:ea typeface="Noto Sans KR Black" panose="020B0A00000000000000" pitchFamily="34" charset="-127"/>
               </a:rPr>
-              <a:t>타 게임과의 차별성</a:t>
-            </a:r>
-          </a:p>
-        </p:txBody>
-      </p:sp>
-      <p:pic>
-        <p:nvPicPr>
-          <p:cNvPr id="14" name="Picture 2">
-            <a:extLst>
-              <a:ext uri="{FF2B5EF4-FFF2-40B4-BE49-F238E27FC236}">
-                <a16:creationId xmlns:a16="http://schemas.microsoft.com/office/drawing/2014/main" id="{77F2BF93-0421-41BF-9F78-C7C09D4F4F96}"/>
-              </a:ext>
-            </a:extLst>
-          </p:cNvPr>
-          <p:cNvPicPr>
-            <a:picLocks noChangeAspect="1" noChangeArrowheads="1"/>
-          </p:cNvPicPr>
+              <a:t>개인별 준비 현황</a:t>
+            </a:r>
+          </a:p>
+        </p:txBody>
+      </p:sp>
+      <p:sp>
+        <p:nvSpPr>
+          <p:cNvPr id="6" name="TextBox 5">
+            <a:extLst>
+              <a:ext uri="{FF2B5EF4-FFF2-40B4-BE49-F238E27FC236}">
+                <a16:creationId xmlns:a16="http://schemas.microsoft.com/office/drawing/2014/main" id="{60159DFE-FED6-4DAE-AF8D-78864DB20DFA}"/>
+              </a:ext>
+            </a:extLst>
+          </p:cNvPr>
+          <p:cNvSpPr txBox="1"/>
           <p:nvPr/>
-        </p:nvPicPr>
-        <p:blipFill>
-          <a:blip r:embed="rId2">
-            <a:extLst>
-              <a:ext uri="{28A0092B-C50C-407E-A947-70E740481C1C}">
-                <a14:useLocalDpi xmlns:a14="http://schemas.microsoft.com/office/drawing/2010/main" val="0"/>
-              </a:ext>
-            </a:extLst>
-          </a:blip>
-          <a:srcRect/>
-          <a:stretch>
-            <a:fillRect/>
-          </a:stretch>
-        </p:blipFill>
-        <p:spPr bwMode="auto">
+        </p:nvSpPr>
+        <p:spPr>
           <a:xfrm>
-            <a:off x="3826163" y="1433944"/>
-            <a:ext cx="4539673" cy="4539673"/>
+            <a:off x="1620670" y="2384169"/>
+            <a:ext cx="1598515" cy="707886"/>
           </a:xfrm>
           <a:prstGeom prst="rect">
             <a:avLst/>
           </a:prstGeom>
           <a:noFill/>
-          <a:extLst>
-            <a:ext uri="{909E8E84-426E-40DD-AFC4-6F175D3DCCD1}">
-              <a14:hiddenFill xmlns:a14="http://schemas.microsoft.com/office/drawing/2010/main">
+        </p:spPr>
+        <p:txBody>
+          <a:bodyPr wrap="none" rtlCol="0">
+            <a:spAutoFit/>
+          </a:bodyPr>
+          <a:lstStyle/>
+          <a:p>
+            <a:r>
+              <a:rPr lang="ko-KR" altLang="en-US" sz="4000" dirty="0">
                 <a:solidFill>
-                  <a:srgbClr val="FFFFFF"/>
+                  <a:schemeClr val="tx1">
+                    <a:lumMod val="85000"/>
+                    <a:lumOff val="15000"/>
+                  </a:schemeClr>
                 </a:solidFill>
-              </a14:hiddenFill>
-            </a:ext>
-          </a:extLst>
-        </p:spPr>
-      </p:pic>
-      <p:sp>
-        <p:nvSpPr>
-          <p:cNvPr id="16" name="TextBox 15">
-            <a:extLst>
-              <a:ext uri="{FF2B5EF4-FFF2-40B4-BE49-F238E27FC236}">
-                <a16:creationId xmlns:a16="http://schemas.microsoft.com/office/drawing/2014/main" id="{917A9485-7F49-4AC4-907A-1CEA50F4CE4D}"/>
+                <a:latin typeface="Noto Sans KR Black" panose="020B0A00000000000000" pitchFamily="34" charset="-127"/>
+                <a:ea typeface="Noto Sans KR Black" panose="020B0A00000000000000" pitchFamily="34" charset="-127"/>
+              </a:rPr>
+              <a:t>원윤식</a:t>
+            </a:r>
+            <a:endParaRPr lang="ko-KR" altLang="en-US" sz="2400" dirty="0">
+              <a:solidFill>
+                <a:schemeClr val="tx1">
+                  <a:lumMod val="85000"/>
+                  <a:lumOff val="15000"/>
+                </a:schemeClr>
+              </a:solidFill>
+              <a:latin typeface="나눔바른고딕OTF Light" panose="02000303000000000000" pitchFamily="50" charset="-127"/>
+              <a:ea typeface="나눔바른고딕OTF Light" panose="02000303000000000000" pitchFamily="50" charset="-127"/>
+            </a:endParaRPr>
+          </a:p>
+        </p:txBody>
+      </p:sp>
+      <p:sp>
+        <p:nvSpPr>
+          <p:cNvPr id="7" name="TextBox 6">
+            <a:extLst>
+              <a:ext uri="{FF2B5EF4-FFF2-40B4-BE49-F238E27FC236}">
+                <a16:creationId xmlns:a16="http://schemas.microsoft.com/office/drawing/2014/main" id="{84CA4032-6946-46C2-A2FB-8584E4380E4A}"/>
               </a:ext>
             </a:extLst>
           </p:cNvPr>
@@ -4809,8 +4619,8 @@
         </p:nvSpPr>
         <p:spPr>
           <a:xfrm>
-            <a:off x="5508337" y="3665942"/>
-            <a:ext cx="1175322" cy="523220"/>
+            <a:off x="5176669" y="2384169"/>
+            <a:ext cx="1598515" cy="707886"/>
           </a:xfrm>
           <a:prstGeom prst="rect">
             <a:avLst/>
@@ -4824,31 +4634,37 @@
           <a:lstStyle/>
           <a:p>
             <a:r>
-              <a:rPr lang="ko-KR" altLang="en-US" sz="2800" dirty="0" err="1">
+              <a:rPr lang="ko-KR" altLang="en-US" sz="4000" dirty="0">
                 <a:solidFill>
-                  <a:schemeClr val="bg1"/>
+                  <a:schemeClr val="tx1">
+                    <a:lumMod val="85000"/>
+                    <a:lumOff val="15000"/>
+                  </a:schemeClr>
                 </a:solidFill>
                 <a:latin typeface="Noto Sans KR Black" panose="020B0A00000000000000" pitchFamily="34" charset="-127"/>
                 <a:ea typeface="Noto Sans KR Black" panose="020B0A00000000000000" pitchFamily="34" charset="-127"/>
               </a:rPr>
-              <a:t>타격감</a:t>
-            </a:r>
-            <a:endParaRPr lang="ko-KR" altLang="en-US" sz="2800" dirty="0">
+              <a:t>김재원</a:t>
+            </a:r>
+            <a:endParaRPr lang="ko-KR" altLang="en-US" sz="2400" dirty="0">
               <a:solidFill>
-                <a:schemeClr val="bg1"/>
+                <a:schemeClr val="tx1">
+                  <a:lumMod val="85000"/>
+                  <a:lumOff val="15000"/>
+                </a:schemeClr>
               </a:solidFill>
-              <a:latin typeface="Noto Sans KR Black" panose="020B0A00000000000000" pitchFamily="34" charset="-127"/>
-              <a:ea typeface="Noto Sans KR Black" panose="020B0A00000000000000" pitchFamily="34" charset="-127"/>
+              <a:latin typeface="나눔바른고딕OTF Light" panose="02000303000000000000" pitchFamily="50" charset="-127"/>
+              <a:ea typeface="나눔바른고딕OTF Light" panose="02000303000000000000" pitchFamily="50" charset="-127"/>
             </a:endParaRPr>
           </a:p>
         </p:txBody>
       </p:sp>
       <p:sp>
         <p:nvSpPr>
-          <p:cNvPr id="17" name="TextBox 16">
-            <a:extLst>
-              <a:ext uri="{FF2B5EF4-FFF2-40B4-BE49-F238E27FC236}">
-                <a16:creationId xmlns:a16="http://schemas.microsoft.com/office/drawing/2014/main" id="{CB654014-6216-441D-A88C-7ABCBD4AA01B}"/>
+          <p:cNvPr id="8" name="TextBox 7">
+            <a:extLst>
+              <a:ext uri="{FF2B5EF4-FFF2-40B4-BE49-F238E27FC236}">
+                <a16:creationId xmlns:a16="http://schemas.microsoft.com/office/drawing/2014/main" id="{1094185D-D8A6-4BDA-B229-BFC4496BCC0A}"/>
               </a:ext>
             </a:extLst>
           </p:cNvPr>
@@ -4857,8 +4673,8 @@
         </p:nvSpPr>
         <p:spPr>
           <a:xfrm>
-            <a:off x="5414561" y="2269375"/>
-            <a:ext cx="1362874" cy="400110"/>
+            <a:off x="8732668" y="2407849"/>
+            <a:ext cx="1598515" cy="707886"/>
           </a:xfrm>
           <a:prstGeom prst="rect">
             <a:avLst/>
@@ -4872,24 +4688,37 @@
           <a:lstStyle/>
           <a:p>
             <a:r>
-              <a:rPr lang="ko-KR" altLang="en-US" sz="2000" dirty="0">
+              <a:rPr lang="ko-KR" altLang="en-US" sz="4000" dirty="0" err="1">
                 <a:solidFill>
-                  <a:schemeClr val="bg1"/>
+                  <a:schemeClr val="tx1">
+                    <a:lumMod val="85000"/>
+                    <a:lumOff val="15000"/>
+                  </a:schemeClr>
                 </a:solidFill>
-                <a:latin typeface="Noto Sans KR Medium" panose="020B0600000000000000" pitchFamily="34" charset="-127"/>
-                <a:ea typeface="Noto Sans KR Medium" panose="020B0600000000000000" pitchFamily="34" charset="-127"/>
-              </a:rPr>
-              <a:t>애니메이션</a:t>
-            </a:r>
-          </a:p>
-        </p:txBody>
-      </p:sp>
-      <p:sp>
-        <p:nvSpPr>
-          <p:cNvPr id="18" name="TextBox 17">
-            <a:extLst>
-              <a:ext uri="{FF2B5EF4-FFF2-40B4-BE49-F238E27FC236}">
-                <a16:creationId xmlns:a16="http://schemas.microsoft.com/office/drawing/2014/main" id="{FF5D6252-C48D-4A8B-B9F6-EC60DD541DA0}"/>
+                <a:latin typeface="Noto Sans KR Black" panose="020B0A00000000000000" pitchFamily="34" charset="-127"/>
+                <a:ea typeface="Noto Sans KR Black" panose="020B0A00000000000000" pitchFamily="34" charset="-127"/>
+              </a:rPr>
+              <a:t>김연중</a:t>
+            </a:r>
+            <a:endParaRPr lang="ko-KR" altLang="en-US" sz="2400" dirty="0">
+              <a:solidFill>
+                <a:schemeClr val="tx1">
+                  <a:lumMod val="85000"/>
+                  <a:lumOff val="15000"/>
+                </a:schemeClr>
+              </a:solidFill>
+              <a:latin typeface="나눔바른고딕OTF Light" panose="02000303000000000000" pitchFamily="50" charset="-127"/>
+              <a:ea typeface="나눔바른고딕OTF Light" panose="02000303000000000000" pitchFamily="50" charset="-127"/>
+            </a:endParaRPr>
+          </a:p>
+        </p:txBody>
+      </p:sp>
+      <p:sp>
+        <p:nvSpPr>
+          <p:cNvPr id="9" name="TextBox 8">
+            <a:extLst>
+              <a:ext uri="{FF2B5EF4-FFF2-40B4-BE49-F238E27FC236}">
+                <a16:creationId xmlns:a16="http://schemas.microsoft.com/office/drawing/2014/main" id="{D1606C0F-89EB-48C5-A784-317CCFF14EA7}"/>
               </a:ext>
             </a:extLst>
           </p:cNvPr>
@@ -4898,8 +4727,8 @@
         </p:nvSpPr>
         <p:spPr>
           <a:xfrm>
-            <a:off x="4061200" y="4499299"/>
-            <a:ext cx="1186543" cy="400110"/>
+            <a:off x="1620670" y="2988771"/>
+            <a:ext cx="2441695" cy="1754326"/>
           </a:xfrm>
           <a:prstGeom prst="rect">
             <a:avLst/>
@@ -4913,24 +4742,123 @@
           <a:lstStyle/>
           <a:p>
             <a:r>
-              <a:rPr lang="ko-KR" altLang="en-US" sz="2000" dirty="0">
-                <a:solidFill>
-                  <a:schemeClr val="bg1"/>
-                </a:solidFill>
-                <a:latin typeface="Noto Sans KR Medium" panose="020B0600000000000000" pitchFamily="34" charset="-127"/>
-                <a:ea typeface="Noto Sans KR Medium" panose="020B0600000000000000" pitchFamily="34" charset="-127"/>
-              </a:rPr>
-              <a:t>시각 효과</a:t>
-            </a:r>
-          </a:p>
-        </p:txBody>
-      </p:sp>
-      <p:sp>
-        <p:nvSpPr>
-          <p:cNvPr id="19" name="TextBox 18">
-            <a:extLst>
-              <a:ext uri="{FF2B5EF4-FFF2-40B4-BE49-F238E27FC236}">
-                <a16:creationId xmlns:a16="http://schemas.microsoft.com/office/drawing/2014/main" id="{3ACB4BB9-FF75-4CD3-9C31-ABA0BEE7DA27}"/>
+              <a:rPr lang="en-US" altLang="ko-KR" dirty="0">
+                <a:latin typeface="나눔바른고딕OTF UltraLight" panose="00000300000000000000" pitchFamily="50" charset="-127"/>
+                <a:ea typeface="나눔바른고딕OTF UltraLight" panose="00000300000000000000" pitchFamily="50" charset="-127"/>
+              </a:rPr>
+              <a:t>C, C++</a:t>
+            </a:r>
+            <a:r>
+              <a:rPr lang="ko-KR" altLang="en-US" dirty="0">
+                <a:latin typeface="나눔바른고딕OTF UltraLight" panose="00000300000000000000" pitchFamily="50" charset="-127"/>
+                <a:ea typeface="나눔바른고딕OTF UltraLight" panose="00000300000000000000" pitchFamily="50" charset="-127"/>
+              </a:rPr>
+              <a:t>프로그래밍</a:t>
+            </a:r>
+            <a:endParaRPr lang="en-US" altLang="ko-KR" dirty="0">
+              <a:latin typeface="나눔바른고딕OTF UltraLight" panose="00000300000000000000" pitchFamily="50" charset="-127"/>
+              <a:ea typeface="나눔바른고딕OTF UltraLight" panose="00000300000000000000" pitchFamily="50" charset="-127"/>
+            </a:endParaRPr>
+          </a:p>
+          <a:p>
+            <a:r>
+              <a:rPr lang="en-US" altLang="ko-KR" dirty="0">
+                <a:latin typeface="나눔바른고딕OTF UltraLight" panose="00000300000000000000" pitchFamily="50" charset="-127"/>
+                <a:ea typeface="나눔바른고딕OTF UltraLight" panose="00000300000000000000" pitchFamily="50" charset="-127"/>
+              </a:rPr>
+              <a:t>STL</a:t>
+            </a:r>
+          </a:p>
+          <a:p>
+            <a:r>
+              <a:rPr lang="en-US" altLang="ko-KR" dirty="0">
+                <a:latin typeface="나눔바른고딕OTF UltraLight" panose="00000300000000000000" pitchFamily="50" charset="-127"/>
+                <a:ea typeface="나눔바른고딕OTF UltraLight" panose="00000300000000000000" pitchFamily="50" charset="-127"/>
+              </a:rPr>
+              <a:t>3D</a:t>
+            </a:r>
+            <a:r>
+              <a:rPr lang="ko-KR" altLang="en-US" dirty="0">
+                <a:latin typeface="나눔바른고딕OTF UltraLight" panose="00000300000000000000" pitchFamily="50" charset="-127"/>
+                <a:ea typeface="나눔바른고딕OTF UltraLight" panose="00000300000000000000" pitchFamily="50" charset="-127"/>
+              </a:rPr>
+              <a:t>게임프로그래밍</a:t>
+            </a:r>
+            <a:r>
+              <a:rPr lang="en-US" altLang="ko-KR" dirty="0">
+                <a:latin typeface="나눔바른고딕OTF UltraLight" panose="00000300000000000000" pitchFamily="50" charset="-127"/>
+                <a:ea typeface="나눔바른고딕OTF UltraLight" panose="00000300000000000000" pitchFamily="50" charset="-127"/>
+              </a:rPr>
+              <a:t>1</a:t>
+            </a:r>
+          </a:p>
+          <a:p>
+            <a:r>
+              <a:rPr lang="en-US" altLang="ko-KR" dirty="0">
+                <a:latin typeface="나눔바른고딕OTF UltraLight" panose="00000300000000000000" pitchFamily="50" charset="-127"/>
+                <a:ea typeface="나눔바른고딕OTF UltraLight" panose="00000300000000000000" pitchFamily="50" charset="-127"/>
+              </a:rPr>
+              <a:t>3D</a:t>
+            </a:r>
+            <a:r>
+              <a:rPr lang="ko-KR" altLang="en-US" dirty="0">
+                <a:latin typeface="나눔바른고딕OTF UltraLight" panose="00000300000000000000" pitchFamily="50" charset="-127"/>
+                <a:ea typeface="나눔바른고딕OTF UltraLight" panose="00000300000000000000" pitchFamily="50" charset="-127"/>
+              </a:rPr>
+              <a:t>게임프로그래밍</a:t>
+            </a:r>
+            <a:r>
+              <a:rPr lang="en-US" altLang="ko-KR" dirty="0">
+                <a:latin typeface="나눔바른고딕OTF UltraLight" panose="00000300000000000000" pitchFamily="50" charset="-127"/>
+                <a:ea typeface="나눔바른고딕OTF UltraLight" panose="00000300000000000000" pitchFamily="50" charset="-127"/>
+              </a:rPr>
+              <a:t>2</a:t>
+            </a:r>
+          </a:p>
+          <a:p>
+            <a:r>
+              <a:rPr lang="en-US" altLang="ko-KR" dirty="0">
+                <a:latin typeface="나눔바른고딕OTF UltraLight" panose="00000300000000000000" pitchFamily="50" charset="-127"/>
+                <a:ea typeface="나눔바른고딕OTF UltraLight" panose="00000300000000000000" pitchFamily="50" charset="-127"/>
+              </a:rPr>
+              <a:t>3D</a:t>
+            </a:r>
+            <a:r>
+              <a:rPr lang="ko-KR" altLang="en-US" dirty="0">
+                <a:latin typeface="나눔바른고딕OTF UltraLight" panose="00000300000000000000" pitchFamily="50" charset="-127"/>
+                <a:ea typeface="나눔바른고딕OTF UltraLight" panose="00000300000000000000" pitchFamily="50" charset="-127"/>
+              </a:rPr>
+              <a:t>애니메이션</a:t>
+            </a:r>
+            <a:r>
+              <a:rPr lang="en-US" altLang="ko-KR" dirty="0">
+                <a:latin typeface="나눔바른고딕OTF UltraLight" panose="00000300000000000000" pitchFamily="50" charset="-127"/>
+                <a:ea typeface="나눔바른고딕OTF UltraLight" panose="00000300000000000000" pitchFamily="50" charset="-127"/>
+              </a:rPr>
+              <a:t>1</a:t>
+            </a:r>
+          </a:p>
+          <a:p>
+            <a:r>
+              <a:rPr lang="ko-KR" altLang="en-US" dirty="0">
+                <a:latin typeface="나눔바른고딕OTF UltraLight" panose="00000300000000000000" pitchFamily="50" charset="-127"/>
+                <a:ea typeface="나눔바른고딕OTF UltraLight" panose="00000300000000000000" pitchFamily="50" charset="-127"/>
+              </a:rPr>
+              <a:t>네트워크게임프로그래밍</a:t>
+            </a:r>
+            <a:endParaRPr lang="en-US" altLang="ko-KR" dirty="0">
+              <a:latin typeface="나눔바른고딕OTF UltraLight" panose="00000300000000000000" pitchFamily="50" charset="-127"/>
+              <a:ea typeface="나눔바른고딕OTF UltraLight" panose="00000300000000000000" pitchFamily="50" charset="-127"/>
+            </a:endParaRPr>
+          </a:p>
+        </p:txBody>
+      </p:sp>
+      <p:sp>
+        <p:nvSpPr>
+          <p:cNvPr id="10" name="TextBox 9">
+            <a:extLst>
+              <a:ext uri="{FF2B5EF4-FFF2-40B4-BE49-F238E27FC236}">
+                <a16:creationId xmlns:a16="http://schemas.microsoft.com/office/drawing/2014/main" id="{021B0D11-2C93-4AF7-90B8-CB92E711ED73}"/>
               </a:ext>
             </a:extLst>
           </p:cNvPr>
@@ -4939,8 +4867,8 @@
         </p:nvSpPr>
         <p:spPr>
           <a:xfrm>
-            <a:off x="7155889" y="4499299"/>
-            <a:ext cx="891591" cy="400110"/>
+            <a:off x="5176669" y="2992068"/>
+            <a:ext cx="2441694" cy="2031325"/>
           </a:xfrm>
           <a:prstGeom prst="rect">
             <a:avLst/>
@@ -4954,24 +4882,136 @@
           <a:lstStyle/>
           <a:p>
             <a:r>
-              <a:rPr lang="ko-KR" altLang="en-US" sz="2000" dirty="0">
-                <a:solidFill>
-                  <a:schemeClr val="bg1"/>
-                </a:solidFill>
-                <a:latin typeface="Noto Sans KR Medium" panose="020B0600000000000000" pitchFamily="34" charset="-127"/>
-                <a:ea typeface="Noto Sans KR Medium" panose="020B0600000000000000" pitchFamily="34" charset="-127"/>
-              </a:rPr>
-              <a:t>효과음</a:t>
-            </a:r>
-          </a:p>
-        </p:txBody>
-      </p:sp>
-      <p:sp>
-        <p:nvSpPr>
-          <p:cNvPr id="20" name="TextBox 19">
-            <a:extLst>
-              <a:ext uri="{FF2B5EF4-FFF2-40B4-BE49-F238E27FC236}">
-                <a16:creationId xmlns:a16="http://schemas.microsoft.com/office/drawing/2014/main" id="{AC5C393E-B75E-4E08-B85E-9D694EF35D49}"/>
+              <a:rPr lang="en-US" altLang="ko-KR" dirty="0">
+                <a:latin typeface="나눔바른고딕OTF UltraLight" panose="00000300000000000000" pitchFamily="50" charset="-127"/>
+                <a:ea typeface="나눔바른고딕OTF UltraLight" panose="00000300000000000000" pitchFamily="50" charset="-127"/>
+              </a:rPr>
+              <a:t>C, C++</a:t>
+            </a:r>
+            <a:r>
+              <a:rPr lang="ko-KR" altLang="en-US" dirty="0">
+                <a:latin typeface="나눔바른고딕OTF UltraLight" panose="00000300000000000000" pitchFamily="50" charset="-127"/>
+                <a:ea typeface="나눔바른고딕OTF UltraLight" panose="00000300000000000000" pitchFamily="50" charset="-127"/>
+              </a:rPr>
+              <a:t>프로그래밍</a:t>
+            </a:r>
+            <a:endParaRPr lang="en-US" altLang="ko-KR" dirty="0">
+              <a:latin typeface="나눔바른고딕OTF UltraLight" panose="00000300000000000000" pitchFamily="50" charset="-127"/>
+              <a:ea typeface="나눔바른고딕OTF UltraLight" panose="00000300000000000000" pitchFamily="50" charset="-127"/>
+            </a:endParaRPr>
+          </a:p>
+          <a:p>
+            <a:r>
+              <a:rPr lang="en-US" altLang="ko-KR" dirty="0">
+                <a:latin typeface="나눔바른고딕OTF UltraLight" panose="00000300000000000000" pitchFamily="50" charset="-127"/>
+                <a:ea typeface="나눔바른고딕OTF UltraLight" panose="00000300000000000000" pitchFamily="50" charset="-127"/>
+              </a:rPr>
+              <a:t>STL</a:t>
+            </a:r>
+          </a:p>
+          <a:p>
+            <a:r>
+              <a:rPr lang="en-US" altLang="ko-KR" dirty="0">
+                <a:latin typeface="나눔바른고딕OTF UltraLight" panose="00000300000000000000" pitchFamily="50" charset="-127"/>
+                <a:ea typeface="나눔바른고딕OTF UltraLight" panose="00000300000000000000" pitchFamily="50" charset="-127"/>
+              </a:rPr>
+              <a:t>3D</a:t>
+            </a:r>
+            <a:r>
+              <a:rPr lang="ko-KR" altLang="en-US" dirty="0">
+                <a:latin typeface="나눔바른고딕OTF UltraLight" panose="00000300000000000000" pitchFamily="50" charset="-127"/>
+                <a:ea typeface="나눔바른고딕OTF UltraLight" panose="00000300000000000000" pitchFamily="50" charset="-127"/>
+              </a:rPr>
+              <a:t>게임프로그래밍</a:t>
+            </a:r>
+            <a:r>
+              <a:rPr lang="en-US" altLang="ko-KR" dirty="0">
+                <a:latin typeface="나눔바른고딕OTF UltraLight" panose="00000300000000000000" pitchFamily="50" charset="-127"/>
+                <a:ea typeface="나눔바른고딕OTF UltraLight" panose="00000300000000000000" pitchFamily="50" charset="-127"/>
+              </a:rPr>
+              <a:t>1</a:t>
+            </a:r>
+          </a:p>
+          <a:p>
+            <a:r>
+              <a:rPr lang="en-US" altLang="ko-KR" dirty="0">
+                <a:latin typeface="나눔바른고딕OTF UltraLight" panose="00000300000000000000" pitchFamily="50" charset="-127"/>
+                <a:ea typeface="나눔바른고딕OTF UltraLight" panose="00000300000000000000" pitchFamily="50" charset="-127"/>
+              </a:rPr>
+              <a:t>3D</a:t>
+            </a:r>
+            <a:r>
+              <a:rPr lang="ko-KR" altLang="en-US" dirty="0">
+                <a:latin typeface="나눔바른고딕OTF UltraLight" panose="00000300000000000000" pitchFamily="50" charset="-127"/>
+                <a:ea typeface="나눔바른고딕OTF UltraLight" panose="00000300000000000000" pitchFamily="50" charset="-127"/>
+              </a:rPr>
+              <a:t>모델링</a:t>
+            </a:r>
+            <a:r>
+              <a:rPr lang="en-US" altLang="ko-KR" dirty="0">
+                <a:latin typeface="나눔바른고딕OTF UltraLight" panose="00000300000000000000" pitchFamily="50" charset="-127"/>
+                <a:ea typeface="나눔바른고딕OTF UltraLight" panose="00000300000000000000" pitchFamily="50" charset="-127"/>
+              </a:rPr>
+              <a:t>1</a:t>
+            </a:r>
+          </a:p>
+          <a:p>
+            <a:r>
+              <a:rPr lang="en-US" altLang="ko-KR" dirty="0">
+                <a:latin typeface="나눔바른고딕OTF UltraLight" panose="00000300000000000000" pitchFamily="50" charset="-127"/>
+                <a:ea typeface="나눔바른고딕OTF UltraLight" panose="00000300000000000000" pitchFamily="50" charset="-127"/>
+              </a:rPr>
+              <a:t>3D</a:t>
+            </a:r>
+            <a:r>
+              <a:rPr lang="ko-KR" altLang="en-US" dirty="0">
+                <a:latin typeface="나눔바른고딕OTF UltraLight" panose="00000300000000000000" pitchFamily="50" charset="-127"/>
+                <a:ea typeface="나눔바른고딕OTF UltraLight" panose="00000300000000000000" pitchFamily="50" charset="-127"/>
+              </a:rPr>
+              <a:t>애니메이션</a:t>
+            </a:r>
+            <a:r>
+              <a:rPr lang="en-US" altLang="ko-KR" dirty="0">
+                <a:latin typeface="나눔바른고딕OTF UltraLight" panose="00000300000000000000" pitchFamily="50" charset="-127"/>
+                <a:ea typeface="나눔바른고딕OTF UltraLight" panose="00000300000000000000" pitchFamily="50" charset="-127"/>
+              </a:rPr>
+              <a:t>1</a:t>
+            </a:r>
+          </a:p>
+          <a:p>
+            <a:r>
+              <a:rPr lang="ko-KR" altLang="en-US" dirty="0">
+                <a:latin typeface="나눔바른고딕OTF UltraLight" panose="00000300000000000000" pitchFamily="50" charset="-127"/>
+                <a:ea typeface="나눔바른고딕OTF UltraLight" panose="00000300000000000000" pitchFamily="50" charset="-127"/>
+              </a:rPr>
+              <a:t>네트워크게임프로그래밍</a:t>
+            </a:r>
+            <a:endParaRPr lang="en-US" altLang="ko-KR" dirty="0">
+              <a:latin typeface="나눔바른고딕OTF UltraLight" panose="00000300000000000000" pitchFamily="50" charset="-127"/>
+              <a:ea typeface="나눔바른고딕OTF UltraLight" panose="00000300000000000000" pitchFamily="50" charset="-127"/>
+            </a:endParaRPr>
+          </a:p>
+          <a:p>
+            <a:r>
+              <a:rPr lang="ko-KR" altLang="en-US" dirty="0">
+                <a:latin typeface="나눔바른고딕OTF UltraLight" panose="00000300000000000000" pitchFamily="50" charset="-127"/>
+                <a:ea typeface="나눔바른고딕OTF UltraLight" panose="00000300000000000000" pitchFamily="50" charset="-127"/>
+              </a:rPr>
+              <a:t>게임서버프로그래밍</a:t>
+            </a:r>
+            <a:endParaRPr lang="en-US" altLang="ko-KR" dirty="0">
+              <a:latin typeface="나눔바른고딕OTF UltraLight" panose="00000300000000000000" pitchFamily="50" charset="-127"/>
+              <a:ea typeface="나눔바른고딕OTF UltraLight" panose="00000300000000000000" pitchFamily="50" charset="-127"/>
+            </a:endParaRPr>
+          </a:p>
+        </p:txBody>
+      </p:sp>
+      <p:sp>
+        <p:nvSpPr>
+          <p:cNvPr id="11" name="TextBox 10">
+            <a:extLst>
+              <a:ext uri="{FF2B5EF4-FFF2-40B4-BE49-F238E27FC236}">
+                <a16:creationId xmlns:a16="http://schemas.microsoft.com/office/drawing/2014/main" id="{2A60D340-2F6B-41FF-B73D-9511815271C8}"/>
               </a:ext>
             </a:extLst>
           </p:cNvPr>
@@ -4980,8 +5020,8 @@
         </p:nvSpPr>
         <p:spPr>
           <a:xfrm>
-            <a:off x="2161428" y="4761204"/>
-            <a:ext cx="1518364" cy="923330"/>
+            <a:off x="8732667" y="2991851"/>
+            <a:ext cx="1697901" cy="1754326"/>
           </a:xfrm>
           <a:prstGeom prst="rect">
             <a:avLst/>
@@ -4994,169 +5034,136 @@
           </a:bodyPr>
           <a:lstStyle/>
           <a:p>
-            <a:pPr algn="r"/>
+            <a:r>
+              <a:rPr lang="en-US" altLang="ko-KR" dirty="0">
+                <a:latin typeface="나눔바른고딕OTF UltraLight" panose="00000300000000000000" pitchFamily="50" charset="-127"/>
+                <a:ea typeface="나눔바른고딕OTF UltraLight" panose="00000300000000000000" pitchFamily="50" charset="-127"/>
+              </a:rPr>
+              <a:t>C</a:t>
+            </a:r>
             <a:r>
               <a:rPr lang="ko-KR" altLang="en-US" dirty="0">
-                <a:latin typeface="나눔바른고딕OTF Light" panose="02000303000000000000" pitchFamily="50" charset="-127"/>
-                <a:ea typeface="나눔바른고딕OTF Light" panose="02000303000000000000" pitchFamily="50" charset="-127"/>
-              </a:rPr>
-              <a:t>총구 발사 시</a:t>
+                <a:latin typeface="나눔바른고딕OTF UltraLight" panose="00000300000000000000" pitchFamily="50" charset="-127"/>
+                <a:ea typeface="나눔바른고딕OTF UltraLight" panose="00000300000000000000" pitchFamily="50" charset="-127"/>
+              </a:rPr>
+              <a:t>프로그래밍</a:t>
             </a:r>
             <a:endParaRPr lang="en-US" altLang="ko-KR" dirty="0">
-              <a:latin typeface="나눔바른고딕OTF Light" panose="02000303000000000000" pitchFamily="50" charset="-127"/>
-              <a:ea typeface="나눔바른고딕OTF Light" panose="02000303000000000000" pitchFamily="50" charset="-127"/>
+              <a:latin typeface="나눔바른고딕OTF UltraLight" panose="00000300000000000000" pitchFamily="50" charset="-127"/>
+              <a:ea typeface="나눔바른고딕OTF UltraLight" panose="00000300000000000000" pitchFamily="50" charset="-127"/>
             </a:endParaRPr>
           </a:p>
           <a:p>
-            <a:pPr algn="r"/>
+            <a:r>
+              <a:rPr lang="en-US" altLang="ko-KR" dirty="0">
+                <a:latin typeface="나눔바른고딕OTF UltraLight" panose="00000300000000000000" pitchFamily="50" charset="-127"/>
+                <a:ea typeface="나눔바른고딕OTF UltraLight" panose="00000300000000000000" pitchFamily="50" charset="-127"/>
+              </a:rPr>
+              <a:t>STL</a:t>
+            </a:r>
+          </a:p>
+          <a:p>
             <a:r>
               <a:rPr lang="ko-KR" altLang="en-US" dirty="0">
-                <a:latin typeface="나눔바른고딕OTF Light" panose="02000303000000000000" pitchFamily="50" charset="-127"/>
-                <a:ea typeface="나눔바른고딕OTF Light" panose="02000303000000000000" pitchFamily="50" charset="-127"/>
-              </a:rPr>
-              <a:t>적 타격 시</a:t>
-            </a:r>
-            <a:endParaRPr lang="en-US" altLang="ko-KR" dirty="0">
-              <a:latin typeface="나눔바른고딕OTF Light" panose="02000303000000000000" pitchFamily="50" charset="-127"/>
-              <a:ea typeface="나눔바른고딕OTF Light" panose="02000303000000000000" pitchFamily="50" charset="-127"/>
-            </a:endParaRPr>
-          </a:p>
-          <a:p>
-            <a:pPr algn="r"/>
+                <a:latin typeface="나눔바른고딕OTF UltraLight" panose="00000300000000000000" pitchFamily="50" charset="-127"/>
+                <a:ea typeface="나눔바른고딕OTF UltraLight" panose="00000300000000000000" pitchFamily="50" charset="-127"/>
+              </a:rPr>
+              <a:t>게임엔진</a:t>
+            </a:r>
+            <a:r>
+              <a:rPr lang="en-US" altLang="ko-KR" dirty="0">
+                <a:latin typeface="나눔바른고딕OTF UltraLight" panose="00000300000000000000" pitchFamily="50" charset="-127"/>
+                <a:ea typeface="나눔바른고딕OTF UltraLight" panose="00000300000000000000" pitchFamily="50" charset="-127"/>
+              </a:rPr>
+              <a:t>1</a:t>
+            </a:r>
+          </a:p>
+          <a:p>
+            <a:r>
+              <a:rPr lang="en-US" altLang="ko-KR" dirty="0">
+                <a:latin typeface="나눔바른고딕OTF UltraLight" panose="00000300000000000000" pitchFamily="50" charset="-127"/>
+                <a:ea typeface="나눔바른고딕OTF UltraLight" panose="00000300000000000000" pitchFamily="50" charset="-127"/>
+              </a:rPr>
+              <a:t>3D</a:t>
+            </a:r>
             <a:r>
               <a:rPr lang="ko-KR" altLang="en-US" dirty="0">
-                <a:latin typeface="나눔바른고딕OTF Light" panose="02000303000000000000" pitchFamily="50" charset="-127"/>
-                <a:ea typeface="나눔바른고딕OTF Light" panose="02000303000000000000" pitchFamily="50" charset="-127"/>
-              </a:rPr>
-              <a:t>체력이 낮을 시</a:t>
-            </a:r>
-          </a:p>
-        </p:txBody>
-      </p:sp>
-      <p:sp>
-        <p:nvSpPr>
-          <p:cNvPr id="21" name="TextBox 20">
-            <a:extLst>
-              <a:ext uri="{FF2B5EF4-FFF2-40B4-BE49-F238E27FC236}">
-                <a16:creationId xmlns:a16="http://schemas.microsoft.com/office/drawing/2014/main" id="{F6C36646-73BC-4843-97EC-8DD9EA92DC7D}"/>
-              </a:ext>
-            </a:extLst>
-          </p:cNvPr>
-          <p:cNvSpPr txBox="1"/>
+                <a:latin typeface="나눔바른고딕OTF UltraLight" panose="00000300000000000000" pitchFamily="50" charset="-127"/>
+                <a:ea typeface="나눔바른고딕OTF UltraLight" panose="00000300000000000000" pitchFamily="50" charset="-127"/>
+              </a:rPr>
+              <a:t>모델링</a:t>
+            </a:r>
+            <a:r>
+              <a:rPr lang="en-US" altLang="ko-KR" dirty="0">
+                <a:latin typeface="나눔바른고딕OTF UltraLight" panose="00000300000000000000" pitchFamily="50" charset="-127"/>
+                <a:ea typeface="나눔바른고딕OTF UltraLight" panose="00000300000000000000" pitchFamily="50" charset="-127"/>
+              </a:rPr>
+              <a:t>1</a:t>
+            </a:r>
+          </a:p>
+          <a:p>
+            <a:r>
+              <a:rPr lang="en-US" altLang="ko-KR" dirty="0">
+                <a:latin typeface="나눔바른고딕OTF UltraLight" panose="00000300000000000000" pitchFamily="50" charset="-127"/>
+                <a:ea typeface="나눔바른고딕OTF UltraLight" panose="00000300000000000000" pitchFamily="50" charset="-127"/>
+              </a:rPr>
+              <a:t>3D</a:t>
+            </a:r>
+            <a:r>
+              <a:rPr lang="ko-KR" altLang="en-US" dirty="0">
+                <a:latin typeface="나눔바른고딕OTF UltraLight" panose="00000300000000000000" pitchFamily="50" charset="-127"/>
+                <a:ea typeface="나눔바른고딕OTF UltraLight" panose="00000300000000000000" pitchFamily="50" charset="-127"/>
+              </a:rPr>
+              <a:t>애니메이션</a:t>
+            </a:r>
+            <a:r>
+              <a:rPr lang="en-US" altLang="ko-KR" dirty="0">
+                <a:latin typeface="나눔바른고딕OTF UltraLight" panose="00000300000000000000" pitchFamily="50" charset="-127"/>
+                <a:ea typeface="나눔바른고딕OTF UltraLight" panose="00000300000000000000" pitchFamily="50" charset="-127"/>
+              </a:rPr>
+              <a:t>2</a:t>
+            </a:r>
+          </a:p>
+          <a:p>
+            <a:r>
+              <a:rPr lang="ko-KR" altLang="en-US" dirty="0">
+                <a:latin typeface="나눔바른고딕OTF UltraLight" panose="00000300000000000000" pitchFamily="50" charset="-127"/>
+                <a:ea typeface="나눔바른고딕OTF UltraLight" panose="00000300000000000000" pitchFamily="50" charset="-127"/>
+              </a:rPr>
+              <a:t>게임기획</a:t>
+            </a:r>
+            <a:r>
+              <a:rPr lang="en-US" altLang="ko-KR" dirty="0">
+                <a:latin typeface="나눔바른고딕OTF UltraLight" panose="00000300000000000000" pitchFamily="50" charset="-127"/>
+                <a:ea typeface="나눔바른고딕OTF UltraLight" panose="00000300000000000000" pitchFamily="50" charset="-127"/>
+              </a:rPr>
+              <a:t>2</a:t>
+            </a:r>
+          </a:p>
+        </p:txBody>
+      </p:sp>
+      <p:sp>
+        <p:nvSpPr>
+          <p:cNvPr id="12" name="직사각형 11">
+            <a:extLst>
+              <a:ext uri="{FF2B5EF4-FFF2-40B4-BE49-F238E27FC236}">
+                <a16:creationId xmlns:a16="http://schemas.microsoft.com/office/drawing/2014/main" id="{6B264F5A-7B53-42AE-BAEE-01DE870B3D84}"/>
+              </a:ext>
+            </a:extLst>
+          </p:cNvPr>
+          <p:cNvSpPr/>
           <p:nvPr/>
         </p:nvSpPr>
         <p:spPr>
           <a:xfrm>
-            <a:off x="8416434" y="4762977"/>
-            <a:ext cx="1518364" cy="646331"/>
-          </a:xfrm>
-          <a:prstGeom prst="rect">
-            <a:avLst/>
-          </a:prstGeom>
-          <a:noFill/>
-        </p:spPr>
-        <p:txBody>
-          <a:bodyPr wrap="none" rtlCol="0">
-            <a:spAutoFit/>
-          </a:bodyPr>
-          <a:lstStyle/>
-          <a:p>
-            <a:r>
-              <a:rPr lang="ko-KR" altLang="en-US" dirty="0">
-                <a:latin typeface="나눔바른고딕OTF Light" panose="02000303000000000000" pitchFamily="50" charset="-127"/>
-                <a:ea typeface="나눔바른고딕OTF Light" panose="02000303000000000000" pitchFamily="50" charset="-127"/>
-              </a:rPr>
-              <a:t>피격 시</a:t>
-            </a:r>
-            <a:endParaRPr lang="en-US" altLang="ko-KR" dirty="0">
-              <a:latin typeface="나눔바른고딕OTF Light" panose="02000303000000000000" pitchFamily="50" charset="-127"/>
-              <a:ea typeface="나눔바른고딕OTF Light" panose="02000303000000000000" pitchFamily="50" charset="-127"/>
-            </a:endParaRPr>
-          </a:p>
-          <a:p>
-            <a:r>
-              <a:rPr lang="ko-KR" altLang="en-US" dirty="0">
-                <a:latin typeface="나눔바른고딕OTF Light" panose="02000303000000000000" pitchFamily="50" charset="-127"/>
-                <a:ea typeface="나눔바른고딕OTF Light" panose="02000303000000000000" pitchFamily="50" charset="-127"/>
-              </a:rPr>
-              <a:t>체력이 낮을 시</a:t>
-            </a:r>
-          </a:p>
-        </p:txBody>
-      </p:sp>
-      <p:sp>
-        <p:nvSpPr>
-          <p:cNvPr id="25" name="TextBox 24">
-            <a:extLst>
-              <a:ext uri="{FF2B5EF4-FFF2-40B4-BE49-F238E27FC236}">
-                <a16:creationId xmlns:a16="http://schemas.microsoft.com/office/drawing/2014/main" id="{D08A9F08-E269-4BEE-AD02-2B086A3AA735}"/>
-              </a:ext>
-            </a:extLst>
-          </p:cNvPr>
-          <p:cNvSpPr txBox="1"/>
-          <p:nvPr/>
-        </p:nvSpPr>
-        <p:spPr>
-          <a:xfrm>
-            <a:off x="8413934" y="1946209"/>
-            <a:ext cx="1261884" cy="646331"/>
-          </a:xfrm>
-          <a:prstGeom prst="rect">
-            <a:avLst/>
-          </a:prstGeom>
-          <a:noFill/>
-        </p:spPr>
-        <p:txBody>
-          <a:bodyPr wrap="none" rtlCol="0">
-            <a:spAutoFit/>
-          </a:bodyPr>
-          <a:lstStyle/>
-          <a:p>
-            <a:r>
-              <a:rPr lang="ko-KR" altLang="en-US" dirty="0">
-                <a:latin typeface="나눔바른고딕OTF Light" panose="02000303000000000000" pitchFamily="50" charset="-127"/>
-                <a:ea typeface="나눔바른고딕OTF Light" panose="02000303000000000000" pitchFamily="50" charset="-127"/>
-              </a:rPr>
-              <a:t>총알 발사</a:t>
-            </a:r>
-            <a:endParaRPr lang="en-US" altLang="ko-KR" dirty="0">
-              <a:latin typeface="나눔바른고딕OTF Light" panose="02000303000000000000" pitchFamily="50" charset="-127"/>
-              <a:ea typeface="나눔바른고딕OTF Light" panose="02000303000000000000" pitchFamily="50" charset="-127"/>
-            </a:endParaRPr>
-          </a:p>
-          <a:p>
-            <a:r>
-              <a:rPr lang="ko-KR" altLang="en-US" dirty="0">
-                <a:latin typeface="나눔바른고딕OTF Light" panose="02000303000000000000" pitchFamily="50" charset="-127"/>
-                <a:ea typeface="나눔바른고딕OTF Light" panose="02000303000000000000" pitchFamily="50" charset="-127"/>
-              </a:rPr>
-              <a:t>몬스터 피격</a:t>
-            </a:r>
-          </a:p>
-        </p:txBody>
-      </p:sp>
-      <p:sp>
-        <p:nvSpPr>
-          <p:cNvPr id="26" name="직사각형 25">
-            <a:extLst>
-              <a:ext uri="{FF2B5EF4-FFF2-40B4-BE49-F238E27FC236}">
-                <a16:creationId xmlns:a16="http://schemas.microsoft.com/office/drawing/2014/main" id="{EE6AB4DB-2D22-4D99-9B8E-B6F154083C03}"/>
-              </a:ext>
-            </a:extLst>
-          </p:cNvPr>
-          <p:cNvSpPr/>
-          <p:nvPr/>
-        </p:nvSpPr>
-        <p:spPr>
-          <a:xfrm>
-            <a:off x="8363336" y="1946209"/>
-            <a:ext cx="106195" cy="646331"/>
+            <a:off x="1514475" y="2407849"/>
+            <a:ext cx="106195" cy="2335248"/>
           </a:xfrm>
           <a:prstGeom prst="rect">
             <a:avLst/>
           </a:prstGeom>
           <a:solidFill>
-            <a:srgbClr val="66CA9E"/>
+            <a:srgbClr val="FF6565"/>
           </a:solidFill>
           <a:ln>
             <a:noFill/>
@@ -5189,10 +5196,10 @@
       </p:sp>
       <p:sp>
         <p:nvSpPr>
-          <p:cNvPr id="29" name="직사각형 28">
-            <a:extLst>
-              <a:ext uri="{FF2B5EF4-FFF2-40B4-BE49-F238E27FC236}">
-                <a16:creationId xmlns:a16="http://schemas.microsoft.com/office/drawing/2014/main" id="{2F9569A4-D37C-461E-A06E-63BFB2C5C442}"/>
+          <p:cNvPr id="13" name="직사각형 12">
+            <a:extLst>
+              <a:ext uri="{FF2B5EF4-FFF2-40B4-BE49-F238E27FC236}">
+                <a16:creationId xmlns:a16="http://schemas.microsoft.com/office/drawing/2014/main" id="{F9D3C837-9DAE-4904-99C5-4FA719337E6C}"/>
               </a:ext>
             </a:extLst>
           </p:cNvPr>
@@ -5201,14 +5208,14 @@
         </p:nvSpPr>
         <p:spPr>
           <a:xfrm>
-            <a:off x="8363336" y="4761204"/>
-            <a:ext cx="106195" cy="646331"/>
+            <a:off x="5069654" y="2407849"/>
+            <a:ext cx="106195" cy="2615544"/>
           </a:xfrm>
           <a:prstGeom prst="rect">
             <a:avLst/>
           </a:prstGeom>
           <a:solidFill>
-            <a:srgbClr val="66A3D1"/>
+            <a:srgbClr val="FFC000"/>
           </a:solidFill>
           <a:ln>
             <a:noFill/>
@@ -5241,10 +5248,10 @@
       </p:sp>
       <p:sp>
         <p:nvSpPr>
-          <p:cNvPr id="30" name="직사각형 29">
-            <a:extLst>
-              <a:ext uri="{FF2B5EF4-FFF2-40B4-BE49-F238E27FC236}">
-                <a16:creationId xmlns:a16="http://schemas.microsoft.com/office/drawing/2014/main" id="{FC7A4573-879D-4445-84E6-72D54FA0B860}"/>
+          <p:cNvPr id="14" name="직사각형 13">
+            <a:extLst>
+              <a:ext uri="{FF2B5EF4-FFF2-40B4-BE49-F238E27FC236}">
+                <a16:creationId xmlns:a16="http://schemas.microsoft.com/office/drawing/2014/main" id="{80BD813A-C4A3-4F89-AB17-A5337638EBEF}"/>
               </a:ext>
             </a:extLst>
           </p:cNvPr>
@@ -5253,14 +5260,14 @@
         </p:nvSpPr>
         <p:spPr>
           <a:xfrm>
-            <a:off x="3631303" y="4756585"/>
-            <a:ext cx="106195" cy="923330"/>
+            <a:off x="8624833" y="2407849"/>
+            <a:ext cx="106195" cy="2335248"/>
           </a:xfrm>
           <a:prstGeom prst="rect">
             <a:avLst/>
           </a:prstGeom>
           <a:solidFill>
-            <a:srgbClr val="F4777C"/>
+            <a:srgbClr val="92D050"/>
           </a:solidFill>
           <a:ln>
             <a:noFill/>
@@ -5294,7 +5301,7 @@
     </p:spTree>
     <p:extLst>
       <p:ext uri="{BB962C8B-B14F-4D97-AF65-F5344CB8AC3E}">
-        <p14:creationId xmlns:p14="http://schemas.microsoft.com/office/powerpoint/2010/main" val="538025663"/>
+        <p14:creationId xmlns:p14="http://schemas.microsoft.com/office/powerpoint/2010/main" val="3475033969"/>
       </p:ext>
     </p:extLst>
   </p:cSld>
@@ -5326,7 +5333,7 @@
           <p:cNvPr id="2" name="직사각형 1">
             <a:extLst>
               <a:ext uri="{FF2B5EF4-FFF2-40B4-BE49-F238E27FC236}">
-                <a16:creationId xmlns:a16="http://schemas.microsoft.com/office/drawing/2014/main" id="{0CF12BA7-E69E-4A92-8380-7442B67E4BBE}"/>
+                <a16:creationId xmlns:a16="http://schemas.microsoft.com/office/drawing/2014/main" id="{65BF263F-0E33-414D-A97F-5E9D23608E72}"/>
               </a:ext>
             </a:extLst>
           </p:cNvPr>
@@ -5381,7 +5388,7 @@
           <p:cNvPr id="3" name="직사각형 2">
             <a:extLst>
               <a:ext uri="{FF2B5EF4-FFF2-40B4-BE49-F238E27FC236}">
-                <a16:creationId xmlns:a16="http://schemas.microsoft.com/office/drawing/2014/main" id="{4FE25D42-C501-4FEC-AF3A-FACBECE5EF72}"/>
+                <a16:creationId xmlns:a16="http://schemas.microsoft.com/office/drawing/2014/main" id="{9DA2AC03-BBB5-4F6D-B0ED-36D125220166}"/>
               </a:ext>
             </a:extLst>
           </p:cNvPr>
@@ -5433,10 +5440,10 @@
       </p:sp>
       <p:sp>
         <p:nvSpPr>
-          <p:cNvPr id="4" name="TextBox 3">
-            <a:extLst>
-              <a:ext uri="{FF2B5EF4-FFF2-40B4-BE49-F238E27FC236}">
-                <a16:creationId xmlns:a16="http://schemas.microsoft.com/office/drawing/2014/main" id="{2C531AD1-C864-442A-89F6-07C2054F6CAB}"/>
+          <p:cNvPr id="5" name="TextBox 4">
+            <a:extLst>
+              <a:ext uri="{FF2B5EF4-FFF2-40B4-BE49-F238E27FC236}">
+                <a16:creationId xmlns:a16="http://schemas.microsoft.com/office/drawing/2014/main" id="{E214CD9D-BC67-46FB-897F-3183A5F6CC07}"/>
               </a:ext>
             </a:extLst>
           </p:cNvPr>
@@ -5445,8 +5452,8 @@
         </p:nvSpPr>
         <p:spPr>
           <a:xfrm>
-            <a:off x="184728" y="20266"/>
-            <a:ext cx="3752950" cy="769441"/>
+            <a:off x="184728" y="29503"/>
+            <a:ext cx="5270995" cy="769441"/>
           </a:xfrm>
           <a:prstGeom prst="rect">
             <a:avLst/>
@@ -5467,7 +5474,7 @@
                 <a:latin typeface="Noto Sans KR Black" panose="020B0A00000000000000" pitchFamily="34" charset="-127"/>
                 <a:ea typeface="Noto Sans KR Black" panose="020B0A00000000000000" pitchFamily="34" charset="-127"/>
               </a:rPr>
-              <a:t>7-1. </a:t>
+              <a:t>6. </a:t>
             </a:r>
             <a:r>
               <a:rPr lang="ko-KR" altLang="en-US" sz="4400" dirty="0">
@@ -5477,6 +5484,740 @@
                 <a:latin typeface="Noto Sans KR Black" panose="020B0A00000000000000" pitchFamily="34" charset="-127"/>
                 <a:ea typeface="Noto Sans KR Black" panose="020B0A00000000000000" pitchFamily="34" charset="-127"/>
               </a:rPr>
+              <a:t>타 게임과의 차별성</a:t>
+            </a:r>
+          </a:p>
+        </p:txBody>
+      </p:sp>
+      <p:pic>
+        <p:nvPicPr>
+          <p:cNvPr id="14" name="Picture 2">
+            <a:extLst>
+              <a:ext uri="{FF2B5EF4-FFF2-40B4-BE49-F238E27FC236}">
+                <a16:creationId xmlns:a16="http://schemas.microsoft.com/office/drawing/2014/main" id="{77F2BF93-0421-41BF-9F78-C7C09D4F4F96}"/>
+              </a:ext>
+            </a:extLst>
+          </p:cNvPr>
+          <p:cNvPicPr>
+            <a:picLocks noChangeAspect="1" noChangeArrowheads="1"/>
+          </p:cNvPicPr>
+          <p:nvPr/>
+        </p:nvPicPr>
+        <p:blipFill>
+          <a:blip r:embed="rId2">
+            <a:extLst>
+              <a:ext uri="{28A0092B-C50C-407E-A947-70E740481C1C}">
+                <a14:useLocalDpi xmlns:a14="http://schemas.microsoft.com/office/drawing/2010/main" val="0"/>
+              </a:ext>
+            </a:extLst>
+          </a:blip>
+          <a:srcRect/>
+          <a:stretch>
+            <a:fillRect/>
+          </a:stretch>
+        </p:blipFill>
+        <p:spPr bwMode="auto">
+          <a:xfrm>
+            <a:off x="3826163" y="1433944"/>
+            <a:ext cx="4539673" cy="4539673"/>
+          </a:xfrm>
+          <a:prstGeom prst="rect">
+            <a:avLst/>
+          </a:prstGeom>
+          <a:noFill/>
+          <a:extLst>
+            <a:ext uri="{909E8E84-426E-40DD-AFC4-6F175D3DCCD1}">
+              <a14:hiddenFill xmlns:a14="http://schemas.microsoft.com/office/drawing/2010/main">
+                <a:solidFill>
+                  <a:srgbClr val="FFFFFF"/>
+                </a:solidFill>
+              </a14:hiddenFill>
+            </a:ext>
+          </a:extLst>
+        </p:spPr>
+      </p:pic>
+      <p:sp>
+        <p:nvSpPr>
+          <p:cNvPr id="16" name="TextBox 15">
+            <a:extLst>
+              <a:ext uri="{FF2B5EF4-FFF2-40B4-BE49-F238E27FC236}">
+                <a16:creationId xmlns:a16="http://schemas.microsoft.com/office/drawing/2014/main" id="{917A9485-7F49-4AC4-907A-1CEA50F4CE4D}"/>
+              </a:ext>
+            </a:extLst>
+          </p:cNvPr>
+          <p:cNvSpPr txBox="1"/>
+          <p:nvPr/>
+        </p:nvSpPr>
+        <p:spPr>
+          <a:xfrm>
+            <a:off x="5508337" y="3665942"/>
+            <a:ext cx="1175322" cy="523220"/>
+          </a:xfrm>
+          <a:prstGeom prst="rect">
+            <a:avLst/>
+          </a:prstGeom>
+          <a:noFill/>
+        </p:spPr>
+        <p:txBody>
+          <a:bodyPr wrap="none" rtlCol="0">
+            <a:spAutoFit/>
+          </a:bodyPr>
+          <a:lstStyle/>
+          <a:p>
+            <a:r>
+              <a:rPr lang="ko-KR" altLang="en-US" sz="2800" dirty="0" err="1">
+                <a:solidFill>
+                  <a:schemeClr val="bg1"/>
+                </a:solidFill>
+                <a:latin typeface="Noto Sans KR Black" panose="020B0A00000000000000" pitchFamily="34" charset="-127"/>
+                <a:ea typeface="Noto Sans KR Black" panose="020B0A00000000000000" pitchFamily="34" charset="-127"/>
+              </a:rPr>
+              <a:t>타격감</a:t>
+            </a:r>
+            <a:endParaRPr lang="ko-KR" altLang="en-US" sz="2800" dirty="0">
+              <a:solidFill>
+                <a:schemeClr val="bg1"/>
+              </a:solidFill>
+              <a:latin typeface="Noto Sans KR Black" panose="020B0A00000000000000" pitchFamily="34" charset="-127"/>
+              <a:ea typeface="Noto Sans KR Black" panose="020B0A00000000000000" pitchFamily="34" charset="-127"/>
+            </a:endParaRPr>
+          </a:p>
+        </p:txBody>
+      </p:sp>
+      <p:sp>
+        <p:nvSpPr>
+          <p:cNvPr id="17" name="TextBox 16">
+            <a:extLst>
+              <a:ext uri="{FF2B5EF4-FFF2-40B4-BE49-F238E27FC236}">
+                <a16:creationId xmlns:a16="http://schemas.microsoft.com/office/drawing/2014/main" id="{CB654014-6216-441D-A88C-7ABCBD4AA01B}"/>
+              </a:ext>
+            </a:extLst>
+          </p:cNvPr>
+          <p:cNvSpPr txBox="1"/>
+          <p:nvPr/>
+        </p:nvSpPr>
+        <p:spPr>
+          <a:xfrm>
+            <a:off x="5414561" y="2269375"/>
+            <a:ext cx="1362874" cy="400110"/>
+          </a:xfrm>
+          <a:prstGeom prst="rect">
+            <a:avLst/>
+          </a:prstGeom>
+          <a:noFill/>
+        </p:spPr>
+        <p:txBody>
+          <a:bodyPr wrap="none" rtlCol="0">
+            <a:spAutoFit/>
+          </a:bodyPr>
+          <a:lstStyle/>
+          <a:p>
+            <a:r>
+              <a:rPr lang="ko-KR" altLang="en-US" sz="2000" dirty="0">
+                <a:solidFill>
+                  <a:schemeClr val="bg1"/>
+                </a:solidFill>
+                <a:latin typeface="Noto Sans KR Medium" panose="020B0600000000000000" pitchFamily="34" charset="-127"/>
+                <a:ea typeface="Noto Sans KR Medium" panose="020B0600000000000000" pitchFamily="34" charset="-127"/>
+              </a:rPr>
+              <a:t>애니메이션</a:t>
+            </a:r>
+          </a:p>
+        </p:txBody>
+      </p:sp>
+      <p:sp>
+        <p:nvSpPr>
+          <p:cNvPr id="18" name="TextBox 17">
+            <a:extLst>
+              <a:ext uri="{FF2B5EF4-FFF2-40B4-BE49-F238E27FC236}">
+                <a16:creationId xmlns:a16="http://schemas.microsoft.com/office/drawing/2014/main" id="{FF5D6252-C48D-4A8B-B9F6-EC60DD541DA0}"/>
+              </a:ext>
+            </a:extLst>
+          </p:cNvPr>
+          <p:cNvSpPr txBox="1"/>
+          <p:nvPr/>
+        </p:nvSpPr>
+        <p:spPr>
+          <a:xfrm>
+            <a:off x="4061200" y="4499299"/>
+            <a:ext cx="1186543" cy="400110"/>
+          </a:xfrm>
+          <a:prstGeom prst="rect">
+            <a:avLst/>
+          </a:prstGeom>
+          <a:noFill/>
+        </p:spPr>
+        <p:txBody>
+          <a:bodyPr wrap="none" rtlCol="0">
+            <a:spAutoFit/>
+          </a:bodyPr>
+          <a:lstStyle/>
+          <a:p>
+            <a:r>
+              <a:rPr lang="ko-KR" altLang="en-US" sz="2000" dirty="0">
+                <a:solidFill>
+                  <a:schemeClr val="bg1"/>
+                </a:solidFill>
+                <a:latin typeface="Noto Sans KR Medium" panose="020B0600000000000000" pitchFamily="34" charset="-127"/>
+                <a:ea typeface="Noto Sans KR Medium" panose="020B0600000000000000" pitchFamily="34" charset="-127"/>
+              </a:rPr>
+              <a:t>시각 효과</a:t>
+            </a:r>
+          </a:p>
+        </p:txBody>
+      </p:sp>
+      <p:sp>
+        <p:nvSpPr>
+          <p:cNvPr id="19" name="TextBox 18">
+            <a:extLst>
+              <a:ext uri="{FF2B5EF4-FFF2-40B4-BE49-F238E27FC236}">
+                <a16:creationId xmlns:a16="http://schemas.microsoft.com/office/drawing/2014/main" id="{3ACB4BB9-FF75-4CD3-9C31-ABA0BEE7DA27}"/>
+              </a:ext>
+            </a:extLst>
+          </p:cNvPr>
+          <p:cNvSpPr txBox="1"/>
+          <p:nvPr/>
+        </p:nvSpPr>
+        <p:spPr>
+          <a:xfrm>
+            <a:off x="7155889" y="4499299"/>
+            <a:ext cx="891591" cy="400110"/>
+          </a:xfrm>
+          <a:prstGeom prst="rect">
+            <a:avLst/>
+          </a:prstGeom>
+          <a:noFill/>
+        </p:spPr>
+        <p:txBody>
+          <a:bodyPr wrap="none" rtlCol="0">
+            <a:spAutoFit/>
+          </a:bodyPr>
+          <a:lstStyle/>
+          <a:p>
+            <a:r>
+              <a:rPr lang="ko-KR" altLang="en-US" sz="2000" dirty="0">
+                <a:solidFill>
+                  <a:schemeClr val="bg1"/>
+                </a:solidFill>
+                <a:latin typeface="Noto Sans KR Medium" panose="020B0600000000000000" pitchFamily="34" charset="-127"/>
+                <a:ea typeface="Noto Sans KR Medium" panose="020B0600000000000000" pitchFamily="34" charset="-127"/>
+              </a:rPr>
+              <a:t>효과음</a:t>
+            </a:r>
+          </a:p>
+        </p:txBody>
+      </p:sp>
+      <p:sp>
+        <p:nvSpPr>
+          <p:cNvPr id="20" name="TextBox 19">
+            <a:extLst>
+              <a:ext uri="{FF2B5EF4-FFF2-40B4-BE49-F238E27FC236}">
+                <a16:creationId xmlns:a16="http://schemas.microsoft.com/office/drawing/2014/main" id="{AC5C393E-B75E-4E08-B85E-9D694EF35D49}"/>
+              </a:ext>
+            </a:extLst>
+          </p:cNvPr>
+          <p:cNvSpPr txBox="1"/>
+          <p:nvPr/>
+        </p:nvSpPr>
+        <p:spPr>
+          <a:xfrm>
+            <a:off x="2161428" y="4761204"/>
+            <a:ext cx="1518364" cy="923330"/>
+          </a:xfrm>
+          <a:prstGeom prst="rect">
+            <a:avLst/>
+          </a:prstGeom>
+          <a:noFill/>
+        </p:spPr>
+        <p:txBody>
+          <a:bodyPr wrap="none" rtlCol="0">
+            <a:spAutoFit/>
+          </a:bodyPr>
+          <a:lstStyle/>
+          <a:p>
+            <a:pPr algn="r"/>
+            <a:r>
+              <a:rPr lang="ko-KR" altLang="en-US" dirty="0">
+                <a:latin typeface="나눔바른고딕OTF Light" panose="02000303000000000000" pitchFamily="50" charset="-127"/>
+                <a:ea typeface="나눔바른고딕OTF Light" panose="02000303000000000000" pitchFamily="50" charset="-127"/>
+              </a:rPr>
+              <a:t>총구 발사 시</a:t>
+            </a:r>
+            <a:endParaRPr lang="en-US" altLang="ko-KR" dirty="0">
+              <a:latin typeface="나눔바른고딕OTF Light" panose="02000303000000000000" pitchFamily="50" charset="-127"/>
+              <a:ea typeface="나눔바른고딕OTF Light" panose="02000303000000000000" pitchFamily="50" charset="-127"/>
+            </a:endParaRPr>
+          </a:p>
+          <a:p>
+            <a:pPr algn="r"/>
+            <a:r>
+              <a:rPr lang="ko-KR" altLang="en-US" dirty="0">
+                <a:latin typeface="나눔바른고딕OTF Light" panose="02000303000000000000" pitchFamily="50" charset="-127"/>
+                <a:ea typeface="나눔바른고딕OTF Light" panose="02000303000000000000" pitchFamily="50" charset="-127"/>
+              </a:rPr>
+              <a:t>적 타격 시</a:t>
+            </a:r>
+            <a:endParaRPr lang="en-US" altLang="ko-KR" dirty="0">
+              <a:latin typeface="나눔바른고딕OTF Light" panose="02000303000000000000" pitchFamily="50" charset="-127"/>
+              <a:ea typeface="나눔바른고딕OTF Light" panose="02000303000000000000" pitchFamily="50" charset="-127"/>
+            </a:endParaRPr>
+          </a:p>
+          <a:p>
+            <a:pPr algn="r"/>
+            <a:r>
+              <a:rPr lang="ko-KR" altLang="en-US" dirty="0">
+                <a:latin typeface="나눔바른고딕OTF Light" panose="02000303000000000000" pitchFamily="50" charset="-127"/>
+                <a:ea typeface="나눔바른고딕OTF Light" panose="02000303000000000000" pitchFamily="50" charset="-127"/>
+              </a:rPr>
+              <a:t>체력이 낮을 시</a:t>
+            </a:r>
+          </a:p>
+        </p:txBody>
+      </p:sp>
+      <p:sp>
+        <p:nvSpPr>
+          <p:cNvPr id="21" name="TextBox 20">
+            <a:extLst>
+              <a:ext uri="{FF2B5EF4-FFF2-40B4-BE49-F238E27FC236}">
+                <a16:creationId xmlns:a16="http://schemas.microsoft.com/office/drawing/2014/main" id="{F6C36646-73BC-4843-97EC-8DD9EA92DC7D}"/>
+              </a:ext>
+            </a:extLst>
+          </p:cNvPr>
+          <p:cNvSpPr txBox="1"/>
+          <p:nvPr/>
+        </p:nvSpPr>
+        <p:spPr>
+          <a:xfrm>
+            <a:off x="8416434" y="4762977"/>
+            <a:ext cx="1518364" cy="646331"/>
+          </a:xfrm>
+          <a:prstGeom prst="rect">
+            <a:avLst/>
+          </a:prstGeom>
+          <a:noFill/>
+        </p:spPr>
+        <p:txBody>
+          <a:bodyPr wrap="none" rtlCol="0">
+            <a:spAutoFit/>
+          </a:bodyPr>
+          <a:lstStyle/>
+          <a:p>
+            <a:r>
+              <a:rPr lang="ko-KR" altLang="en-US" dirty="0">
+                <a:latin typeface="나눔바른고딕OTF Light" panose="02000303000000000000" pitchFamily="50" charset="-127"/>
+                <a:ea typeface="나눔바른고딕OTF Light" panose="02000303000000000000" pitchFamily="50" charset="-127"/>
+              </a:rPr>
+              <a:t>피격 시</a:t>
+            </a:r>
+            <a:endParaRPr lang="en-US" altLang="ko-KR" dirty="0">
+              <a:latin typeface="나눔바른고딕OTF Light" panose="02000303000000000000" pitchFamily="50" charset="-127"/>
+              <a:ea typeface="나눔바른고딕OTF Light" panose="02000303000000000000" pitchFamily="50" charset="-127"/>
+            </a:endParaRPr>
+          </a:p>
+          <a:p>
+            <a:r>
+              <a:rPr lang="ko-KR" altLang="en-US" dirty="0">
+                <a:latin typeface="나눔바른고딕OTF Light" panose="02000303000000000000" pitchFamily="50" charset="-127"/>
+                <a:ea typeface="나눔바른고딕OTF Light" panose="02000303000000000000" pitchFamily="50" charset="-127"/>
+              </a:rPr>
+              <a:t>체력이 낮을 시</a:t>
+            </a:r>
+          </a:p>
+        </p:txBody>
+      </p:sp>
+      <p:sp>
+        <p:nvSpPr>
+          <p:cNvPr id="25" name="TextBox 24">
+            <a:extLst>
+              <a:ext uri="{FF2B5EF4-FFF2-40B4-BE49-F238E27FC236}">
+                <a16:creationId xmlns:a16="http://schemas.microsoft.com/office/drawing/2014/main" id="{D08A9F08-E269-4BEE-AD02-2B086A3AA735}"/>
+              </a:ext>
+            </a:extLst>
+          </p:cNvPr>
+          <p:cNvSpPr txBox="1"/>
+          <p:nvPr/>
+        </p:nvSpPr>
+        <p:spPr>
+          <a:xfrm>
+            <a:off x="8413934" y="1946209"/>
+            <a:ext cx="1261884" cy="646331"/>
+          </a:xfrm>
+          <a:prstGeom prst="rect">
+            <a:avLst/>
+          </a:prstGeom>
+          <a:noFill/>
+        </p:spPr>
+        <p:txBody>
+          <a:bodyPr wrap="none" rtlCol="0">
+            <a:spAutoFit/>
+          </a:bodyPr>
+          <a:lstStyle/>
+          <a:p>
+            <a:r>
+              <a:rPr lang="ko-KR" altLang="en-US" dirty="0">
+                <a:latin typeface="나눔바른고딕OTF Light" panose="02000303000000000000" pitchFamily="50" charset="-127"/>
+                <a:ea typeface="나눔바른고딕OTF Light" panose="02000303000000000000" pitchFamily="50" charset="-127"/>
+              </a:rPr>
+              <a:t>총알 발사</a:t>
+            </a:r>
+            <a:endParaRPr lang="en-US" altLang="ko-KR" dirty="0">
+              <a:latin typeface="나눔바른고딕OTF Light" panose="02000303000000000000" pitchFamily="50" charset="-127"/>
+              <a:ea typeface="나눔바른고딕OTF Light" panose="02000303000000000000" pitchFamily="50" charset="-127"/>
+            </a:endParaRPr>
+          </a:p>
+          <a:p>
+            <a:r>
+              <a:rPr lang="ko-KR" altLang="en-US" dirty="0">
+                <a:latin typeface="나눔바른고딕OTF Light" panose="02000303000000000000" pitchFamily="50" charset="-127"/>
+                <a:ea typeface="나눔바른고딕OTF Light" panose="02000303000000000000" pitchFamily="50" charset="-127"/>
+              </a:rPr>
+              <a:t>몬스터 피격</a:t>
+            </a:r>
+          </a:p>
+        </p:txBody>
+      </p:sp>
+      <p:sp>
+        <p:nvSpPr>
+          <p:cNvPr id="26" name="직사각형 25">
+            <a:extLst>
+              <a:ext uri="{FF2B5EF4-FFF2-40B4-BE49-F238E27FC236}">
+                <a16:creationId xmlns:a16="http://schemas.microsoft.com/office/drawing/2014/main" id="{EE6AB4DB-2D22-4D99-9B8E-B6F154083C03}"/>
+              </a:ext>
+            </a:extLst>
+          </p:cNvPr>
+          <p:cNvSpPr/>
+          <p:nvPr/>
+        </p:nvSpPr>
+        <p:spPr>
+          <a:xfrm>
+            <a:off x="8363336" y="1946209"/>
+            <a:ext cx="106195" cy="646331"/>
+          </a:xfrm>
+          <a:prstGeom prst="rect">
+            <a:avLst/>
+          </a:prstGeom>
+          <a:solidFill>
+            <a:srgbClr val="66CA9E"/>
+          </a:solidFill>
+          <a:ln>
+            <a:noFill/>
+          </a:ln>
+        </p:spPr>
+        <p:style>
+          <a:lnRef idx="2">
+            <a:schemeClr val="accent1">
+              <a:shade val="50000"/>
+            </a:schemeClr>
+          </a:lnRef>
+          <a:fillRef idx="1">
+            <a:schemeClr val="accent1"/>
+          </a:fillRef>
+          <a:effectRef idx="0">
+            <a:schemeClr val="accent1"/>
+          </a:effectRef>
+          <a:fontRef idx="minor">
+            <a:schemeClr val="lt1"/>
+          </a:fontRef>
+        </p:style>
+        <p:txBody>
+          <a:bodyPr rtlCol="0" anchor="ctr"/>
+          <a:lstStyle/>
+          <a:p>
+            <a:pPr algn="ctr"/>
+            <a:endParaRPr lang="ko-KR" altLang="en-US"/>
+          </a:p>
+        </p:txBody>
+      </p:sp>
+      <p:sp>
+        <p:nvSpPr>
+          <p:cNvPr id="29" name="직사각형 28">
+            <a:extLst>
+              <a:ext uri="{FF2B5EF4-FFF2-40B4-BE49-F238E27FC236}">
+                <a16:creationId xmlns:a16="http://schemas.microsoft.com/office/drawing/2014/main" id="{2F9569A4-D37C-461E-A06E-63BFB2C5C442}"/>
+              </a:ext>
+            </a:extLst>
+          </p:cNvPr>
+          <p:cNvSpPr/>
+          <p:nvPr/>
+        </p:nvSpPr>
+        <p:spPr>
+          <a:xfrm>
+            <a:off x="8363336" y="4761204"/>
+            <a:ext cx="106195" cy="646331"/>
+          </a:xfrm>
+          <a:prstGeom prst="rect">
+            <a:avLst/>
+          </a:prstGeom>
+          <a:solidFill>
+            <a:srgbClr val="66A3D1"/>
+          </a:solidFill>
+          <a:ln>
+            <a:noFill/>
+          </a:ln>
+        </p:spPr>
+        <p:style>
+          <a:lnRef idx="2">
+            <a:schemeClr val="accent1">
+              <a:shade val="50000"/>
+            </a:schemeClr>
+          </a:lnRef>
+          <a:fillRef idx="1">
+            <a:schemeClr val="accent1"/>
+          </a:fillRef>
+          <a:effectRef idx="0">
+            <a:schemeClr val="accent1"/>
+          </a:effectRef>
+          <a:fontRef idx="minor">
+            <a:schemeClr val="lt1"/>
+          </a:fontRef>
+        </p:style>
+        <p:txBody>
+          <a:bodyPr rtlCol="0" anchor="ctr"/>
+          <a:lstStyle/>
+          <a:p>
+            <a:pPr algn="ctr"/>
+            <a:endParaRPr lang="ko-KR" altLang="en-US"/>
+          </a:p>
+        </p:txBody>
+      </p:sp>
+      <p:sp>
+        <p:nvSpPr>
+          <p:cNvPr id="30" name="직사각형 29">
+            <a:extLst>
+              <a:ext uri="{FF2B5EF4-FFF2-40B4-BE49-F238E27FC236}">
+                <a16:creationId xmlns:a16="http://schemas.microsoft.com/office/drawing/2014/main" id="{FC7A4573-879D-4445-84E6-72D54FA0B860}"/>
+              </a:ext>
+            </a:extLst>
+          </p:cNvPr>
+          <p:cNvSpPr/>
+          <p:nvPr/>
+        </p:nvSpPr>
+        <p:spPr>
+          <a:xfrm>
+            <a:off x="3631303" y="4756585"/>
+            <a:ext cx="106195" cy="923330"/>
+          </a:xfrm>
+          <a:prstGeom prst="rect">
+            <a:avLst/>
+          </a:prstGeom>
+          <a:solidFill>
+            <a:srgbClr val="F4777C"/>
+          </a:solidFill>
+          <a:ln>
+            <a:noFill/>
+          </a:ln>
+        </p:spPr>
+        <p:style>
+          <a:lnRef idx="2">
+            <a:schemeClr val="accent1">
+              <a:shade val="50000"/>
+            </a:schemeClr>
+          </a:lnRef>
+          <a:fillRef idx="1">
+            <a:schemeClr val="accent1"/>
+          </a:fillRef>
+          <a:effectRef idx="0">
+            <a:schemeClr val="accent1"/>
+          </a:effectRef>
+          <a:fontRef idx="minor">
+            <a:schemeClr val="lt1"/>
+          </a:fontRef>
+        </p:style>
+        <p:txBody>
+          <a:bodyPr rtlCol="0" anchor="ctr"/>
+          <a:lstStyle/>
+          <a:p>
+            <a:pPr algn="ctr"/>
+            <a:endParaRPr lang="ko-KR" altLang="en-US"/>
+          </a:p>
+        </p:txBody>
+      </p:sp>
+    </p:spTree>
+    <p:extLst>
+      <p:ext uri="{BB962C8B-B14F-4D97-AF65-F5344CB8AC3E}">
+        <p14:creationId xmlns:p14="http://schemas.microsoft.com/office/powerpoint/2010/main" val="538025663"/>
+      </p:ext>
+    </p:extLst>
+  </p:cSld>
+  <p:clrMapOvr>
+    <a:masterClrMapping/>
+  </p:clrMapOvr>
+</p:sld>
+</file>
+
+<file path=ppt/slides/slide13.xml><?xml version="1.0" encoding="utf-8"?>
+<p:sld xmlns:a="http://schemas.openxmlformats.org/drawingml/2006/main" xmlns:r="http://schemas.openxmlformats.org/officeDocument/2006/relationships" xmlns:p="http://schemas.openxmlformats.org/presentationml/2006/main">
+  <p:cSld>
+    <p:spTree>
+      <p:nvGrpSpPr>
+        <p:cNvPr id="1" name=""/>
+        <p:cNvGrpSpPr/>
+        <p:nvPr/>
+      </p:nvGrpSpPr>
+      <p:grpSpPr>
+        <a:xfrm>
+          <a:off x="0" y="0"/>
+          <a:ext cx="0" cy="0"/>
+          <a:chOff x="0" y="0"/>
+          <a:chExt cx="0" cy="0"/>
+        </a:xfrm>
+      </p:grpSpPr>
+      <p:sp>
+        <p:nvSpPr>
+          <p:cNvPr id="2" name="직사각형 1">
+            <a:extLst>
+              <a:ext uri="{FF2B5EF4-FFF2-40B4-BE49-F238E27FC236}">
+                <a16:creationId xmlns:a16="http://schemas.microsoft.com/office/drawing/2014/main" id="{0CF12BA7-E69E-4A92-8380-7442B67E4BBE}"/>
+              </a:ext>
+            </a:extLst>
+          </p:cNvPr>
+          <p:cNvSpPr/>
+          <p:nvPr/>
+        </p:nvSpPr>
+        <p:spPr>
+          <a:xfrm>
+            <a:off x="0" y="0"/>
+            <a:ext cx="12192000" cy="803563"/>
+          </a:xfrm>
+          <a:prstGeom prst="rect">
+            <a:avLst/>
+          </a:prstGeom>
+          <a:solidFill>
+            <a:schemeClr val="tx1">
+              <a:lumMod val="75000"/>
+              <a:lumOff val="25000"/>
+            </a:schemeClr>
+          </a:solidFill>
+          <a:ln>
+            <a:noFill/>
+          </a:ln>
+        </p:spPr>
+        <p:style>
+          <a:lnRef idx="2">
+            <a:schemeClr val="accent1">
+              <a:shade val="50000"/>
+            </a:schemeClr>
+          </a:lnRef>
+          <a:fillRef idx="1">
+            <a:schemeClr val="accent1"/>
+          </a:fillRef>
+          <a:effectRef idx="0">
+            <a:schemeClr val="accent1"/>
+          </a:effectRef>
+          <a:fontRef idx="minor">
+            <a:schemeClr val="lt1"/>
+          </a:fontRef>
+        </p:style>
+        <p:txBody>
+          <a:bodyPr rtlCol="0" anchor="ctr"/>
+          <a:lstStyle/>
+          <a:p>
+            <a:pPr algn="ctr"/>
+            <a:endParaRPr lang="ko-KR" altLang="en-US"/>
+          </a:p>
+        </p:txBody>
+      </p:sp>
+      <p:sp>
+        <p:nvSpPr>
+          <p:cNvPr id="3" name="직사각형 2">
+            <a:extLst>
+              <a:ext uri="{FF2B5EF4-FFF2-40B4-BE49-F238E27FC236}">
+                <a16:creationId xmlns:a16="http://schemas.microsoft.com/office/drawing/2014/main" id="{4FE25D42-C501-4FEC-AF3A-FACBECE5EF72}"/>
+              </a:ext>
+            </a:extLst>
+          </p:cNvPr>
+          <p:cNvSpPr/>
+          <p:nvPr/>
+        </p:nvSpPr>
+        <p:spPr>
+          <a:xfrm>
+            <a:off x="0" y="6603999"/>
+            <a:ext cx="12192000" cy="263235"/>
+          </a:xfrm>
+          <a:prstGeom prst="rect">
+            <a:avLst/>
+          </a:prstGeom>
+          <a:solidFill>
+            <a:schemeClr val="tx1">
+              <a:lumMod val="75000"/>
+              <a:lumOff val="25000"/>
+            </a:schemeClr>
+          </a:solidFill>
+          <a:ln>
+            <a:noFill/>
+          </a:ln>
+        </p:spPr>
+        <p:style>
+          <a:lnRef idx="2">
+            <a:schemeClr val="accent1">
+              <a:shade val="50000"/>
+            </a:schemeClr>
+          </a:lnRef>
+          <a:fillRef idx="1">
+            <a:schemeClr val="accent1"/>
+          </a:fillRef>
+          <a:effectRef idx="0">
+            <a:schemeClr val="accent1"/>
+          </a:effectRef>
+          <a:fontRef idx="minor">
+            <a:schemeClr val="lt1"/>
+          </a:fontRef>
+        </p:style>
+        <p:txBody>
+          <a:bodyPr rtlCol="0" anchor="ctr"/>
+          <a:lstStyle/>
+          <a:p>
+            <a:pPr algn="ctr"/>
+            <a:endParaRPr lang="ko-KR" altLang="en-US"/>
+          </a:p>
+        </p:txBody>
+      </p:sp>
+      <p:sp>
+        <p:nvSpPr>
+          <p:cNvPr id="4" name="TextBox 3">
+            <a:extLst>
+              <a:ext uri="{FF2B5EF4-FFF2-40B4-BE49-F238E27FC236}">
+                <a16:creationId xmlns:a16="http://schemas.microsoft.com/office/drawing/2014/main" id="{2C531AD1-C864-442A-89F6-07C2054F6CAB}"/>
+              </a:ext>
+            </a:extLst>
+          </p:cNvPr>
+          <p:cNvSpPr txBox="1"/>
+          <p:nvPr/>
+        </p:nvSpPr>
+        <p:spPr>
+          <a:xfrm>
+            <a:off x="184728" y="20266"/>
+            <a:ext cx="3752950" cy="769441"/>
+          </a:xfrm>
+          <a:prstGeom prst="rect">
+            <a:avLst/>
+          </a:prstGeom>
+          <a:noFill/>
+        </p:spPr>
+        <p:txBody>
+          <a:bodyPr wrap="none" rtlCol="0">
+            <a:spAutoFit/>
+          </a:bodyPr>
+          <a:lstStyle/>
+          <a:p>
+            <a:r>
+              <a:rPr lang="en-US" altLang="ko-KR" sz="4400" dirty="0">
+                <a:solidFill>
+                  <a:schemeClr val="bg1"/>
+                </a:solidFill>
+                <a:latin typeface="Noto Sans KR Black" panose="020B0A00000000000000" pitchFamily="34" charset="-127"/>
+                <a:ea typeface="Noto Sans KR Black" panose="020B0A00000000000000" pitchFamily="34" charset="-127"/>
+              </a:rPr>
+              <a:t>7-1. </a:t>
+            </a:r>
+            <a:r>
+              <a:rPr lang="ko-KR" altLang="en-US" sz="4400" dirty="0">
+                <a:solidFill>
+                  <a:schemeClr val="bg1"/>
+                </a:solidFill>
+                <a:latin typeface="Noto Sans KR Black" panose="020B0A00000000000000" pitchFamily="34" charset="-127"/>
+                <a:ea typeface="Noto Sans KR Black" panose="020B0A00000000000000" pitchFamily="34" charset="-127"/>
+              </a:rPr>
               <a:t>개발 일정</a:t>
             </a:r>
           </a:p>
@@ -5497,7 +6238,7 @@
           <p:nvPr>
             <p:extLst>
               <p:ext uri="{D42A27DB-BD31-4B8C-83A1-F6EECF244321}">
-                <p14:modId xmlns:p14="http://schemas.microsoft.com/office/powerpoint/2010/main" val="1713977783"/>
+                <p14:modId xmlns:p14="http://schemas.microsoft.com/office/powerpoint/2010/main" val="2166189492"/>
               </p:ext>
             </p:extLst>
           </p:nvPr>
@@ -6011,6 +6752,22 @@
                           <a:ea typeface="나눔바른고딕OTF Light" panose="02000303000000000000" pitchFamily="50" charset="-127"/>
                         </a:rPr>
                         <a:t>리소스 수집</a:t>
+                      </a:r>
+                      <a:r>
+                        <a:rPr lang="en-US" altLang="ko-KR" sz="1000" kern="100" dirty="0">
+                          <a:effectLst/>
+                          <a:latin typeface="나눔바른고딕OTF Light" panose="02000303000000000000" pitchFamily="50" charset="-127"/>
+                          <a:ea typeface="나눔바른고딕OTF Light" panose="02000303000000000000" pitchFamily="50" charset="-127"/>
+                        </a:rPr>
+                        <a:t> </a:t>
+                      </a:r>
+                      <a:r>
+                        <a:rPr lang="ko-KR" altLang="en-US" sz="1000" kern="100" dirty="0">
+                          <a:effectLst/>
+                          <a:latin typeface="나눔바른고딕OTF Light" panose="02000303000000000000" pitchFamily="50" charset="-127"/>
+                          <a:ea typeface="나눔바른고딕OTF Light" panose="02000303000000000000" pitchFamily="50" charset="-127"/>
+                        </a:rPr>
+                        <a:t>및 제작</a:t>
                       </a:r>
                       <a:endParaRPr lang="ko-KR" sz="1000" kern="100" dirty="0">
                         <a:effectLst/>
@@ -9239,7 +9996,7 @@
 </p:sld>
 </file>
 
-<file path=ppt/slides/slide13.xml><?xml version="1.0" encoding="utf-8"?>
+<file path=ppt/slides/slide14.xml><?xml version="1.0" encoding="utf-8"?>
 <p:sld xmlns:a="http://schemas.openxmlformats.org/drawingml/2006/main" xmlns:r="http://schemas.openxmlformats.org/officeDocument/2006/relationships" xmlns:p="http://schemas.openxmlformats.org/presentationml/2006/main">
   <p:cSld>
     <p:spTree>
@@ -10027,7 +10784,7 @@
 </p:sld>
 </file>
 
-<file path=ppt/slides/slide14.xml><?xml version="1.0" encoding="utf-8"?>
+<file path=ppt/slides/slide15.xml><?xml version="1.0" encoding="utf-8"?>
 <p:sld xmlns:a="http://schemas.openxmlformats.org/drawingml/2006/main" xmlns:r="http://schemas.openxmlformats.org/officeDocument/2006/relationships" xmlns:p="http://schemas.openxmlformats.org/presentationml/2006/main">
   <p:cSld>
     <p:spTree>
@@ -11657,7 +12414,7 @@
         <p:spPr>
           <a:xfrm>
             <a:off x="184728" y="29503"/>
-            <a:ext cx="3623108" cy="769441"/>
+            <a:ext cx="5673348" cy="769441"/>
           </a:xfrm>
           <a:prstGeom prst="rect">
             <a:avLst/>
@@ -11678,7 +12435,7 @@
                 <a:latin typeface="Noto Sans KR Black" panose="020B0A00000000000000" pitchFamily="34" charset="-127"/>
                 <a:ea typeface="Noto Sans KR Black" panose="020B0A00000000000000" pitchFamily="34" charset="-127"/>
               </a:rPr>
-              <a:t>2-1. </a:t>
+              <a:t>2-1-1. </a:t>
             </a:r>
             <a:r>
               <a:rPr lang="ko-KR" altLang="en-US" sz="4400" dirty="0">
@@ -11690,6 +12447,43 @@
               </a:rPr>
               <a:t>게임 소개</a:t>
             </a:r>
+            <a:r>
+              <a:rPr lang="en-US" altLang="ko-KR" sz="4400" dirty="0">
+                <a:solidFill>
+                  <a:schemeClr val="bg1"/>
+                </a:solidFill>
+                <a:latin typeface="Noto Sans KR Black" panose="020B0A00000000000000" pitchFamily="34" charset="-127"/>
+                <a:ea typeface="Noto Sans KR Black" panose="020B0A00000000000000" pitchFamily="34" charset="-127"/>
+              </a:rPr>
+              <a:t>(</a:t>
+            </a:r>
+            <a:r>
+              <a:rPr lang="ko-KR" altLang="en-US" sz="4400" dirty="0">
+                <a:solidFill>
+                  <a:schemeClr val="bg1"/>
+                </a:solidFill>
+                <a:latin typeface="Noto Sans KR Black" panose="020B0A00000000000000" pitchFamily="34" charset="-127"/>
+                <a:ea typeface="Noto Sans KR Black" panose="020B0A00000000000000" pitchFamily="34" charset="-127"/>
+              </a:rPr>
+              <a:t>장르</a:t>
+            </a:r>
+            <a:r>
+              <a:rPr lang="en-US" altLang="ko-KR" sz="4400" dirty="0">
+                <a:solidFill>
+                  <a:schemeClr val="bg1"/>
+                </a:solidFill>
+                <a:latin typeface="Noto Sans KR Black" panose="020B0A00000000000000" pitchFamily="34" charset="-127"/>
+                <a:ea typeface="Noto Sans KR Black" panose="020B0A00000000000000" pitchFamily="34" charset="-127"/>
+              </a:rPr>
+              <a:t>)</a:t>
+            </a:r>
+            <a:endParaRPr lang="ko-KR" altLang="en-US" sz="4400" dirty="0">
+              <a:solidFill>
+                <a:schemeClr val="bg1"/>
+              </a:solidFill>
+              <a:latin typeface="Noto Sans KR Black" panose="020B0A00000000000000" pitchFamily="34" charset="-127"/>
+              <a:ea typeface="Noto Sans KR Black" panose="020B0A00000000000000" pitchFamily="34" charset="-127"/>
+            </a:endParaRPr>
           </a:p>
         </p:txBody>
       </p:sp>
@@ -11765,32 +12559,78 @@
       </p:sp>
       <p:sp>
         <p:nvSpPr>
-          <p:cNvPr id="6" name="직사각형 5">
-            <a:extLst>
-              <a:ext uri="{FF2B5EF4-FFF2-40B4-BE49-F238E27FC236}">
-                <a16:creationId xmlns:a16="http://schemas.microsoft.com/office/drawing/2014/main" id="{469FAC93-87A3-40DF-8585-C1EC2E4051E4}"/>
-              </a:ext>
-            </a:extLst>
-          </p:cNvPr>
-          <p:cNvSpPr/>
+          <p:cNvPr id="7" name="TextBox 6">
+            <a:extLst>
+              <a:ext uri="{FF2B5EF4-FFF2-40B4-BE49-F238E27FC236}">
+                <a16:creationId xmlns:a16="http://schemas.microsoft.com/office/drawing/2014/main" id="{2B8EA605-C2DA-4EA7-8B89-D51BE2A87912}"/>
+              </a:ext>
+            </a:extLst>
+          </p:cNvPr>
+          <p:cNvSpPr txBox="1"/>
           <p:nvPr/>
         </p:nvSpPr>
         <p:spPr>
           <a:xfrm>
-            <a:off x="2245894" y="1875694"/>
-            <a:ext cx="7700211" cy="3490598"/>
+            <a:off x="5516354" y="5633828"/>
+            <a:ext cx="1159292" cy="400110"/>
           </a:xfrm>
           <a:prstGeom prst="rect">
             <a:avLst/>
           </a:prstGeom>
-          <a:solidFill>
-            <a:schemeClr val="bg1">
-              <a:lumMod val="85000"/>
-            </a:schemeClr>
-          </a:solidFill>
-          <a:ln>
-            <a:noFill/>
-          </a:ln>
+          <a:noFill/>
+        </p:spPr>
+        <p:txBody>
+          <a:bodyPr wrap="none" rtlCol="0">
+            <a:spAutoFit/>
+          </a:bodyPr>
+          <a:lstStyle/>
+          <a:p>
+            <a:r>
+              <a:rPr lang="ko-KR" altLang="en-US" sz="2000" dirty="0">
+                <a:latin typeface="나눔바른고딕OTF Light" panose="02000303000000000000" pitchFamily="50" charset="-127"/>
+                <a:ea typeface="나눔바른고딕OTF Light" panose="02000303000000000000" pitchFamily="50" charset="-127"/>
+              </a:rPr>
+              <a:t>게임 예시</a:t>
+            </a:r>
+          </a:p>
+        </p:txBody>
+      </p:sp>
+      <p:pic>
+        <p:nvPicPr>
+          <p:cNvPr id="1026" name="Picture 2">
+            <a:extLst>
+              <a:ext uri="{FF2B5EF4-FFF2-40B4-BE49-F238E27FC236}">
+                <a16:creationId xmlns:a16="http://schemas.microsoft.com/office/drawing/2014/main" id="{257FEE33-E472-47FD-B73D-71F64E2727C6}"/>
+              </a:ext>
+            </a:extLst>
+          </p:cNvPr>
+          <p:cNvPicPr>
+            <a:picLocks noChangeAspect="1" noChangeArrowheads="1"/>
+          </p:cNvPicPr>
+          <p:nvPr/>
+        </p:nvPicPr>
+        <p:blipFill>
+          <a:blip r:embed="rId2">
+            <a:extLst>
+              <a:ext uri="{28A0092B-C50C-407E-A947-70E740481C1C}">
+                <a14:useLocalDpi xmlns:a14="http://schemas.microsoft.com/office/drawing/2010/main" val="0"/>
+              </a:ext>
+            </a:extLst>
+          </a:blip>
+          <a:srcRect/>
+          <a:stretch>
+            <a:fillRect/>
+          </a:stretch>
+        </p:blipFill>
+        <p:spPr bwMode="auto">
+          <a:xfrm>
+            <a:off x="2715347" y="1944447"/>
+            <a:ext cx="6761306" cy="3519431"/>
+          </a:xfrm>
+          <a:prstGeom prst="rect">
+            <a:avLst/>
+          </a:prstGeom>
+          <a:noFill/>
           <a:effectLst>
             <a:outerShdw blurRad="50800" dist="38100" dir="2700000" algn="tl" rotWithShape="0">
               <a:prstClr val="black">
@@ -11798,70 +12638,17 @@
               </a:prstClr>
             </a:outerShdw>
           </a:effectLst>
-        </p:spPr>
-        <p:style>
-          <a:lnRef idx="2">
-            <a:schemeClr val="accent1">
-              <a:shade val="50000"/>
-            </a:schemeClr>
-          </a:lnRef>
-          <a:fillRef idx="1">
-            <a:schemeClr val="accent1"/>
-          </a:fillRef>
-          <a:effectRef idx="0">
-            <a:schemeClr val="accent1"/>
-          </a:effectRef>
-          <a:fontRef idx="minor">
-            <a:schemeClr val="lt1"/>
-          </a:fontRef>
-        </p:style>
-        <p:txBody>
-          <a:bodyPr rtlCol="0" anchor="ctr"/>
-          <a:lstStyle/>
-          <a:p>
-            <a:pPr algn="ctr"/>
-            <a:endParaRPr lang="ko-KR" altLang="en-US"/>
-          </a:p>
-        </p:txBody>
-      </p:sp>
-      <p:sp>
-        <p:nvSpPr>
-          <p:cNvPr id="7" name="TextBox 6">
-            <a:extLst>
-              <a:ext uri="{FF2B5EF4-FFF2-40B4-BE49-F238E27FC236}">
-                <a16:creationId xmlns:a16="http://schemas.microsoft.com/office/drawing/2014/main" id="{2B8EA605-C2DA-4EA7-8B89-D51BE2A87912}"/>
-              </a:ext>
-            </a:extLst>
-          </p:cNvPr>
-          <p:cNvSpPr txBox="1"/>
-          <p:nvPr/>
-        </p:nvSpPr>
-        <p:spPr>
-          <a:xfrm>
-            <a:off x="5516353" y="5479559"/>
-            <a:ext cx="1159292" cy="400110"/>
-          </a:xfrm>
-          <a:prstGeom prst="rect">
-            <a:avLst/>
-          </a:prstGeom>
-          <a:noFill/>
-        </p:spPr>
-        <p:txBody>
-          <a:bodyPr wrap="none" rtlCol="0">
-            <a:spAutoFit/>
-          </a:bodyPr>
-          <a:lstStyle/>
-          <a:p>
-            <a:r>
-              <a:rPr lang="ko-KR" altLang="en-US" sz="2000" dirty="0">
-                <a:latin typeface="나눔바른고딕OTF Light" panose="02000303000000000000" pitchFamily="50" charset="-127"/>
-                <a:ea typeface="나눔바른고딕OTF Light" panose="02000303000000000000" pitchFamily="50" charset="-127"/>
-              </a:rPr>
-              <a:t>게임 예시</a:t>
-            </a:r>
-          </a:p>
-        </p:txBody>
-      </p:sp>
+          <a:extLst>
+            <a:ext uri="{909E8E84-426E-40DD-AFC4-6F175D3DCCD1}">
+              <a14:hiddenFill xmlns:a14="http://schemas.microsoft.com/office/drawing/2010/main">
+                <a:solidFill>
+                  <a:srgbClr val="FFFFFF"/>
+                </a:solidFill>
+              </a14:hiddenFill>
+            </a:ext>
+          </a:extLst>
+        </p:spPr>
+      </p:pic>
     </p:spTree>
     <p:extLst>
       <p:ext uri="{BB962C8B-B14F-4D97-AF65-F5344CB8AC3E}">
@@ -11897,7 +12684,7 @@
           <p:cNvPr id="2" name="직사각형 1">
             <a:extLst>
               <a:ext uri="{FF2B5EF4-FFF2-40B4-BE49-F238E27FC236}">
-                <a16:creationId xmlns:a16="http://schemas.microsoft.com/office/drawing/2014/main" id="{74F0E137-A4B2-4F76-840E-7F5336803157}"/>
+                <a16:creationId xmlns:a16="http://schemas.microsoft.com/office/drawing/2014/main" id="{B79BBD48-51FE-449B-8629-3A57BB6086C7}"/>
               </a:ext>
             </a:extLst>
           </p:cNvPr>
@@ -11952,7 +12739,7 @@
           <p:cNvPr id="3" name="직사각형 2">
             <a:extLst>
               <a:ext uri="{FF2B5EF4-FFF2-40B4-BE49-F238E27FC236}">
-                <a16:creationId xmlns:a16="http://schemas.microsoft.com/office/drawing/2014/main" id="{D7869C44-DAA3-4278-B177-A534BEE0E68C}"/>
+                <a16:creationId xmlns:a16="http://schemas.microsoft.com/office/drawing/2014/main" id="{9B5B152E-031B-4DC3-9098-249E210A1E13}"/>
               </a:ext>
             </a:extLst>
           </p:cNvPr>
@@ -12007,7 +12794,7 @@
           <p:cNvPr id="4" name="TextBox 3">
             <a:extLst>
               <a:ext uri="{FF2B5EF4-FFF2-40B4-BE49-F238E27FC236}">
-                <a16:creationId xmlns:a16="http://schemas.microsoft.com/office/drawing/2014/main" id="{B14F8EB4-3DDE-43E0-8070-ADB67F91F969}"/>
+                <a16:creationId xmlns:a16="http://schemas.microsoft.com/office/drawing/2014/main" id="{E6DB0857-98F2-430C-A192-D709D419CBD5}"/>
               </a:ext>
             </a:extLst>
           </p:cNvPr>
@@ -12017,7 +12804,7 @@
         <p:spPr>
           <a:xfrm>
             <a:off x="184728" y="29503"/>
-            <a:ext cx="3623108" cy="769441"/>
+            <a:ext cx="7560083" cy="769441"/>
           </a:xfrm>
           <a:prstGeom prst="rect">
             <a:avLst/>
@@ -12038,7 +12825,7 @@
                 <a:latin typeface="Noto Sans KR Black" panose="020B0A00000000000000" pitchFamily="34" charset="-127"/>
                 <a:ea typeface="Noto Sans KR Black" panose="020B0A00000000000000" pitchFamily="34" charset="-127"/>
               </a:rPr>
-              <a:t>2-1. </a:t>
+              <a:t>2-1-2. </a:t>
             </a:r>
             <a:r>
               <a:rPr lang="ko-KR" altLang="en-US" sz="4400" dirty="0">
@@ -12050,37 +12837,102 @@
               </a:rPr>
               <a:t>게임 소개</a:t>
             </a:r>
-          </a:p>
-        </p:txBody>
-      </p:sp>
-      <p:sp>
-        <p:nvSpPr>
-          <p:cNvPr id="5" name="직사각형 4">
-            <a:extLst>
-              <a:ext uri="{FF2B5EF4-FFF2-40B4-BE49-F238E27FC236}">
-                <a16:creationId xmlns:a16="http://schemas.microsoft.com/office/drawing/2014/main" id="{2E5AC832-7CAD-4A9F-9B55-8A282B64CEE1}"/>
-              </a:ext>
-            </a:extLst>
-          </p:cNvPr>
-          <p:cNvSpPr/>
+            <a:r>
+              <a:rPr lang="en-US" altLang="ko-KR" sz="4400" dirty="0">
+                <a:solidFill>
+                  <a:schemeClr val="bg1"/>
+                </a:solidFill>
+                <a:latin typeface="Noto Sans KR Black" panose="020B0A00000000000000" pitchFamily="34" charset="-127"/>
+                <a:ea typeface="Noto Sans KR Black" panose="020B0A00000000000000" pitchFamily="34" charset="-127"/>
+              </a:rPr>
+              <a:t>(</a:t>
+            </a:r>
+            <a:r>
+              <a:rPr lang="ko-KR" altLang="en-US" sz="4400" dirty="0">
+                <a:solidFill>
+                  <a:schemeClr val="bg1"/>
+                </a:solidFill>
+                <a:latin typeface="Noto Sans KR Black" panose="020B0A00000000000000" pitchFamily="34" charset="-127"/>
+                <a:ea typeface="Noto Sans KR Black" panose="020B0A00000000000000" pitchFamily="34" charset="-127"/>
+              </a:rPr>
+              <a:t>캐릭터</a:t>
+            </a:r>
+            <a:r>
+              <a:rPr lang="en-US" altLang="ko-KR" sz="4400" dirty="0">
+                <a:solidFill>
+                  <a:schemeClr val="bg1"/>
+                </a:solidFill>
+                <a:latin typeface="Noto Sans KR Black" panose="020B0A00000000000000" pitchFamily="34" charset="-127"/>
+                <a:ea typeface="Noto Sans KR Black" panose="020B0A00000000000000" pitchFamily="34" charset="-127"/>
+              </a:rPr>
+              <a:t>, </a:t>
+            </a:r>
+            <a:r>
+              <a:rPr lang="ko-KR" altLang="en-US" sz="4400" dirty="0">
+                <a:solidFill>
+                  <a:schemeClr val="bg1"/>
+                </a:solidFill>
+                <a:latin typeface="Noto Sans KR Black" panose="020B0A00000000000000" pitchFamily="34" charset="-127"/>
+                <a:ea typeface="Noto Sans KR Black" panose="020B0A00000000000000" pitchFamily="34" charset="-127"/>
+              </a:rPr>
+              <a:t>무기</a:t>
+            </a:r>
+            <a:r>
+              <a:rPr lang="en-US" altLang="ko-KR" sz="4400" dirty="0">
+                <a:solidFill>
+                  <a:schemeClr val="bg1"/>
+                </a:solidFill>
+                <a:latin typeface="Noto Sans KR Black" panose="020B0A00000000000000" pitchFamily="34" charset="-127"/>
+                <a:ea typeface="Noto Sans KR Black" panose="020B0A00000000000000" pitchFamily="34" charset="-127"/>
+              </a:rPr>
+              <a:t>)</a:t>
+            </a:r>
+            <a:endParaRPr lang="ko-KR" altLang="en-US" sz="4400" dirty="0">
+              <a:solidFill>
+                <a:schemeClr val="bg1"/>
+              </a:solidFill>
+              <a:latin typeface="Noto Sans KR Black" panose="020B0A00000000000000" pitchFamily="34" charset="-127"/>
+              <a:ea typeface="Noto Sans KR Black" panose="020B0A00000000000000" pitchFamily="34" charset="-127"/>
+            </a:endParaRPr>
+          </a:p>
+        </p:txBody>
+      </p:sp>
+      <p:pic>
+        <p:nvPicPr>
+          <p:cNvPr id="3074" name="Picture 2">
+            <a:extLst>
+              <a:ext uri="{FF2B5EF4-FFF2-40B4-BE49-F238E27FC236}">
+                <a16:creationId xmlns:a16="http://schemas.microsoft.com/office/drawing/2014/main" id="{5E02956E-BD4C-4E51-9D56-63D52D529872}"/>
+              </a:ext>
+            </a:extLst>
+          </p:cNvPr>
+          <p:cNvPicPr>
+            <a:picLocks noChangeAspect="1" noChangeArrowheads="1"/>
+          </p:cNvPicPr>
           <p:nvPr/>
-        </p:nvSpPr>
-        <p:spPr>
+        </p:nvPicPr>
+        <p:blipFill>
+          <a:blip r:embed="rId2">
+            <a:extLst>
+              <a:ext uri="{28A0092B-C50C-407E-A947-70E740481C1C}">
+                <a14:useLocalDpi xmlns:a14="http://schemas.microsoft.com/office/drawing/2010/main" val="0"/>
+              </a:ext>
+            </a:extLst>
+          </a:blip>
+          <a:srcRect/>
+          <a:stretch>
+            <a:fillRect/>
+          </a:stretch>
+        </p:blipFill>
+        <p:spPr bwMode="auto">
           <a:xfrm>
-            <a:off x="971045" y="1722581"/>
-            <a:ext cx="2152072" cy="1736436"/>
+            <a:off x="2716068" y="1634721"/>
+            <a:ext cx="6759864" cy="3430631"/>
           </a:xfrm>
           <a:prstGeom prst="rect">
             <a:avLst/>
           </a:prstGeom>
-          <a:solidFill>
-            <a:schemeClr val="bg1">
-              <a:lumMod val="85000"/>
-            </a:schemeClr>
-          </a:solidFill>
-          <a:ln>
-            <a:noFill/>
-          </a:ln>
+          <a:noFill/>
           <a:effectLst>
             <a:outerShdw blurRad="50800" dist="38100" dir="2700000" algn="tl" rotWithShape="0">
               <a:prstClr val="black">
@@ -12088,624 +12940,232 @@
               </a:prstClr>
             </a:outerShdw>
           </a:effectLst>
-        </p:spPr>
-        <p:style>
-          <a:lnRef idx="2">
-            <a:schemeClr val="accent1">
-              <a:shade val="50000"/>
-            </a:schemeClr>
-          </a:lnRef>
-          <a:fillRef idx="1">
-            <a:schemeClr val="accent1"/>
-          </a:fillRef>
-          <a:effectRef idx="0">
-            <a:schemeClr val="accent1"/>
-          </a:effectRef>
-          <a:fontRef idx="minor">
-            <a:schemeClr val="lt1"/>
-          </a:fontRef>
-        </p:style>
-        <p:txBody>
-          <a:bodyPr rtlCol="0" anchor="ctr"/>
-          <a:lstStyle/>
-          <a:p>
-            <a:pPr algn="ctr"/>
-            <a:r>
-              <a:rPr lang="ko-KR" altLang="en-US" dirty="0">
+          <a:extLst>
+            <a:ext uri="{909E8E84-426E-40DD-AFC4-6F175D3DCCD1}">
+              <a14:hiddenFill xmlns:a14="http://schemas.microsoft.com/office/drawing/2010/main">
                 <a:solidFill>
-                  <a:schemeClr val="tx1">
-                    <a:lumMod val="85000"/>
-                    <a:lumOff val="15000"/>
-                  </a:schemeClr>
+                  <a:srgbClr val="FFFFFF"/>
                 </a:solidFill>
-              </a:rPr>
-              <a:t>플레이어</a:t>
-            </a:r>
-          </a:p>
-        </p:txBody>
-      </p:sp>
-      <p:sp>
-        <p:nvSpPr>
-          <p:cNvPr id="7" name="직사각형 6">
-            <a:extLst>
-              <a:ext uri="{FF2B5EF4-FFF2-40B4-BE49-F238E27FC236}">
-                <a16:creationId xmlns:a16="http://schemas.microsoft.com/office/drawing/2014/main" id="{4A6FAB15-6DD4-4891-BC02-9F086A2AD6E6}"/>
-              </a:ext>
-            </a:extLst>
-          </p:cNvPr>
-          <p:cNvSpPr/>
+              </a14:hiddenFill>
+            </a:ext>
+          </a:extLst>
+        </p:spPr>
+      </p:pic>
+      <p:sp>
+        <p:nvSpPr>
+          <p:cNvPr id="6" name="TextBox 5">
+            <a:extLst>
+              <a:ext uri="{FF2B5EF4-FFF2-40B4-BE49-F238E27FC236}">
+                <a16:creationId xmlns:a16="http://schemas.microsoft.com/office/drawing/2014/main" id="{7645BA9B-AA74-4AEF-B869-B0A7D02A9C7C}"/>
+              </a:ext>
+            </a:extLst>
+          </p:cNvPr>
+          <p:cNvSpPr txBox="1"/>
           <p:nvPr/>
         </p:nvSpPr>
         <p:spPr>
           <a:xfrm>
-            <a:off x="971045" y="3948544"/>
-            <a:ext cx="2152072" cy="1736436"/>
+            <a:off x="4255592" y="5171686"/>
+            <a:ext cx="3680816" cy="400110"/>
           </a:xfrm>
           <a:prstGeom prst="rect">
             <a:avLst/>
           </a:prstGeom>
-          <a:solidFill>
-            <a:schemeClr val="bg1">
-              <a:lumMod val="85000"/>
-            </a:schemeClr>
-          </a:solidFill>
-          <a:ln>
-            <a:noFill/>
-          </a:ln>
-          <a:effectLst>
-            <a:outerShdw blurRad="50800" dist="38100" dir="2700000" algn="tl" rotWithShape="0">
-              <a:prstClr val="black">
-                <a:alpha val="40000"/>
-              </a:prstClr>
-            </a:outerShdw>
-          </a:effectLst>
-        </p:spPr>
-        <p:style>
-          <a:lnRef idx="2">
-            <a:schemeClr val="accent1">
-              <a:shade val="50000"/>
-            </a:schemeClr>
-          </a:lnRef>
-          <a:fillRef idx="1">
-            <a:schemeClr val="accent1"/>
-          </a:fillRef>
-          <a:effectRef idx="0">
-            <a:schemeClr val="accent1"/>
-          </a:effectRef>
-          <a:fontRef idx="minor">
-            <a:schemeClr val="lt1"/>
-          </a:fontRef>
-        </p:style>
-        <p:txBody>
-          <a:bodyPr rtlCol="0" anchor="ctr"/>
-          <a:lstStyle/>
-          <a:p>
-            <a:pPr algn="ctr"/>
-            <a:r>
-              <a:rPr lang="ko-KR" altLang="en-US" dirty="0">
-                <a:solidFill>
-                  <a:schemeClr val="tx1">
-                    <a:lumMod val="85000"/>
-                    <a:lumOff val="15000"/>
-                  </a:schemeClr>
-                </a:solidFill>
-              </a:rPr>
-              <a:t>몬스터</a:t>
-            </a:r>
-            <a:r>
-              <a:rPr lang="en-US" altLang="ko-KR" dirty="0">
-                <a:solidFill>
-                  <a:schemeClr val="tx1">
-                    <a:lumMod val="85000"/>
-                    <a:lumOff val="15000"/>
-                  </a:schemeClr>
-                </a:solidFill>
-              </a:rPr>
-              <a:t>1</a:t>
-            </a:r>
-            <a:endParaRPr lang="ko-KR" altLang="en-US" dirty="0">
-              <a:solidFill>
-                <a:schemeClr val="tx1">
-                  <a:lumMod val="85000"/>
-                  <a:lumOff val="15000"/>
-                </a:schemeClr>
-              </a:solidFill>
+          <a:noFill/>
+        </p:spPr>
+        <p:txBody>
+          <a:bodyPr wrap="none" rtlCol="0">
+            <a:spAutoFit/>
+          </a:bodyPr>
+          <a:lstStyle/>
+          <a:p>
+            <a:r>
+              <a:rPr lang="ko-KR" altLang="en-US" sz="2000" dirty="0">
+                <a:latin typeface="나눔바른고딕OTF Light" panose="02000303000000000000" pitchFamily="50" charset="-127"/>
+                <a:ea typeface="나눔바른고딕OTF Light" panose="02000303000000000000" pitchFamily="50" charset="-127"/>
+              </a:rPr>
+              <a:t>캐릭터 </a:t>
+            </a:r>
+            <a:r>
+              <a:rPr lang="en-US" altLang="ko-KR" sz="2000" dirty="0">
+                <a:latin typeface="나눔바른고딕OTF Light" panose="02000303000000000000" pitchFamily="50" charset="-127"/>
+                <a:ea typeface="나눔바른고딕OTF Light" panose="02000303000000000000" pitchFamily="50" charset="-127"/>
+              </a:rPr>
+              <a:t>/ </a:t>
+            </a:r>
+            <a:r>
+              <a:rPr lang="ko-KR" altLang="en-US" sz="2000" dirty="0">
+                <a:latin typeface="나눔바른고딕OTF Light" panose="02000303000000000000" pitchFamily="50" charset="-127"/>
+                <a:ea typeface="나눔바른고딕OTF Light" panose="02000303000000000000" pitchFamily="50" charset="-127"/>
+              </a:rPr>
+              <a:t>돌격 소총 </a:t>
+            </a:r>
+            <a:r>
+              <a:rPr lang="en-US" altLang="ko-KR" sz="2000" dirty="0">
+                <a:latin typeface="나눔바른고딕OTF Light" panose="02000303000000000000" pitchFamily="50" charset="-127"/>
+                <a:ea typeface="나눔바른고딕OTF Light" panose="02000303000000000000" pitchFamily="50" charset="-127"/>
+              </a:rPr>
+              <a:t>/ </a:t>
+            </a:r>
+            <a:r>
+              <a:rPr lang="ko-KR" altLang="en-US" sz="2000" dirty="0" err="1">
+                <a:latin typeface="나눔바른고딕OTF Light" panose="02000303000000000000" pitchFamily="50" charset="-127"/>
+                <a:ea typeface="나눔바른고딕OTF Light" panose="02000303000000000000" pitchFamily="50" charset="-127"/>
+              </a:rPr>
+              <a:t>머신건</a:t>
+            </a:r>
+            <a:r>
+              <a:rPr lang="ko-KR" altLang="en-US" sz="2000" dirty="0">
+                <a:latin typeface="나눔바른고딕OTF Light" panose="02000303000000000000" pitchFamily="50" charset="-127"/>
+                <a:ea typeface="나눔바른고딕OTF Light" panose="02000303000000000000" pitchFamily="50" charset="-127"/>
+              </a:rPr>
+              <a:t> </a:t>
+            </a:r>
+            <a:r>
+              <a:rPr lang="en-US" altLang="ko-KR" sz="2000" dirty="0">
+                <a:latin typeface="나눔바른고딕OTF Light" panose="02000303000000000000" pitchFamily="50" charset="-127"/>
+                <a:ea typeface="나눔바른고딕OTF Light" panose="02000303000000000000" pitchFamily="50" charset="-127"/>
+              </a:rPr>
+              <a:t>/ </a:t>
+            </a:r>
+            <a:r>
+              <a:rPr lang="ko-KR" altLang="en-US" sz="2000" dirty="0" err="1">
+                <a:latin typeface="나눔바른고딕OTF Light" panose="02000303000000000000" pitchFamily="50" charset="-127"/>
+                <a:ea typeface="나눔바른고딕OTF Light" panose="02000303000000000000" pitchFamily="50" charset="-127"/>
+              </a:rPr>
+              <a:t>샷건</a:t>
+            </a:r>
+            <a:endParaRPr lang="ko-KR" altLang="en-US" sz="2000" dirty="0">
+              <a:latin typeface="나눔바른고딕OTF Light" panose="02000303000000000000" pitchFamily="50" charset="-127"/>
+              <a:ea typeface="나눔바른고딕OTF Light" panose="02000303000000000000" pitchFamily="50" charset="-127"/>
             </a:endParaRPr>
           </a:p>
         </p:txBody>
       </p:sp>
       <p:sp>
         <p:nvSpPr>
-          <p:cNvPr id="9" name="직사각형 8">
-            <a:extLst>
-              <a:ext uri="{FF2B5EF4-FFF2-40B4-BE49-F238E27FC236}">
-                <a16:creationId xmlns:a16="http://schemas.microsoft.com/office/drawing/2014/main" id="{1E2C594D-3965-4548-9E6F-D7DFC8979096}"/>
-              </a:ext>
-            </a:extLst>
-          </p:cNvPr>
-          <p:cNvSpPr/>
+          <p:cNvPr id="8" name="TextBox 7">
+            <a:extLst>
+              <a:ext uri="{FF2B5EF4-FFF2-40B4-BE49-F238E27FC236}">
+                <a16:creationId xmlns:a16="http://schemas.microsoft.com/office/drawing/2014/main" id="{C770C63E-F014-4B47-AE79-DDBD02D98222}"/>
+              </a:ext>
+            </a:extLst>
+          </p:cNvPr>
+          <p:cNvSpPr txBox="1"/>
           <p:nvPr/>
         </p:nvSpPr>
         <p:spPr>
           <a:xfrm>
-            <a:off x="6403767" y="3948544"/>
-            <a:ext cx="2152072" cy="1736436"/>
+            <a:off x="184728" y="5500680"/>
+            <a:ext cx="3765774" cy="1015663"/>
           </a:xfrm>
           <a:prstGeom prst="rect">
             <a:avLst/>
           </a:prstGeom>
-          <a:solidFill>
-            <a:schemeClr val="bg1">
-              <a:lumMod val="85000"/>
-            </a:schemeClr>
-          </a:solidFill>
-          <a:ln>
-            <a:noFill/>
-          </a:ln>
-          <a:effectLst>
-            <a:outerShdw blurRad="50800" dist="38100" dir="2700000" algn="tl" rotWithShape="0">
-              <a:prstClr val="black">
-                <a:alpha val="40000"/>
-              </a:prstClr>
-            </a:outerShdw>
-          </a:effectLst>
-        </p:spPr>
-        <p:style>
-          <a:lnRef idx="2">
-            <a:schemeClr val="accent1">
-              <a:shade val="50000"/>
-            </a:schemeClr>
-          </a:lnRef>
-          <a:fillRef idx="1">
-            <a:schemeClr val="accent1"/>
-          </a:fillRef>
-          <a:effectRef idx="0">
-            <a:schemeClr val="accent1"/>
-          </a:effectRef>
-          <a:fontRef idx="minor">
-            <a:schemeClr val="lt1"/>
-          </a:fontRef>
-        </p:style>
-        <p:txBody>
-          <a:bodyPr rtlCol="0" anchor="ctr"/>
-          <a:lstStyle/>
-          <a:p>
-            <a:pPr algn="ctr"/>
-            <a:r>
-              <a:rPr lang="ko-KR" altLang="en-US" dirty="0">
-                <a:solidFill>
-                  <a:schemeClr val="tx1">
-                    <a:lumMod val="85000"/>
-                    <a:lumOff val="15000"/>
-                  </a:schemeClr>
-                </a:solidFill>
-              </a:rPr>
-              <a:t>몬스터</a:t>
-            </a:r>
-            <a:r>
-              <a:rPr lang="en-US" altLang="ko-KR" dirty="0">
-                <a:solidFill>
-                  <a:schemeClr val="tx1">
-                    <a:lumMod val="85000"/>
-                    <a:lumOff val="15000"/>
-                  </a:schemeClr>
-                </a:solidFill>
-              </a:rPr>
-              <a:t>3</a:t>
-            </a:r>
-            <a:endParaRPr lang="ko-KR" altLang="en-US" dirty="0">
-              <a:solidFill>
-                <a:schemeClr val="tx1">
-                  <a:lumMod val="85000"/>
-                  <a:lumOff val="15000"/>
-                </a:schemeClr>
-              </a:solidFill>
+          <a:noFill/>
+        </p:spPr>
+        <p:txBody>
+          <a:bodyPr wrap="none" rtlCol="0">
+            <a:spAutoFit/>
+          </a:bodyPr>
+          <a:lstStyle/>
+          <a:p>
+            <a:r>
+              <a:rPr lang="ko-KR" altLang="en-US" sz="2000" dirty="0">
+                <a:latin typeface="나눔바른고딕OTF Light" panose="02000303000000000000" pitchFamily="50" charset="-127"/>
+                <a:ea typeface="나눔바른고딕OTF Light" panose="02000303000000000000" pitchFamily="50" charset="-127"/>
+              </a:rPr>
+              <a:t>돌격소총</a:t>
+            </a:r>
+            <a:r>
+              <a:rPr lang="en-US" altLang="ko-KR" sz="2000" dirty="0">
+                <a:latin typeface="나눔바른고딕OTF Light" panose="02000303000000000000" pitchFamily="50" charset="-127"/>
+                <a:ea typeface="나눔바른고딕OTF Light" panose="02000303000000000000" pitchFamily="50" charset="-127"/>
+              </a:rPr>
+              <a:t>	 : </a:t>
+            </a:r>
+            <a:r>
+              <a:rPr lang="ko-KR" altLang="en-US" sz="2000" dirty="0">
+                <a:latin typeface="나눔바른고딕OTF Light" panose="02000303000000000000" pitchFamily="50" charset="-127"/>
+                <a:ea typeface="나눔바른고딕OTF Light" panose="02000303000000000000" pitchFamily="50" charset="-127"/>
+              </a:rPr>
+              <a:t>전체적으로 평범한 성능</a:t>
+            </a:r>
+            <a:endParaRPr lang="en-US" altLang="ko-KR" sz="2000" dirty="0">
+              <a:latin typeface="나눔바른고딕OTF Light" panose="02000303000000000000" pitchFamily="50" charset="-127"/>
+              <a:ea typeface="나눔바른고딕OTF Light" panose="02000303000000000000" pitchFamily="50" charset="-127"/>
             </a:endParaRPr>
           </a:p>
-        </p:txBody>
-      </p:sp>
-      <p:sp>
-        <p:nvSpPr>
-          <p:cNvPr id="10" name="직사각형 9">
-            <a:extLst>
-              <a:ext uri="{FF2B5EF4-FFF2-40B4-BE49-F238E27FC236}">
-                <a16:creationId xmlns:a16="http://schemas.microsoft.com/office/drawing/2014/main" id="{779742DD-8A6D-4950-B0F2-E382A3496E51}"/>
-              </a:ext>
-            </a:extLst>
-          </p:cNvPr>
-          <p:cNvSpPr/>
-          <p:nvPr/>
-        </p:nvSpPr>
-        <p:spPr>
-          <a:xfrm>
-            <a:off x="3687406" y="3948544"/>
-            <a:ext cx="2152072" cy="1736436"/>
-          </a:xfrm>
-          <a:prstGeom prst="rect">
-            <a:avLst/>
-          </a:prstGeom>
-          <a:solidFill>
-            <a:schemeClr val="bg1">
-              <a:lumMod val="85000"/>
-            </a:schemeClr>
-          </a:solidFill>
-          <a:ln>
-            <a:noFill/>
-          </a:ln>
-          <a:effectLst>
-            <a:outerShdw blurRad="50800" dist="38100" dir="2700000" algn="tl" rotWithShape="0">
-              <a:prstClr val="black">
-                <a:alpha val="40000"/>
-              </a:prstClr>
-            </a:outerShdw>
-          </a:effectLst>
-        </p:spPr>
-        <p:style>
-          <a:lnRef idx="2">
-            <a:schemeClr val="accent1">
-              <a:shade val="50000"/>
-            </a:schemeClr>
-          </a:lnRef>
-          <a:fillRef idx="1">
-            <a:schemeClr val="accent1"/>
-          </a:fillRef>
-          <a:effectRef idx="0">
-            <a:schemeClr val="accent1"/>
-          </a:effectRef>
-          <a:fontRef idx="minor">
-            <a:schemeClr val="lt1"/>
-          </a:fontRef>
-        </p:style>
-        <p:txBody>
-          <a:bodyPr rtlCol="0" anchor="ctr"/>
-          <a:lstStyle/>
-          <a:p>
-            <a:pPr algn="ctr"/>
-            <a:r>
-              <a:rPr lang="ko-KR" altLang="en-US" dirty="0">
-                <a:solidFill>
-                  <a:schemeClr val="tx1">
-                    <a:lumMod val="85000"/>
-                    <a:lumOff val="15000"/>
-                  </a:schemeClr>
-                </a:solidFill>
-              </a:rPr>
-              <a:t>몬스터</a:t>
-            </a:r>
-            <a:r>
-              <a:rPr lang="en-US" altLang="ko-KR" dirty="0">
-                <a:solidFill>
-                  <a:schemeClr val="tx1">
-                    <a:lumMod val="85000"/>
-                    <a:lumOff val="15000"/>
-                  </a:schemeClr>
-                </a:solidFill>
-              </a:rPr>
-              <a:t>2</a:t>
-            </a:r>
-            <a:endParaRPr lang="ko-KR" altLang="en-US" dirty="0">
-              <a:solidFill>
-                <a:schemeClr val="tx1">
-                  <a:lumMod val="85000"/>
-                  <a:lumOff val="15000"/>
-                </a:schemeClr>
-              </a:solidFill>
+          <a:p>
+            <a:r>
+              <a:rPr lang="ko-KR" altLang="en-US" sz="2000" dirty="0" err="1">
+                <a:latin typeface="나눔바른고딕OTF Light" panose="02000303000000000000" pitchFamily="50" charset="-127"/>
+                <a:ea typeface="나눔바른고딕OTF Light" panose="02000303000000000000" pitchFamily="50" charset="-127"/>
+              </a:rPr>
+              <a:t>머신건</a:t>
+            </a:r>
+            <a:r>
+              <a:rPr lang="en-US" altLang="ko-KR" sz="2000" dirty="0">
+                <a:latin typeface="나눔바른고딕OTF Light" panose="02000303000000000000" pitchFamily="50" charset="-127"/>
+                <a:ea typeface="나눔바른고딕OTF Light" panose="02000303000000000000" pitchFamily="50" charset="-127"/>
+              </a:rPr>
+              <a:t>	 : </a:t>
+            </a:r>
+            <a:r>
+              <a:rPr lang="ko-KR" altLang="en-US" sz="2000" dirty="0">
+                <a:latin typeface="나눔바른고딕OTF Light" panose="02000303000000000000" pitchFamily="50" charset="-127"/>
+                <a:ea typeface="나눔바른고딕OTF Light" panose="02000303000000000000" pitchFamily="50" charset="-127"/>
+              </a:rPr>
+              <a:t>느린 속도</a:t>
+            </a:r>
+            <a:r>
+              <a:rPr lang="en-US" altLang="ko-KR" sz="2000" dirty="0">
+                <a:latin typeface="나눔바른고딕OTF Light" panose="02000303000000000000" pitchFamily="50" charset="-127"/>
+                <a:ea typeface="나눔바른고딕OTF Light" panose="02000303000000000000" pitchFamily="50" charset="-127"/>
+              </a:rPr>
+              <a:t>, </a:t>
+            </a:r>
+            <a:r>
+              <a:rPr lang="ko-KR" altLang="en-US" sz="2000" dirty="0">
+                <a:latin typeface="나눔바른고딕OTF Light" panose="02000303000000000000" pitchFamily="50" charset="-127"/>
+                <a:ea typeface="나눔바른고딕OTF Light" panose="02000303000000000000" pitchFamily="50" charset="-127"/>
+              </a:rPr>
+              <a:t>강력한 화력</a:t>
+            </a:r>
+            <a:endParaRPr lang="en-US" altLang="ko-KR" sz="2000" dirty="0">
+              <a:latin typeface="나눔바른고딕OTF Light" panose="02000303000000000000" pitchFamily="50" charset="-127"/>
+              <a:ea typeface="나눔바른고딕OTF Light" panose="02000303000000000000" pitchFamily="50" charset="-127"/>
             </a:endParaRPr>
           </a:p>
-        </p:txBody>
-      </p:sp>
-      <p:sp>
-        <p:nvSpPr>
-          <p:cNvPr id="11" name="직사각형 10">
-            <a:extLst>
-              <a:ext uri="{FF2B5EF4-FFF2-40B4-BE49-F238E27FC236}">
-                <a16:creationId xmlns:a16="http://schemas.microsoft.com/office/drawing/2014/main" id="{69CFB483-7310-482A-9BA1-E6CA25A793F2}"/>
-              </a:ext>
-            </a:extLst>
-          </p:cNvPr>
-          <p:cNvSpPr/>
-          <p:nvPr/>
-        </p:nvSpPr>
-        <p:spPr>
-          <a:xfrm>
-            <a:off x="9120128" y="3948544"/>
-            <a:ext cx="2152072" cy="1736436"/>
-          </a:xfrm>
-          <a:prstGeom prst="rect">
-            <a:avLst/>
-          </a:prstGeom>
-          <a:solidFill>
-            <a:schemeClr val="bg1">
-              <a:lumMod val="85000"/>
-            </a:schemeClr>
-          </a:solidFill>
-          <a:ln>
-            <a:noFill/>
-          </a:ln>
-          <a:effectLst>
-            <a:outerShdw blurRad="50800" dist="38100" dir="2700000" algn="tl" rotWithShape="0">
-              <a:prstClr val="black">
-                <a:alpha val="40000"/>
-              </a:prstClr>
-            </a:outerShdw>
-          </a:effectLst>
-        </p:spPr>
-        <p:style>
-          <a:lnRef idx="2">
-            <a:schemeClr val="accent1">
-              <a:shade val="50000"/>
-            </a:schemeClr>
-          </a:lnRef>
-          <a:fillRef idx="1">
-            <a:schemeClr val="accent1"/>
-          </a:fillRef>
-          <a:effectRef idx="0">
-            <a:schemeClr val="accent1"/>
-          </a:effectRef>
-          <a:fontRef idx="minor">
-            <a:schemeClr val="lt1"/>
-          </a:fontRef>
-        </p:style>
-        <p:txBody>
-          <a:bodyPr rtlCol="0" anchor="ctr"/>
-          <a:lstStyle/>
-          <a:p>
-            <a:pPr algn="ctr"/>
-            <a:r>
-              <a:rPr lang="ko-KR" altLang="en-US" dirty="0" err="1">
-                <a:solidFill>
-                  <a:schemeClr val="tx1">
-                    <a:lumMod val="85000"/>
-                    <a:lumOff val="15000"/>
-                  </a:schemeClr>
-                </a:solidFill>
-              </a:rPr>
-              <a:t>보스몬스터</a:t>
-            </a:r>
-            <a:endParaRPr lang="ko-KR" altLang="en-US" dirty="0">
-              <a:solidFill>
-                <a:schemeClr val="tx1">
-                  <a:lumMod val="85000"/>
-                  <a:lumOff val="15000"/>
-                </a:schemeClr>
-              </a:solidFill>
-            </a:endParaRPr>
-          </a:p>
-        </p:txBody>
-      </p:sp>
-      <p:sp>
-        <p:nvSpPr>
-          <p:cNvPr id="12" name="직사각형 11">
-            <a:extLst>
-              <a:ext uri="{FF2B5EF4-FFF2-40B4-BE49-F238E27FC236}">
-                <a16:creationId xmlns:a16="http://schemas.microsoft.com/office/drawing/2014/main" id="{497784AF-F562-4CE0-B6AC-85C650D98E03}"/>
-              </a:ext>
-            </a:extLst>
-          </p:cNvPr>
-          <p:cNvSpPr/>
-          <p:nvPr/>
-        </p:nvSpPr>
-        <p:spPr>
-          <a:xfrm>
-            <a:off x="3687406" y="1722581"/>
-            <a:ext cx="2152072" cy="1736436"/>
-          </a:xfrm>
-          <a:prstGeom prst="rect">
-            <a:avLst/>
-          </a:prstGeom>
-          <a:solidFill>
-            <a:schemeClr val="bg1">
-              <a:lumMod val="85000"/>
-            </a:schemeClr>
-          </a:solidFill>
-          <a:ln>
-            <a:noFill/>
-          </a:ln>
-          <a:effectLst>
-            <a:outerShdw blurRad="50800" dist="38100" dir="2700000" algn="tl" rotWithShape="0">
-              <a:prstClr val="black">
-                <a:alpha val="40000"/>
-              </a:prstClr>
-            </a:outerShdw>
-          </a:effectLst>
-        </p:spPr>
-        <p:style>
-          <a:lnRef idx="2">
-            <a:schemeClr val="accent1">
-              <a:shade val="50000"/>
-            </a:schemeClr>
-          </a:lnRef>
-          <a:fillRef idx="1">
-            <a:schemeClr val="accent1"/>
-          </a:fillRef>
-          <a:effectRef idx="0">
-            <a:schemeClr val="accent1"/>
-          </a:effectRef>
-          <a:fontRef idx="minor">
-            <a:schemeClr val="lt1"/>
-          </a:fontRef>
-        </p:style>
-        <p:txBody>
-          <a:bodyPr rtlCol="0" anchor="ctr"/>
-          <a:lstStyle/>
-          <a:p>
-            <a:pPr algn="ctr"/>
-            <a:r>
-              <a:rPr lang="ko-KR" altLang="en-US" dirty="0">
-                <a:solidFill>
-                  <a:schemeClr val="tx1">
-                    <a:lumMod val="85000"/>
-                    <a:lumOff val="15000"/>
-                  </a:schemeClr>
-                </a:solidFill>
-              </a:rPr>
-              <a:t>돌격소총</a:t>
-            </a:r>
-          </a:p>
-        </p:txBody>
-      </p:sp>
-      <p:sp>
-        <p:nvSpPr>
-          <p:cNvPr id="14" name="직사각형 13">
-            <a:extLst>
-              <a:ext uri="{FF2B5EF4-FFF2-40B4-BE49-F238E27FC236}">
-                <a16:creationId xmlns:a16="http://schemas.microsoft.com/office/drawing/2014/main" id="{A3E885C7-ED24-4B2E-8673-E52B42056BDE}"/>
-              </a:ext>
-            </a:extLst>
-          </p:cNvPr>
-          <p:cNvSpPr/>
-          <p:nvPr/>
-        </p:nvSpPr>
-        <p:spPr>
-          <a:xfrm>
-            <a:off x="6403767" y="1722581"/>
-            <a:ext cx="2152072" cy="1736436"/>
-          </a:xfrm>
-          <a:prstGeom prst="rect">
-            <a:avLst/>
-          </a:prstGeom>
-          <a:solidFill>
-            <a:schemeClr val="bg1">
-              <a:lumMod val="85000"/>
-            </a:schemeClr>
-          </a:solidFill>
-          <a:ln>
-            <a:noFill/>
-          </a:ln>
-          <a:effectLst>
-            <a:outerShdw blurRad="50800" dist="38100" dir="2700000" algn="tl" rotWithShape="0">
-              <a:prstClr val="black">
-                <a:alpha val="40000"/>
-              </a:prstClr>
-            </a:outerShdw>
-          </a:effectLst>
-        </p:spPr>
-        <p:style>
-          <a:lnRef idx="2">
-            <a:schemeClr val="accent1">
-              <a:shade val="50000"/>
-            </a:schemeClr>
-          </a:lnRef>
-          <a:fillRef idx="1">
-            <a:schemeClr val="accent1"/>
-          </a:fillRef>
-          <a:effectRef idx="0">
-            <a:schemeClr val="accent1"/>
-          </a:effectRef>
-          <a:fontRef idx="minor">
-            <a:schemeClr val="lt1"/>
-          </a:fontRef>
-        </p:style>
-        <p:txBody>
-          <a:bodyPr rtlCol="0" anchor="ctr"/>
-          <a:lstStyle/>
-          <a:p>
-            <a:pPr algn="ctr"/>
-            <a:r>
-              <a:rPr lang="ko-KR" altLang="en-US" dirty="0" err="1">
-                <a:solidFill>
-                  <a:schemeClr val="tx1">
-                    <a:lumMod val="85000"/>
-                    <a:lumOff val="15000"/>
-                  </a:schemeClr>
-                </a:solidFill>
+          <a:p>
+            <a:r>
+              <a:rPr lang="ko-KR" altLang="en-US" sz="2000" dirty="0" err="1">
+                <a:latin typeface="나눔바른고딕OTF Light" panose="02000303000000000000" pitchFamily="50" charset="-127"/>
+                <a:ea typeface="나눔바른고딕OTF Light" panose="02000303000000000000" pitchFamily="50" charset="-127"/>
               </a:rPr>
               <a:t>샷건</a:t>
             </a:r>
-            <a:endParaRPr lang="ko-KR" altLang="en-US" dirty="0">
-              <a:solidFill>
-                <a:schemeClr val="tx1">
-                  <a:lumMod val="85000"/>
-                  <a:lumOff val="15000"/>
-                </a:schemeClr>
-              </a:solidFill>
-            </a:endParaRPr>
-          </a:p>
-        </p:txBody>
-      </p:sp>
-      <p:sp>
-        <p:nvSpPr>
-          <p:cNvPr id="15" name="직사각형 14">
-            <a:extLst>
-              <a:ext uri="{FF2B5EF4-FFF2-40B4-BE49-F238E27FC236}">
-                <a16:creationId xmlns:a16="http://schemas.microsoft.com/office/drawing/2014/main" id="{53D7BDFF-B868-4D03-ACFD-0C81B335B1E8}"/>
-              </a:ext>
-            </a:extLst>
-          </p:cNvPr>
-          <p:cNvSpPr/>
-          <p:nvPr/>
-        </p:nvSpPr>
-        <p:spPr>
-          <a:xfrm>
-            <a:off x="9120128" y="1722581"/>
-            <a:ext cx="2152072" cy="1736436"/>
-          </a:xfrm>
-          <a:prstGeom prst="rect">
-            <a:avLst/>
-          </a:prstGeom>
-          <a:solidFill>
-            <a:schemeClr val="bg1">
-              <a:lumMod val="85000"/>
-            </a:schemeClr>
-          </a:solidFill>
-          <a:ln>
-            <a:noFill/>
-          </a:ln>
-          <a:effectLst>
-            <a:outerShdw blurRad="50800" dist="38100" dir="2700000" algn="tl" rotWithShape="0">
-              <a:prstClr val="black">
-                <a:alpha val="40000"/>
-              </a:prstClr>
-            </a:outerShdw>
-          </a:effectLst>
-        </p:spPr>
-        <p:style>
-          <a:lnRef idx="2">
-            <a:schemeClr val="accent1">
-              <a:shade val="50000"/>
-            </a:schemeClr>
-          </a:lnRef>
-          <a:fillRef idx="1">
-            <a:schemeClr val="accent1"/>
-          </a:fillRef>
-          <a:effectRef idx="0">
-            <a:schemeClr val="accent1"/>
-          </a:effectRef>
-          <a:fontRef idx="minor">
-            <a:schemeClr val="lt1"/>
-          </a:fontRef>
-        </p:style>
-        <p:txBody>
-          <a:bodyPr rtlCol="0" anchor="ctr"/>
-          <a:lstStyle/>
-          <a:p>
-            <a:pPr algn="ctr"/>
-            <a:r>
-              <a:rPr lang="ko-KR" altLang="en-US" dirty="0" err="1">
-                <a:solidFill>
-                  <a:schemeClr val="tx1">
-                    <a:lumMod val="85000"/>
-                    <a:lumOff val="15000"/>
-                  </a:schemeClr>
-                </a:solidFill>
-              </a:rPr>
-              <a:t>머신건</a:t>
-            </a:r>
-            <a:endParaRPr lang="ko-KR" altLang="en-US" dirty="0">
-              <a:solidFill>
-                <a:schemeClr val="tx1">
-                  <a:lumMod val="85000"/>
-                  <a:lumOff val="15000"/>
-                </a:schemeClr>
-              </a:solidFill>
-            </a:endParaRPr>
+            <a:r>
+              <a:rPr lang="en-US" altLang="ko-KR" sz="2000" dirty="0">
+                <a:latin typeface="나눔바른고딕OTF Light" panose="02000303000000000000" pitchFamily="50" charset="-127"/>
+                <a:ea typeface="나눔바른고딕OTF Light" panose="02000303000000000000" pitchFamily="50" charset="-127"/>
+              </a:rPr>
+              <a:t>	 : </a:t>
+            </a:r>
+            <a:r>
+              <a:rPr lang="ko-KR" altLang="en-US" sz="2000" dirty="0">
+                <a:latin typeface="나눔바른고딕OTF Light" panose="02000303000000000000" pitchFamily="50" charset="-127"/>
+                <a:ea typeface="나눔바른고딕OTF Light" panose="02000303000000000000" pitchFamily="50" charset="-127"/>
+              </a:rPr>
+              <a:t>근접했을 때 강한 데미지</a:t>
+            </a:r>
           </a:p>
         </p:txBody>
       </p:sp>
     </p:spTree>
     <p:extLst>
       <p:ext uri="{BB962C8B-B14F-4D97-AF65-F5344CB8AC3E}">
-        <p14:creationId xmlns:p14="http://schemas.microsoft.com/office/powerpoint/2010/main" val="3186132473"/>
+        <p14:creationId xmlns:p14="http://schemas.microsoft.com/office/powerpoint/2010/main" val="1991411916"/>
       </p:ext>
     </p:extLst>
   </p:cSld>
@@ -12734,10 +13194,10 @@
       </p:grpSpPr>
       <p:sp>
         <p:nvSpPr>
-          <p:cNvPr id="13" name="직사각형 12">
-            <a:extLst>
-              <a:ext uri="{FF2B5EF4-FFF2-40B4-BE49-F238E27FC236}">
-                <a16:creationId xmlns:a16="http://schemas.microsoft.com/office/drawing/2014/main" id="{06E96233-581D-4441-82AF-50E6BD35E2FE}"/>
+          <p:cNvPr id="2" name="직사각형 1">
+            <a:extLst>
+              <a:ext uri="{FF2B5EF4-FFF2-40B4-BE49-F238E27FC236}">
+                <a16:creationId xmlns:a16="http://schemas.microsoft.com/office/drawing/2014/main" id="{B60C40FA-61FF-44F4-9813-4679A366178B}"/>
               </a:ext>
             </a:extLst>
           </p:cNvPr>
@@ -12746,14 +13206,17 @@
         </p:nvSpPr>
         <p:spPr>
           <a:xfrm>
-            <a:off x="3548860" y="4102705"/>
-            <a:ext cx="746050" cy="508000"/>
+            <a:off x="0" y="0"/>
+            <a:ext cx="12192000" cy="803563"/>
           </a:xfrm>
           <a:prstGeom prst="rect">
             <a:avLst/>
           </a:prstGeom>
           <a:solidFill>
-            <a:srgbClr val="FF6565"/>
+            <a:schemeClr val="tx1">
+              <a:lumMod val="75000"/>
+              <a:lumOff val="25000"/>
+            </a:schemeClr>
           </a:solidFill>
           <a:ln>
             <a:noFill/>
@@ -12780,16 +13243,16 @@
           <a:lstStyle/>
           <a:p>
             <a:pPr algn="ctr"/>
-            <a:endParaRPr lang="ko-KR" altLang="en-US" dirty="0"/>
-          </a:p>
-        </p:txBody>
-      </p:sp>
-      <p:sp>
-        <p:nvSpPr>
-          <p:cNvPr id="12" name="직사각형 11">
-            <a:extLst>
-              <a:ext uri="{FF2B5EF4-FFF2-40B4-BE49-F238E27FC236}">
-                <a16:creationId xmlns:a16="http://schemas.microsoft.com/office/drawing/2014/main" id="{11B65238-3A05-44AD-B01E-F8DB8D5CE867}"/>
+            <a:endParaRPr lang="ko-KR" altLang="en-US"/>
+          </a:p>
+        </p:txBody>
+      </p:sp>
+      <p:sp>
+        <p:nvSpPr>
+          <p:cNvPr id="3" name="직사각형 2">
+            <a:extLst>
+              <a:ext uri="{FF2B5EF4-FFF2-40B4-BE49-F238E27FC236}">
+                <a16:creationId xmlns:a16="http://schemas.microsoft.com/office/drawing/2014/main" id="{1CA6B101-7047-4CBF-8012-68C50D6507DD}"/>
               </a:ext>
             </a:extLst>
           </p:cNvPr>
@@ -12798,14 +13261,17 @@
         </p:nvSpPr>
         <p:spPr>
           <a:xfrm>
-            <a:off x="2005808" y="3499139"/>
-            <a:ext cx="1937542" cy="508000"/>
+            <a:off x="0" y="6603999"/>
+            <a:ext cx="12192000" cy="263235"/>
           </a:xfrm>
           <a:prstGeom prst="rect">
             <a:avLst/>
           </a:prstGeom>
           <a:solidFill>
-            <a:srgbClr val="FF6565"/>
+            <a:schemeClr val="tx1">
+              <a:lumMod val="75000"/>
+              <a:lumOff val="25000"/>
+            </a:schemeClr>
           </a:solidFill>
           <a:ln>
             <a:noFill/>
@@ -12832,230 +13298,16 @@
           <a:lstStyle/>
           <a:p>
             <a:pPr algn="ctr"/>
-            <a:endParaRPr lang="ko-KR" altLang="en-US" dirty="0"/>
-          </a:p>
-        </p:txBody>
-      </p:sp>
-      <p:sp>
-        <p:nvSpPr>
-          <p:cNvPr id="11" name="직사각형 10">
-            <a:extLst>
-              <a:ext uri="{FF2B5EF4-FFF2-40B4-BE49-F238E27FC236}">
-                <a16:creationId xmlns:a16="http://schemas.microsoft.com/office/drawing/2014/main" id="{3AA896CE-BC79-4E4A-B34A-6CC37AFEF50B}"/>
-              </a:ext>
-            </a:extLst>
-          </p:cNvPr>
-          <p:cNvSpPr/>
-          <p:nvPr/>
-        </p:nvSpPr>
-        <p:spPr>
-          <a:xfrm>
-            <a:off x="851478" y="2884632"/>
-            <a:ext cx="1786948" cy="508000"/>
-          </a:xfrm>
-          <a:prstGeom prst="rect">
-            <a:avLst/>
-          </a:prstGeom>
-          <a:solidFill>
-            <a:srgbClr val="FF6565"/>
-          </a:solidFill>
-          <a:ln>
-            <a:noFill/>
-          </a:ln>
-        </p:spPr>
-        <p:style>
-          <a:lnRef idx="2">
-            <a:schemeClr val="accent1">
-              <a:shade val="50000"/>
-            </a:schemeClr>
-          </a:lnRef>
-          <a:fillRef idx="1">
-            <a:schemeClr val="accent1"/>
-          </a:fillRef>
-          <a:effectRef idx="0">
-            <a:schemeClr val="accent1"/>
-          </a:effectRef>
-          <a:fontRef idx="minor">
-            <a:schemeClr val="lt1"/>
-          </a:fontRef>
-        </p:style>
-        <p:txBody>
-          <a:bodyPr rtlCol="0" anchor="ctr"/>
-          <a:lstStyle/>
-          <a:p>
-            <a:pPr algn="ctr"/>
-            <a:endParaRPr lang="ko-KR" altLang="en-US" dirty="0"/>
-          </a:p>
-        </p:txBody>
-      </p:sp>
-      <p:sp>
-        <p:nvSpPr>
-          <p:cNvPr id="4" name="직사각형 3">
-            <a:extLst>
-              <a:ext uri="{FF2B5EF4-FFF2-40B4-BE49-F238E27FC236}">
-                <a16:creationId xmlns:a16="http://schemas.microsoft.com/office/drawing/2014/main" id="{3C31C477-05DE-46AE-BA54-D4B2273307C3}"/>
-              </a:ext>
-            </a:extLst>
-          </p:cNvPr>
-          <p:cNvSpPr/>
-          <p:nvPr/>
-        </p:nvSpPr>
-        <p:spPr>
-          <a:xfrm>
-            <a:off x="4738256" y="2278694"/>
-            <a:ext cx="1126836" cy="508000"/>
-          </a:xfrm>
-          <a:prstGeom prst="rect">
-            <a:avLst/>
-          </a:prstGeom>
-          <a:solidFill>
-            <a:srgbClr val="FF6565"/>
-          </a:solidFill>
-          <a:ln>
-            <a:noFill/>
-          </a:ln>
-        </p:spPr>
-        <p:style>
-          <a:lnRef idx="2">
-            <a:schemeClr val="accent1">
-              <a:shade val="50000"/>
-            </a:schemeClr>
-          </a:lnRef>
-          <a:fillRef idx="1">
-            <a:schemeClr val="accent1"/>
-          </a:fillRef>
-          <a:effectRef idx="0">
-            <a:schemeClr val="accent1"/>
-          </a:effectRef>
-          <a:fontRef idx="minor">
-            <a:schemeClr val="lt1"/>
-          </a:fontRef>
-        </p:style>
-        <p:txBody>
-          <a:bodyPr rtlCol="0" anchor="ctr"/>
-          <a:lstStyle/>
-          <a:p>
-            <a:pPr algn="ctr"/>
-            <a:endParaRPr lang="ko-KR" altLang="en-US" dirty="0"/>
-          </a:p>
-        </p:txBody>
-      </p:sp>
-      <p:sp>
-        <p:nvSpPr>
-          <p:cNvPr id="2" name="직사각형 1">
-            <a:extLst>
-              <a:ext uri="{FF2B5EF4-FFF2-40B4-BE49-F238E27FC236}">
-                <a16:creationId xmlns:a16="http://schemas.microsoft.com/office/drawing/2014/main" id="{E2E517DA-570E-4B48-9D2F-BC7649411950}"/>
-              </a:ext>
-            </a:extLst>
-          </p:cNvPr>
-          <p:cNvSpPr/>
-          <p:nvPr/>
-        </p:nvSpPr>
-        <p:spPr>
-          <a:xfrm>
-            <a:off x="0" y="0"/>
-            <a:ext cx="12192000" cy="803563"/>
-          </a:xfrm>
-          <a:prstGeom prst="rect">
-            <a:avLst/>
-          </a:prstGeom>
-          <a:solidFill>
-            <a:schemeClr val="tx1">
-              <a:lumMod val="75000"/>
-              <a:lumOff val="25000"/>
-            </a:schemeClr>
-          </a:solidFill>
-          <a:ln>
-            <a:noFill/>
-          </a:ln>
-        </p:spPr>
-        <p:style>
-          <a:lnRef idx="2">
-            <a:schemeClr val="accent1">
-              <a:shade val="50000"/>
-            </a:schemeClr>
-          </a:lnRef>
-          <a:fillRef idx="1">
-            <a:schemeClr val="accent1"/>
-          </a:fillRef>
-          <a:effectRef idx="0">
-            <a:schemeClr val="accent1"/>
-          </a:effectRef>
-          <a:fontRef idx="minor">
-            <a:schemeClr val="lt1"/>
-          </a:fontRef>
-        </p:style>
-        <p:txBody>
-          <a:bodyPr rtlCol="0" anchor="ctr"/>
-          <a:lstStyle/>
-          <a:p>
-            <a:pPr algn="ctr"/>
             <a:endParaRPr lang="ko-KR" altLang="en-US"/>
           </a:p>
         </p:txBody>
       </p:sp>
       <p:sp>
         <p:nvSpPr>
-          <p:cNvPr id="3" name="직사각형 2">
-            <a:extLst>
-              <a:ext uri="{FF2B5EF4-FFF2-40B4-BE49-F238E27FC236}">
-                <a16:creationId xmlns:a16="http://schemas.microsoft.com/office/drawing/2014/main" id="{7579E35C-7F3B-45B1-B3EA-E7C07BA0A321}"/>
-              </a:ext>
-            </a:extLst>
-          </p:cNvPr>
-          <p:cNvSpPr/>
-          <p:nvPr/>
-        </p:nvSpPr>
-        <p:spPr>
-          <a:xfrm>
-            <a:off x="0" y="6603999"/>
-            <a:ext cx="12192000" cy="263235"/>
-          </a:xfrm>
-          <a:prstGeom prst="rect">
-            <a:avLst/>
-          </a:prstGeom>
-          <a:solidFill>
-            <a:schemeClr val="tx1">
-              <a:lumMod val="75000"/>
-              <a:lumOff val="25000"/>
-            </a:schemeClr>
-          </a:solidFill>
-          <a:ln>
-            <a:noFill/>
-          </a:ln>
-        </p:spPr>
-        <p:style>
-          <a:lnRef idx="2">
-            <a:schemeClr val="accent1">
-              <a:shade val="50000"/>
-            </a:schemeClr>
-          </a:lnRef>
-          <a:fillRef idx="1">
-            <a:schemeClr val="accent1"/>
-          </a:fillRef>
-          <a:effectRef idx="0">
-            <a:schemeClr val="accent1"/>
-          </a:effectRef>
-          <a:fontRef idx="minor">
-            <a:schemeClr val="lt1"/>
-          </a:fontRef>
-        </p:style>
-        <p:txBody>
-          <a:bodyPr rtlCol="0" anchor="ctr"/>
-          <a:lstStyle/>
-          <a:p>
-            <a:pPr algn="ctr"/>
-            <a:endParaRPr lang="ko-KR" altLang="en-US"/>
-          </a:p>
-        </p:txBody>
-      </p:sp>
-      <p:sp>
-        <p:nvSpPr>
-          <p:cNvPr id="6" name="TextBox 5">
-            <a:extLst>
-              <a:ext uri="{FF2B5EF4-FFF2-40B4-BE49-F238E27FC236}">
-                <a16:creationId xmlns:a16="http://schemas.microsoft.com/office/drawing/2014/main" id="{56D0FC75-DF56-451D-9390-EE377490B29E}"/>
+          <p:cNvPr id="4" name="TextBox 3">
+            <a:extLst>
+              <a:ext uri="{FF2B5EF4-FFF2-40B4-BE49-F238E27FC236}">
+                <a16:creationId xmlns:a16="http://schemas.microsoft.com/office/drawing/2014/main" id="{6A29DA3E-058D-456B-93DA-BC0CBC45A85C}"/>
               </a:ext>
             </a:extLst>
           </p:cNvPr>
@@ -13065,7 +13317,7 @@
         <p:spPr>
           <a:xfrm>
             <a:off x="184728" y="29503"/>
-            <a:ext cx="3623108" cy="769441"/>
+            <a:ext cx="6192721" cy="769441"/>
           </a:xfrm>
           <a:prstGeom prst="rect">
             <a:avLst/>
@@ -13086,7 +13338,7 @@
                 <a:latin typeface="Noto Sans KR Black" panose="020B0A00000000000000" pitchFamily="34" charset="-127"/>
                 <a:ea typeface="Noto Sans KR Black" panose="020B0A00000000000000" pitchFamily="34" charset="-127"/>
               </a:rPr>
-              <a:t>2-2. </a:t>
+              <a:t>2-1-3. </a:t>
             </a:r>
             <a:r>
               <a:rPr lang="ko-KR" altLang="en-US" sz="4400" dirty="0">
@@ -13096,32 +13348,123 @@
                 <a:latin typeface="Noto Sans KR Black" panose="020B0A00000000000000" pitchFamily="34" charset="-127"/>
                 <a:ea typeface="Noto Sans KR Black" panose="020B0A00000000000000" pitchFamily="34" charset="-127"/>
               </a:rPr>
-              <a:t>게임 특징</a:t>
-            </a:r>
-          </a:p>
-        </p:txBody>
-      </p:sp>
-      <p:sp>
-        <p:nvSpPr>
-          <p:cNvPr id="18" name="TextBox 17">
-            <a:extLst>
-              <a:ext uri="{FF2B5EF4-FFF2-40B4-BE49-F238E27FC236}">
-                <a16:creationId xmlns:a16="http://schemas.microsoft.com/office/drawing/2014/main" id="{556CB2D3-E011-4DE9-A775-EA6D333E8D60}"/>
-              </a:ext>
-            </a:extLst>
-          </p:cNvPr>
-          <p:cNvSpPr txBox="1"/>
+              <a:t>게임 소개</a:t>
+            </a:r>
+            <a:r>
+              <a:rPr lang="en-US" altLang="ko-KR" sz="4400" dirty="0">
+                <a:solidFill>
+                  <a:schemeClr val="bg1"/>
+                </a:solidFill>
+                <a:latin typeface="Noto Sans KR Black" panose="020B0A00000000000000" pitchFamily="34" charset="-127"/>
+                <a:ea typeface="Noto Sans KR Black" panose="020B0A00000000000000" pitchFamily="34" charset="-127"/>
+              </a:rPr>
+              <a:t>(</a:t>
+            </a:r>
+            <a:r>
+              <a:rPr lang="ko-KR" altLang="en-US" sz="4400" dirty="0">
+                <a:solidFill>
+                  <a:schemeClr val="bg1"/>
+                </a:solidFill>
+                <a:latin typeface="Noto Sans KR Black" panose="020B0A00000000000000" pitchFamily="34" charset="-127"/>
+                <a:ea typeface="Noto Sans KR Black" panose="020B0A00000000000000" pitchFamily="34" charset="-127"/>
+              </a:rPr>
+              <a:t>몬스터</a:t>
+            </a:r>
+            <a:r>
+              <a:rPr lang="en-US" altLang="ko-KR" sz="4400" dirty="0">
+                <a:solidFill>
+                  <a:schemeClr val="bg1"/>
+                </a:solidFill>
+                <a:latin typeface="Noto Sans KR Black" panose="020B0A00000000000000" pitchFamily="34" charset="-127"/>
+                <a:ea typeface="Noto Sans KR Black" panose="020B0A00000000000000" pitchFamily="34" charset="-127"/>
+              </a:rPr>
+              <a:t>)</a:t>
+            </a:r>
+            <a:endParaRPr lang="ko-KR" altLang="en-US" sz="4400" dirty="0">
+              <a:solidFill>
+                <a:schemeClr val="bg1"/>
+              </a:solidFill>
+              <a:latin typeface="Noto Sans KR Black" panose="020B0A00000000000000" pitchFamily="34" charset="-127"/>
+              <a:ea typeface="Noto Sans KR Black" panose="020B0A00000000000000" pitchFamily="34" charset="-127"/>
+            </a:endParaRPr>
+          </a:p>
+        </p:txBody>
+      </p:sp>
+      <p:pic>
+        <p:nvPicPr>
+          <p:cNvPr id="2050" name="Picture 2">
+            <a:extLst>
+              <a:ext uri="{FF2B5EF4-FFF2-40B4-BE49-F238E27FC236}">
+                <a16:creationId xmlns:a16="http://schemas.microsoft.com/office/drawing/2014/main" id="{CB609DA4-66E3-4D38-8129-21A9E09EE1AE}"/>
+              </a:ext>
+            </a:extLst>
+          </p:cNvPr>
+          <p:cNvPicPr>
+            <a:picLocks noChangeAspect="1" noChangeArrowheads="1"/>
+          </p:cNvPicPr>
           <p:nvPr/>
-        </p:nvSpPr>
-        <p:spPr>
+        </p:nvPicPr>
+        <p:blipFill>
+          <a:blip r:embed="rId2">
+            <a:extLst>
+              <a:ext uri="{28A0092B-C50C-407E-A947-70E740481C1C}">
+                <a14:useLocalDpi xmlns:a14="http://schemas.microsoft.com/office/drawing/2010/main" val="0"/>
+              </a:ext>
+            </a:extLst>
+          </a:blip>
+          <a:srcRect/>
+          <a:stretch>
+            <a:fillRect/>
+          </a:stretch>
+        </p:blipFill>
+        <p:spPr bwMode="auto">
           <a:xfrm>
-            <a:off x="184728" y="2133255"/>
-            <a:ext cx="11301492" cy="2554545"/>
+            <a:off x="2716068" y="1632725"/>
+            <a:ext cx="6759864" cy="3444768"/>
           </a:xfrm>
           <a:prstGeom prst="rect">
             <a:avLst/>
           </a:prstGeom>
           <a:noFill/>
+          <a:effectLst>
+            <a:outerShdw blurRad="50800" dist="38100" dir="2700000" algn="tl" rotWithShape="0">
+              <a:prstClr val="black">
+                <a:alpha val="40000"/>
+              </a:prstClr>
+            </a:outerShdw>
+          </a:effectLst>
+          <a:extLst>
+            <a:ext uri="{909E8E84-426E-40DD-AFC4-6F175D3DCCD1}">
+              <a14:hiddenFill xmlns:a14="http://schemas.microsoft.com/office/drawing/2010/main">
+                <a:solidFill>
+                  <a:srgbClr val="FFFFFF"/>
+                </a:solidFill>
+              </a14:hiddenFill>
+            </a:ext>
+          </a:extLst>
+        </p:spPr>
+      </p:pic>
+      <p:sp>
+        <p:nvSpPr>
+          <p:cNvPr id="7" name="TextBox 6">
+            <a:extLst>
+              <a:ext uri="{FF2B5EF4-FFF2-40B4-BE49-F238E27FC236}">
+                <a16:creationId xmlns:a16="http://schemas.microsoft.com/office/drawing/2014/main" id="{4CEC6ED6-D4E7-432D-AA50-F5365D7432B7}"/>
+              </a:ext>
+            </a:extLst>
+          </p:cNvPr>
+          <p:cNvSpPr txBox="1"/>
+          <p:nvPr/>
+        </p:nvSpPr>
+        <p:spPr>
+          <a:xfrm>
+            <a:off x="3344285" y="5171686"/>
+            <a:ext cx="5503430" cy="400110"/>
+          </a:xfrm>
+          <a:prstGeom prst="rect">
+            <a:avLst/>
+          </a:prstGeom>
+          <a:noFill/>
         </p:spPr>
         <p:txBody>
           <a:bodyPr wrap="none" rtlCol="0">
@@ -13130,304 +13473,75 @@
           <a:lstStyle/>
           <a:p>
             <a:r>
-              <a:rPr lang="en-US" altLang="ko-KR" sz="4000" dirty="0">
-                <a:solidFill>
-                  <a:schemeClr val="tx1">
-                    <a:lumMod val="85000"/>
-                    <a:lumOff val="15000"/>
-                  </a:schemeClr>
-                </a:solidFill>
-                <a:latin typeface="Noto Sans KR Black" panose="020B0A00000000000000" pitchFamily="34" charset="-127"/>
-                <a:ea typeface="Noto Sans KR Black" panose="020B0A00000000000000" pitchFamily="34" charset="-127"/>
-              </a:rPr>
-              <a:t>1. </a:t>
-            </a:r>
-            <a:r>
-              <a:rPr lang="ko-KR" altLang="en-US" sz="3200" dirty="0">
-                <a:solidFill>
-                  <a:schemeClr val="tx1">
-                    <a:lumMod val="85000"/>
-                    <a:lumOff val="15000"/>
-                  </a:schemeClr>
-                </a:solidFill>
+              <a:rPr lang="ko-KR" altLang="en-US" sz="2000" dirty="0">
                 <a:latin typeface="나눔바른고딕OTF Light" panose="02000303000000000000" pitchFamily="50" charset="-127"/>
                 <a:ea typeface="나눔바른고딕OTF Light" panose="02000303000000000000" pitchFamily="50" charset="-127"/>
               </a:rPr>
-              <a:t>외계 행성에서 몰려오는 </a:t>
-            </a:r>
-            <a:r>
-              <a:rPr lang="ko-KR" altLang="en-US" sz="3200" dirty="0">
-                <a:solidFill>
-                  <a:schemeClr val="bg1"/>
-                </a:solidFill>
+              <a:t>캐릭터 </a:t>
+            </a:r>
+            <a:r>
+              <a:rPr lang="en-US" altLang="ko-KR" sz="2000" dirty="0">
                 <a:latin typeface="나눔바른고딕OTF Light" panose="02000303000000000000" pitchFamily="50" charset="-127"/>
                 <a:ea typeface="나눔바른고딕OTF Light" panose="02000303000000000000" pitchFamily="50" charset="-127"/>
               </a:rPr>
-              <a:t>몬스터</a:t>
-            </a:r>
-            <a:r>
-              <a:rPr lang="ko-KR" altLang="en-US" sz="3200" dirty="0">
+              <a:t>/ 1</a:t>
+            </a:r>
+            <a:r>
+              <a:rPr lang="ko-KR" altLang="en-US" sz="2000" dirty="0">
                 <a:latin typeface="나눔바른고딕OTF Light" panose="02000303000000000000" pitchFamily="50" charset="-127"/>
                 <a:ea typeface="나눔바른고딕OTF Light" panose="02000303000000000000" pitchFamily="50" charset="-127"/>
               </a:rPr>
-              <a:t>를 처치</a:t>
-            </a:r>
-            <a:r>
-              <a:rPr lang="ko-KR" altLang="en-US" sz="3200" dirty="0">
-                <a:solidFill>
-                  <a:schemeClr val="tx1">
-                    <a:lumMod val="85000"/>
-                    <a:lumOff val="15000"/>
-                  </a:schemeClr>
-                </a:solidFill>
+              <a:t>라운드 </a:t>
+            </a:r>
+            <a:r>
+              <a:rPr lang="en-US" altLang="ko-KR" sz="2000" dirty="0">
                 <a:latin typeface="나눔바른고딕OTF Light" panose="02000303000000000000" pitchFamily="50" charset="-127"/>
                 <a:ea typeface="나눔바른고딕OTF Light" panose="02000303000000000000" pitchFamily="50" charset="-127"/>
               </a:rPr>
-              <a:t>하는 멀티플레이 슈팅 게임</a:t>
-            </a:r>
-            <a:endParaRPr lang="en-US" altLang="ko-KR" sz="3200" dirty="0">
-              <a:solidFill>
-                <a:schemeClr val="tx1">
-                  <a:lumMod val="85000"/>
-                  <a:lumOff val="15000"/>
-                </a:schemeClr>
-              </a:solidFill>
-              <a:latin typeface="나눔바른고딕OTF Light" panose="02000303000000000000" pitchFamily="50" charset="-127"/>
-              <a:ea typeface="나눔바른고딕OTF Light" panose="02000303000000000000" pitchFamily="50" charset="-127"/>
-            </a:endParaRPr>
-          </a:p>
-          <a:p>
-            <a:r>
-              <a:rPr lang="en-US" altLang="ko-KR" sz="4000" dirty="0">
-                <a:solidFill>
-                  <a:schemeClr val="tx1">
-                    <a:lumMod val="85000"/>
-                    <a:lumOff val="15000"/>
-                  </a:schemeClr>
-                </a:solidFill>
-                <a:latin typeface="Noto Sans KR Black" panose="020B0A00000000000000" pitchFamily="34" charset="-127"/>
-                <a:ea typeface="Noto Sans KR Black" panose="020B0A00000000000000" pitchFamily="34" charset="-127"/>
-              </a:rPr>
-              <a:t>2.</a:t>
-            </a:r>
-            <a:r>
-              <a:rPr lang="en-US" altLang="ko-KR" sz="3200" dirty="0">
-                <a:solidFill>
-                  <a:schemeClr val="tx1">
-                    <a:lumMod val="85000"/>
-                    <a:lumOff val="15000"/>
-                  </a:schemeClr>
-                </a:solidFill>
-                <a:latin typeface="Noto Sans KR Black" panose="020B0A00000000000000" pitchFamily="34" charset="-127"/>
-                <a:ea typeface="Noto Sans KR Black" panose="020B0A00000000000000" pitchFamily="34" charset="-127"/>
-              </a:rPr>
-              <a:t> </a:t>
-            </a:r>
-            <a:r>
-              <a:rPr lang="en-US" altLang="ko-KR" sz="3200" dirty="0">
-                <a:solidFill>
-                  <a:schemeClr val="bg1"/>
-                </a:solidFill>
+              <a:t>/ 2</a:t>
+            </a:r>
+            <a:r>
+              <a:rPr lang="ko-KR" altLang="en-US" sz="2000" dirty="0">
                 <a:latin typeface="나눔바른고딕OTF Light" panose="02000303000000000000" pitchFamily="50" charset="-127"/>
                 <a:ea typeface="나눔바른고딕OTF Light" panose="02000303000000000000" pitchFamily="50" charset="-127"/>
               </a:rPr>
-              <a:t>3</a:t>
-            </a:r>
-            <a:r>
-              <a:rPr lang="ko-KR" altLang="en-US" sz="3200" dirty="0">
-                <a:solidFill>
-                  <a:schemeClr val="bg1"/>
-                </a:solidFill>
+              <a:t>라운드 </a:t>
+            </a:r>
+            <a:r>
+              <a:rPr lang="en-US" altLang="ko-KR" sz="2000" dirty="0">
                 <a:latin typeface="나눔바른고딕OTF Light" panose="02000303000000000000" pitchFamily="50" charset="-127"/>
                 <a:ea typeface="나눔바른고딕OTF Light" panose="02000303000000000000" pitchFamily="50" charset="-127"/>
               </a:rPr>
-              <a:t>가지 무기</a:t>
-            </a:r>
-            <a:r>
-              <a:rPr lang="ko-KR" altLang="en-US" sz="3200" dirty="0">
-                <a:solidFill>
-                  <a:schemeClr val="tx1">
-                    <a:lumMod val="85000"/>
-                    <a:lumOff val="15000"/>
-                  </a:schemeClr>
-                </a:solidFill>
+              <a:t>/ 3</a:t>
+            </a:r>
+            <a:r>
+              <a:rPr lang="ko-KR" altLang="en-US" sz="2000" dirty="0">
                 <a:latin typeface="나눔바른고딕OTF Light" panose="02000303000000000000" pitchFamily="50" charset="-127"/>
                 <a:ea typeface="나눔바른고딕OTF Light" panose="02000303000000000000" pitchFamily="50" charset="-127"/>
               </a:rPr>
-              <a:t> 중 하나를 선택해서 플레이 가능</a:t>
-            </a:r>
-            <a:endParaRPr lang="en-US" altLang="ko-KR" sz="3200" dirty="0">
-              <a:solidFill>
-                <a:schemeClr val="tx1">
-                  <a:lumMod val="85000"/>
-                  <a:lumOff val="15000"/>
-                </a:schemeClr>
-              </a:solidFill>
-              <a:latin typeface="나눔바른고딕OTF Light" panose="02000303000000000000" pitchFamily="50" charset="-127"/>
-              <a:ea typeface="나눔바른고딕OTF Light" panose="02000303000000000000" pitchFamily="50" charset="-127"/>
-            </a:endParaRPr>
-          </a:p>
-          <a:p>
-            <a:r>
-              <a:rPr lang="en-US" altLang="ko-KR" sz="4000" dirty="0">
-                <a:solidFill>
-                  <a:schemeClr val="tx1">
-                    <a:lumMod val="85000"/>
-                    <a:lumOff val="15000"/>
-                  </a:schemeClr>
-                </a:solidFill>
-                <a:latin typeface="Noto Sans KR Black" panose="020B0A00000000000000" pitchFamily="34" charset="-127"/>
-                <a:ea typeface="Noto Sans KR Black" panose="020B0A00000000000000" pitchFamily="34" charset="-127"/>
-              </a:rPr>
-              <a:t>3.</a:t>
-            </a:r>
-            <a:r>
-              <a:rPr lang="en-US" altLang="ko-KR" sz="3200" dirty="0">
-                <a:solidFill>
-                  <a:schemeClr val="tx1">
-                    <a:lumMod val="85000"/>
-                    <a:lumOff val="15000"/>
-                  </a:schemeClr>
-                </a:solidFill>
+              <a:t>라운드 </a:t>
+            </a:r>
+            <a:r>
+              <a:rPr lang="en-US" altLang="ko-KR" sz="2000" dirty="0">
                 <a:latin typeface="나눔바른고딕OTF Light" panose="02000303000000000000" pitchFamily="50" charset="-127"/>
                 <a:ea typeface="나눔바른고딕OTF Light" panose="02000303000000000000" pitchFamily="50" charset="-127"/>
               </a:rPr>
-              <a:t> </a:t>
-            </a:r>
-            <a:r>
-              <a:rPr lang="ko-KR" altLang="en-US" sz="3200" dirty="0">
-                <a:solidFill>
-                  <a:schemeClr val="tx1">
-                    <a:lumMod val="85000"/>
-                    <a:lumOff val="15000"/>
-                  </a:schemeClr>
-                </a:solidFill>
+              <a:t>/ </a:t>
+            </a:r>
+            <a:r>
+              <a:rPr lang="ko-KR" altLang="en-US" sz="2000" dirty="0">
                 <a:latin typeface="나눔바른고딕OTF Light" panose="02000303000000000000" pitchFamily="50" charset="-127"/>
                 <a:ea typeface="나눔바른고딕OTF Light" panose="02000303000000000000" pitchFamily="50" charset="-127"/>
               </a:rPr>
-              <a:t>게임은 </a:t>
-            </a:r>
-            <a:r>
-              <a:rPr lang="ko-KR" altLang="en-US" sz="3200" dirty="0">
-                <a:solidFill>
-                  <a:schemeClr val="bg1"/>
-                </a:solidFill>
-                <a:latin typeface="나눔바른고딕OTF Light" panose="02000303000000000000" pitchFamily="50" charset="-127"/>
-                <a:ea typeface="나눔바른고딕OTF Light" panose="02000303000000000000" pitchFamily="50" charset="-127"/>
-              </a:rPr>
-              <a:t>라운드 형식</a:t>
-            </a:r>
-            <a:r>
-              <a:rPr lang="ko-KR" altLang="en-US" sz="3200" dirty="0">
-                <a:solidFill>
-                  <a:schemeClr val="tx1">
-                    <a:lumMod val="85000"/>
-                    <a:lumOff val="15000"/>
-                  </a:schemeClr>
-                </a:solidFill>
-                <a:latin typeface="나눔바른고딕OTF Light" panose="02000303000000000000" pitchFamily="50" charset="-127"/>
-                <a:ea typeface="나눔바른고딕OTF Light" panose="02000303000000000000" pitchFamily="50" charset="-127"/>
-              </a:rPr>
-              <a:t>으로 진행되며 각 라운드 종료 후 보상 획득</a:t>
-            </a:r>
-            <a:endParaRPr lang="en-US" altLang="ko-KR" sz="3200" dirty="0">
-              <a:solidFill>
-                <a:schemeClr val="tx1">
-                  <a:lumMod val="85000"/>
-                  <a:lumOff val="15000"/>
-                </a:schemeClr>
-              </a:solidFill>
-              <a:latin typeface="나눔바른고딕OTF Light" panose="02000303000000000000" pitchFamily="50" charset="-127"/>
-              <a:ea typeface="나눔바른고딕OTF Light" panose="02000303000000000000" pitchFamily="50" charset="-127"/>
-            </a:endParaRPr>
-          </a:p>
-          <a:p>
-            <a:r>
-              <a:rPr lang="en-US" altLang="ko-KR" sz="4000" dirty="0">
-                <a:solidFill>
-                  <a:schemeClr val="tx1">
-                    <a:lumMod val="85000"/>
-                    <a:lumOff val="15000"/>
-                  </a:schemeClr>
-                </a:solidFill>
-                <a:latin typeface="Noto Sans KR Black" panose="020B0A00000000000000" pitchFamily="34" charset="-127"/>
-                <a:ea typeface="Noto Sans KR Black" panose="020B0A00000000000000" pitchFamily="34" charset="-127"/>
-              </a:rPr>
-              <a:t>4.</a:t>
-            </a:r>
-            <a:r>
-              <a:rPr lang="en-US" altLang="ko-KR" sz="3200" dirty="0">
-                <a:solidFill>
-                  <a:schemeClr val="tx1">
-                    <a:lumMod val="85000"/>
-                    <a:lumOff val="15000"/>
-                  </a:schemeClr>
-                </a:solidFill>
-                <a:latin typeface="나눔바른고딕OTF Light" panose="02000303000000000000" pitchFamily="50" charset="-127"/>
-                <a:ea typeface="나눔바른고딕OTF Light" panose="02000303000000000000" pitchFamily="50" charset="-127"/>
-              </a:rPr>
-              <a:t> </a:t>
-            </a:r>
-            <a:r>
-              <a:rPr lang="ko-KR" altLang="en-US" sz="3200" dirty="0">
-                <a:solidFill>
-                  <a:schemeClr val="tx1">
-                    <a:lumMod val="85000"/>
-                    <a:lumOff val="15000"/>
-                  </a:schemeClr>
-                </a:solidFill>
-                <a:latin typeface="나눔바른고딕OTF Light" panose="02000303000000000000" pitchFamily="50" charset="-127"/>
-                <a:ea typeface="나눔바른고딕OTF Light" panose="02000303000000000000" pitchFamily="50" charset="-127"/>
-              </a:rPr>
-              <a:t>마지막 라운드의 </a:t>
-            </a:r>
-            <a:r>
-              <a:rPr lang="ko-KR" altLang="en-US" sz="3200" dirty="0">
-                <a:solidFill>
-                  <a:schemeClr val="bg1"/>
-                </a:solidFill>
-                <a:latin typeface="나눔바른고딕OTF Light" panose="02000303000000000000" pitchFamily="50" charset="-127"/>
-                <a:ea typeface="나눔바른고딕OTF Light" panose="02000303000000000000" pitchFamily="50" charset="-127"/>
-              </a:rPr>
-              <a:t>보스</a:t>
-            </a:r>
-            <a:r>
-              <a:rPr lang="ko-KR" altLang="en-US" sz="3200" dirty="0">
-                <a:latin typeface="나눔바른고딕OTF Light" panose="02000303000000000000" pitchFamily="50" charset="-127"/>
-                <a:ea typeface="나눔바른고딕OTF Light" panose="02000303000000000000" pitchFamily="50" charset="-127"/>
-              </a:rPr>
-              <a:t>를 처치</a:t>
-            </a:r>
-            <a:r>
-              <a:rPr lang="ko-KR" altLang="en-US" sz="3200" dirty="0">
-                <a:solidFill>
-                  <a:schemeClr val="tx1">
-                    <a:lumMod val="85000"/>
-                    <a:lumOff val="15000"/>
-                  </a:schemeClr>
-                </a:solidFill>
-                <a:latin typeface="나눔바른고딕OTF Light" panose="02000303000000000000" pitchFamily="50" charset="-127"/>
-                <a:ea typeface="나눔바른고딕OTF Light" panose="02000303000000000000" pitchFamily="50" charset="-127"/>
-              </a:rPr>
-              <a:t>하는 것이 최종 목표</a:t>
-            </a:r>
-            <a:endParaRPr lang="en-US" altLang="ko-KR" sz="3200" dirty="0">
-              <a:solidFill>
-                <a:schemeClr val="tx1">
-                  <a:lumMod val="85000"/>
-                  <a:lumOff val="15000"/>
-                </a:schemeClr>
-              </a:solidFill>
-              <a:latin typeface="나눔바른고딕OTF Light" panose="02000303000000000000" pitchFamily="50" charset="-127"/>
-              <a:ea typeface="나눔바른고딕OTF Light" panose="02000303000000000000" pitchFamily="50" charset="-127"/>
-            </a:endParaRPr>
+              <a:t>보스 몬스터</a:t>
+            </a:r>
           </a:p>
         </p:txBody>
       </p:sp>
     </p:spTree>
     <p:extLst>
       <p:ext uri="{BB962C8B-B14F-4D97-AF65-F5344CB8AC3E}">
-        <p14:creationId xmlns:p14="http://schemas.microsoft.com/office/powerpoint/2010/main" val="2633716888"/>
+        <p14:creationId xmlns:p14="http://schemas.microsoft.com/office/powerpoint/2010/main" val="1632241827"/>
       </p:ext>
     </p:extLst>
   </p:cSld>
@@ -13456,10 +13570,10 @@
       </p:grpSpPr>
       <p:sp>
         <p:nvSpPr>
-          <p:cNvPr id="2" name="직사각형 1">
-            <a:extLst>
-              <a:ext uri="{FF2B5EF4-FFF2-40B4-BE49-F238E27FC236}">
-                <a16:creationId xmlns:a16="http://schemas.microsoft.com/office/drawing/2014/main" id="{E3CE0B4C-8E3C-4B29-BD78-6B62D4E5643A}"/>
+          <p:cNvPr id="13" name="직사각형 12">
+            <a:extLst>
+              <a:ext uri="{FF2B5EF4-FFF2-40B4-BE49-F238E27FC236}">
+                <a16:creationId xmlns:a16="http://schemas.microsoft.com/office/drawing/2014/main" id="{06E96233-581D-4441-82AF-50E6BD35E2FE}"/>
               </a:ext>
             </a:extLst>
           </p:cNvPr>
@@ -13468,17 +13582,14 @@
         </p:nvSpPr>
         <p:spPr>
           <a:xfrm>
-            <a:off x="0" y="0"/>
-            <a:ext cx="12192000" cy="803563"/>
+            <a:off x="3548860" y="4102705"/>
+            <a:ext cx="746050" cy="508000"/>
           </a:xfrm>
           <a:prstGeom prst="rect">
             <a:avLst/>
           </a:prstGeom>
           <a:solidFill>
-            <a:schemeClr val="tx1">
-              <a:lumMod val="75000"/>
-              <a:lumOff val="25000"/>
-            </a:schemeClr>
+            <a:srgbClr val="FF6565"/>
           </a:solidFill>
           <a:ln>
             <a:noFill/>
@@ -13505,16 +13616,16 @@
           <a:lstStyle/>
           <a:p>
             <a:pPr algn="ctr"/>
-            <a:endParaRPr lang="ko-KR" altLang="en-US"/>
-          </a:p>
-        </p:txBody>
-      </p:sp>
-      <p:sp>
-        <p:nvSpPr>
-          <p:cNvPr id="3" name="직사각형 2">
-            <a:extLst>
-              <a:ext uri="{FF2B5EF4-FFF2-40B4-BE49-F238E27FC236}">
-                <a16:creationId xmlns:a16="http://schemas.microsoft.com/office/drawing/2014/main" id="{113A0854-FD43-46BF-8FA8-B977F7CF286D}"/>
+            <a:endParaRPr lang="ko-KR" altLang="en-US" dirty="0"/>
+          </a:p>
+        </p:txBody>
+      </p:sp>
+      <p:sp>
+        <p:nvSpPr>
+          <p:cNvPr id="12" name="직사각형 11">
+            <a:extLst>
+              <a:ext uri="{FF2B5EF4-FFF2-40B4-BE49-F238E27FC236}">
+                <a16:creationId xmlns:a16="http://schemas.microsoft.com/office/drawing/2014/main" id="{11B65238-3A05-44AD-B01E-F8DB8D5CE867}"/>
               </a:ext>
             </a:extLst>
           </p:cNvPr>
@@ -13523,17 +13634,14 @@
         </p:nvSpPr>
         <p:spPr>
           <a:xfrm>
-            <a:off x="0" y="6603999"/>
-            <a:ext cx="12192000" cy="263235"/>
+            <a:off x="2005808" y="3499139"/>
+            <a:ext cx="1937542" cy="508000"/>
           </a:xfrm>
           <a:prstGeom prst="rect">
             <a:avLst/>
           </a:prstGeom>
           <a:solidFill>
-            <a:schemeClr val="tx1">
-              <a:lumMod val="75000"/>
-              <a:lumOff val="25000"/>
-            </a:schemeClr>
+            <a:srgbClr val="FF6565"/>
           </a:solidFill>
           <a:ln>
             <a:noFill/>
@@ -13560,96 +13668,36 @@
           <a:lstStyle/>
           <a:p>
             <a:pPr algn="ctr"/>
-            <a:endParaRPr lang="ko-KR" altLang="en-US"/>
-          </a:p>
-        </p:txBody>
-      </p:sp>
-      <p:sp>
-        <p:nvSpPr>
-          <p:cNvPr id="4" name="TextBox 3">
-            <a:extLst>
-              <a:ext uri="{FF2B5EF4-FFF2-40B4-BE49-F238E27FC236}">
-                <a16:creationId xmlns:a16="http://schemas.microsoft.com/office/drawing/2014/main" id="{DBD330DA-F84A-4808-AD25-CC42770A48B5}"/>
-              </a:ext>
-            </a:extLst>
-          </p:cNvPr>
-          <p:cNvSpPr txBox="1"/>
+            <a:endParaRPr lang="ko-KR" altLang="en-US" dirty="0"/>
+          </a:p>
+        </p:txBody>
+      </p:sp>
+      <p:sp>
+        <p:nvSpPr>
+          <p:cNvPr id="11" name="직사각형 10">
+            <a:extLst>
+              <a:ext uri="{FF2B5EF4-FFF2-40B4-BE49-F238E27FC236}">
+                <a16:creationId xmlns:a16="http://schemas.microsoft.com/office/drawing/2014/main" id="{3AA896CE-BC79-4E4A-B34A-6CC37AFEF50B}"/>
+              </a:ext>
+            </a:extLst>
+          </p:cNvPr>
+          <p:cNvSpPr/>
           <p:nvPr/>
         </p:nvSpPr>
         <p:spPr>
           <a:xfrm>
-            <a:off x="184728" y="29503"/>
-            <a:ext cx="3623108" cy="769441"/>
-          </a:xfrm>
-          <a:prstGeom prst="rect">
-            <a:avLst/>
-          </a:prstGeom>
-          <a:noFill/>
-        </p:spPr>
-        <p:txBody>
-          <a:bodyPr wrap="none" rtlCol="0">
-            <a:spAutoFit/>
-          </a:bodyPr>
-          <a:lstStyle/>
-          <a:p>
-            <a:r>
-              <a:rPr lang="en-US" altLang="ko-KR" sz="4400" dirty="0">
-                <a:solidFill>
-                  <a:schemeClr val="bg1"/>
-                </a:solidFill>
-                <a:latin typeface="Noto Sans KR Black" panose="020B0A00000000000000" pitchFamily="34" charset="-127"/>
-                <a:ea typeface="Noto Sans KR Black" panose="020B0A00000000000000" pitchFamily="34" charset="-127"/>
-              </a:rPr>
-              <a:t>2-3. </a:t>
-            </a:r>
-            <a:r>
-              <a:rPr lang="ko-KR" altLang="en-US" sz="4400" dirty="0">
-                <a:solidFill>
-                  <a:schemeClr val="bg1"/>
-                </a:solidFill>
-                <a:latin typeface="Noto Sans KR Black" panose="020B0A00000000000000" pitchFamily="34" charset="-127"/>
-                <a:ea typeface="Noto Sans KR Black" panose="020B0A00000000000000" pitchFamily="34" charset="-127"/>
-              </a:rPr>
-              <a:t>게임 방법</a:t>
-            </a:r>
-          </a:p>
-        </p:txBody>
-      </p:sp>
-      <p:sp>
-        <p:nvSpPr>
-          <p:cNvPr id="5" name="직사각형 4">
-            <a:extLst>
-              <a:ext uri="{FF2B5EF4-FFF2-40B4-BE49-F238E27FC236}">
-                <a16:creationId xmlns:a16="http://schemas.microsoft.com/office/drawing/2014/main" id="{80C11B8D-009C-4FC5-A3A6-775AA3F7824E}"/>
-              </a:ext>
-            </a:extLst>
-          </p:cNvPr>
-          <p:cNvSpPr/>
-          <p:nvPr/>
-        </p:nvSpPr>
-        <p:spPr>
-          <a:xfrm>
-            <a:off x="655781" y="3084945"/>
-            <a:ext cx="2207491" cy="1237673"/>
+            <a:off x="851478" y="2884632"/>
+            <a:ext cx="1786948" cy="508000"/>
           </a:xfrm>
           <a:prstGeom prst="rect">
             <a:avLst/>
           </a:prstGeom>
           <a:solidFill>
-            <a:schemeClr val="bg1">
-              <a:lumMod val="85000"/>
-            </a:schemeClr>
+            <a:srgbClr val="FF6565"/>
           </a:solidFill>
           <a:ln>
             <a:noFill/>
           </a:ln>
-          <a:effectLst>
-            <a:outerShdw blurRad="50800" dist="38100" dir="2700000" algn="tl" rotWithShape="0">
-              <a:prstClr val="black">
-                <a:alpha val="40000"/>
-              </a:prstClr>
-            </a:outerShdw>
-          </a:effectLst>
         </p:spPr>
         <p:style>
           <a:lnRef idx="2">
@@ -13672,48 +13720,16 @@
           <a:lstStyle/>
           <a:p>
             <a:pPr algn="ctr"/>
-            <a:r>
-              <a:rPr lang="ko-KR" altLang="en-US" dirty="0">
-                <a:solidFill>
-                  <a:schemeClr val="tx1">
-                    <a:lumMod val="85000"/>
-                    <a:lumOff val="15000"/>
-                  </a:schemeClr>
-                </a:solidFill>
-              </a:rPr>
-              <a:t>라운드 시작</a:t>
-            </a:r>
-            <a:endParaRPr lang="en-US" altLang="ko-KR" dirty="0">
-              <a:solidFill>
-                <a:schemeClr val="tx1">
-                  <a:lumMod val="85000"/>
-                  <a:lumOff val="15000"/>
-                </a:schemeClr>
-              </a:solidFill>
-            </a:endParaRPr>
-          </a:p>
-          <a:p>
-            <a:pPr algn="ctr"/>
-            <a:r>
-              <a:rPr lang="ko-KR" altLang="en-US" dirty="0">
-                <a:solidFill>
-                  <a:schemeClr val="tx1">
-                    <a:lumMod val="85000"/>
-                    <a:lumOff val="15000"/>
-                  </a:schemeClr>
-                </a:solidFill>
-              </a:rPr>
-              <a:t>몬스터가 몰려옴</a:t>
-            </a:r>
-          </a:p>
-        </p:txBody>
-      </p:sp>
-      <p:sp>
-        <p:nvSpPr>
-          <p:cNvPr id="6" name="직사각형 5">
-            <a:extLst>
-              <a:ext uri="{FF2B5EF4-FFF2-40B4-BE49-F238E27FC236}">
-                <a16:creationId xmlns:a16="http://schemas.microsoft.com/office/drawing/2014/main" id="{F3F6BC28-2E6D-4592-8B9E-420082224B07}"/>
+            <a:endParaRPr lang="ko-KR" altLang="en-US" dirty="0"/>
+          </a:p>
+        </p:txBody>
+      </p:sp>
+      <p:sp>
+        <p:nvSpPr>
+          <p:cNvPr id="4" name="직사각형 3">
+            <a:extLst>
+              <a:ext uri="{FF2B5EF4-FFF2-40B4-BE49-F238E27FC236}">
+                <a16:creationId xmlns:a16="http://schemas.microsoft.com/office/drawing/2014/main" id="{3C31C477-05DE-46AE-BA54-D4B2273307C3}"/>
               </a:ext>
             </a:extLst>
           </p:cNvPr>
@@ -13722,27 +13738,18 @@
         </p:nvSpPr>
         <p:spPr>
           <a:xfrm>
-            <a:off x="3560618" y="3084944"/>
-            <a:ext cx="2207491" cy="1237673"/>
+            <a:off x="4738256" y="2278694"/>
+            <a:ext cx="1126836" cy="508000"/>
           </a:xfrm>
           <a:prstGeom prst="rect">
             <a:avLst/>
           </a:prstGeom>
           <a:solidFill>
-            <a:schemeClr val="bg1">
-              <a:lumMod val="85000"/>
-            </a:schemeClr>
+            <a:srgbClr val="FF6565"/>
           </a:solidFill>
           <a:ln>
             <a:noFill/>
           </a:ln>
-          <a:effectLst>
-            <a:outerShdw blurRad="50800" dist="38100" dir="2700000" algn="tl" rotWithShape="0">
-              <a:prstClr val="black">
-                <a:alpha val="40000"/>
-              </a:prstClr>
-            </a:outerShdw>
-          </a:effectLst>
         </p:spPr>
         <p:style>
           <a:lnRef idx="2">
@@ -13765,48 +13772,16 @@
           <a:lstStyle/>
           <a:p>
             <a:pPr algn="ctr"/>
-            <a:r>
-              <a:rPr lang="ko-KR" altLang="en-US" dirty="0">
-                <a:solidFill>
-                  <a:schemeClr val="tx1">
-                    <a:lumMod val="85000"/>
-                    <a:lumOff val="15000"/>
-                  </a:schemeClr>
-                </a:solidFill>
-              </a:rPr>
-              <a:t>협동으로</a:t>
-            </a:r>
-            <a:endParaRPr lang="en-US" altLang="ko-KR" dirty="0">
-              <a:solidFill>
-                <a:schemeClr val="tx1">
-                  <a:lumMod val="85000"/>
-                  <a:lumOff val="15000"/>
-                </a:schemeClr>
-              </a:solidFill>
-            </a:endParaRPr>
-          </a:p>
-          <a:p>
-            <a:pPr algn="ctr"/>
-            <a:r>
-              <a:rPr lang="ko-KR" altLang="en-US" dirty="0">
-                <a:solidFill>
-                  <a:schemeClr val="tx1">
-                    <a:lumMod val="85000"/>
-                    <a:lumOff val="15000"/>
-                  </a:schemeClr>
-                </a:solidFill>
-              </a:rPr>
-              <a:t>모든 몬스터 처치</a:t>
-            </a:r>
-          </a:p>
-        </p:txBody>
-      </p:sp>
-      <p:sp>
-        <p:nvSpPr>
-          <p:cNvPr id="7" name="직사각형 6">
-            <a:extLst>
-              <a:ext uri="{FF2B5EF4-FFF2-40B4-BE49-F238E27FC236}">
-                <a16:creationId xmlns:a16="http://schemas.microsoft.com/office/drawing/2014/main" id="{E1F3FB62-4F57-45FE-AF34-0694B25D3793}"/>
+            <a:endParaRPr lang="ko-KR" altLang="en-US" dirty="0"/>
+          </a:p>
+        </p:txBody>
+      </p:sp>
+      <p:sp>
+        <p:nvSpPr>
+          <p:cNvPr id="2" name="직사각형 1">
+            <a:extLst>
+              <a:ext uri="{FF2B5EF4-FFF2-40B4-BE49-F238E27FC236}">
+                <a16:creationId xmlns:a16="http://schemas.microsoft.com/office/drawing/2014/main" id="{E2E517DA-570E-4B48-9D2F-BC7649411950}"/>
               </a:ext>
             </a:extLst>
           </p:cNvPr>
@@ -13815,27 +13790,21 @@
         </p:nvSpPr>
         <p:spPr>
           <a:xfrm>
-            <a:off x="6465455" y="3084943"/>
-            <a:ext cx="2207491" cy="1237673"/>
+            <a:off x="0" y="0"/>
+            <a:ext cx="12192000" cy="803563"/>
           </a:xfrm>
           <a:prstGeom prst="rect">
             <a:avLst/>
           </a:prstGeom>
           <a:solidFill>
-            <a:schemeClr val="bg1">
-              <a:lumMod val="85000"/>
+            <a:schemeClr val="tx1">
+              <a:lumMod val="75000"/>
+              <a:lumOff val="25000"/>
             </a:schemeClr>
           </a:solidFill>
           <a:ln>
             <a:noFill/>
           </a:ln>
-          <a:effectLst>
-            <a:outerShdw blurRad="50800" dist="38100" dir="2700000" algn="tl" rotWithShape="0">
-              <a:prstClr val="black">
-                <a:alpha val="40000"/>
-              </a:prstClr>
-            </a:outerShdw>
-          </a:effectLst>
         </p:spPr>
         <p:style>
           <a:lnRef idx="2">
@@ -13858,48 +13827,16 @@
           <a:lstStyle/>
           <a:p>
             <a:pPr algn="ctr"/>
-            <a:r>
-              <a:rPr lang="ko-KR" altLang="en-US" dirty="0">
-                <a:solidFill>
-                  <a:schemeClr val="tx1">
-                    <a:lumMod val="85000"/>
-                    <a:lumOff val="15000"/>
-                  </a:schemeClr>
-                </a:solidFill>
-              </a:rPr>
-              <a:t>라운드 클리어</a:t>
-            </a:r>
-            <a:endParaRPr lang="en-US" altLang="ko-KR" dirty="0">
-              <a:solidFill>
-                <a:schemeClr val="tx1">
-                  <a:lumMod val="85000"/>
-                  <a:lumOff val="15000"/>
-                </a:schemeClr>
-              </a:solidFill>
-            </a:endParaRPr>
-          </a:p>
-          <a:p>
-            <a:pPr algn="ctr"/>
-            <a:r>
-              <a:rPr lang="ko-KR" altLang="en-US" dirty="0">
-                <a:solidFill>
-                  <a:schemeClr val="tx1">
-                    <a:lumMod val="85000"/>
-                    <a:lumOff val="15000"/>
-                  </a:schemeClr>
-                </a:solidFill>
-              </a:rPr>
-              <a:t>보상 획득</a:t>
-            </a:r>
-          </a:p>
-        </p:txBody>
-      </p:sp>
-      <p:sp>
-        <p:nvSpPr>
-          <p:cNvPr id="8" name="직사각형 7">
-            <a:extLst>
-              <a:ext uri="{FF2B5EF4-FFF2-40B4-BE49-F238E27FC236}">
-                <a16:creationId xmlns:a16="http://schemas.microsoft.com/office/drawing/2014/main" id="{166F331C-5B1B-45F9-AB32-AE004D4E9809}"/>
+            <a:endParaRPr lang="ko-KR" altLang="en-US"/>
+          </a:p>
+        </p:txBody>
+      </p:sp>
+      <p:sp>
+        <p:nvSpPr>
+          <p:cNvPr id="3" name="직사각형 2">
+            <a:extLst>
+              <a:ext uri="{FF2B5EF4-FFF2-40B4-BE49-F238E27FC236}">
+                <a16:creationId xmlns:a16="http://schemas.microsoft.com/office/drawing/2014/main" id="{7579E35C-7F3B-45B1-B3EA-E7C07BA0A321}"/>
               </a:ext>
             </a:extLst>
           </p:cNvPr>
@@ -13908,27 +13845,21 @@
         </p:nvSpPr>
         <p:spPr>
           <a:xfrm>
-            <a:off x="9370292" y="3084943"/>
-            <a:ext cx="2207491" cy="1237673"/>
+            <a:off x="0" y="6603999"/>
+            <a:ext cx="12192000" cy="263235"/>
           </a:xfrm>
           <a:prstGeom prst="rect">
             <a:avLst/>
           </a:prstGeom>
           <a:solidFill>
-            <a:schemeClr val="bg1">
-              <a:lumMod val="85000"/>
+            <a:schemeClr val="tx1">
+              <a:lumMod val="75000"/>
+              <a:lumOff val="25000"/>
             </a:schemeClr>
           </a:solidFill>
           <a:ln>
             <a:noFill/>
           </a:ln>
-          <a:effectLst>
-            <a:outerShdw blurRad="50800" dist="38100" dir="2700000" algn="tl" rotWithShape="0">
-              <a:prstClr val="black">
-                <a:alpha val="40000"/>
-              </a:prstClr>
-            </a:outerShdw>
-          </a:effectLst>
         </p:spPr>
         <p:style>
           <a:lnRef idx="2">
@@ -13951,24 +13882,388 @@
           <a:lstStyle/>
           <a:p>
             <a:pPr algn="ctr"/>
-            <a:r>
-              <a:rPr lang="ko-KR" altLang="en-US" dirty="0">
+            <a:endParaRPr lang="ko-KR" altLang="en-US"/>
+          </a:p>
+        </p:txBody>
+      </p:sp>
+      <p:sp>
+        <p:nvSpPr>
+          <p:cNvPr id="6" name="TextBox 5">
+            <a:extLst>
+              <a:ext uri="{FF2B5EF4-FFF2-40B4-BE49-F238E27FC236}">
+                <a16:creationId xmlns:a16="http://schemas.microsoft.com/office/drawing/2014/main" id="{56D0FC75-DF56-451D-9390-EE377490B29E}"/>
+              </a:ext>
+            </a:extLst>
+          </p:cNvPr>
+          <p:cNvSpPr txBox="1"/>
+          <p:nvPr/>
+        </p:nvSpPr>
+        <p:spPr>
+          <a:xfrm>
+            <a:off x="184728" y="29503"/>
+            <a:ext cx="3623108" cy="769441"/>
+          </a:xfrm>
+          <a:prstGeom prst="rect">
+            <a:avLst/>
+          </a:prstGeom>
+          <a:noFill/>
+        </p:spPr>
+        <p:txBody>
+          <a:bodyPr wrap="none" rtlCol="0">
+            <a:spAutoFit/>
+          </a:bodyPr>
+          <a:lstStyle/>
+          <a:p>
+            <a:r>
+              <a:rPr lang="en-US" altLang="ko-KR" sz="4400" dirty="0">
+                <a:solidFill>
+                  <a:schemeClr val="bg1"/>
+                </a:solidFill>
+                <a:latin typeface="Noto Sans KR Black" panose="020B0A00000000000000" pitchFamily="34" charset="-127"/>
+                <a:ea typeface="Noto Sans KR Black" panose="020B0A00000000000000" pitchFamily="34" charset="-127"/>
+              </a:rPr>
+              <a:t>2-2. </a:t>
+            </a:r>
+            <a:r>
+              <a:rPr lang="ko-KR" altLang="en-US" sz="4400" dirty="0">
+                <a:solidFill>
+                  <a:schemeClr val="bg1"/>
+                </a:solidFill>
+                <a:latin typeface="Noto Sans KR Black" panose="020B0A00000000000000" pitchFamily="34" charset="-127"/>
+                <a:ea typeface="Noto Sans KR Black" panose="020B0A00000000000000" pitchFamily="34" charset="-127"/>
+              </a:rPr>
+              <a:t>게임 특징</a:t>
+            </a:r>
+          </a:p>
+        </p:txBody>
+      </p:sp>
+      <p:sp>
+        <p:nvSpPr>
+          <p:cNvPr id="18" name="TextBox 17">
+            <a:extLst>
+              <a:ext uri="{FF2B5EF4-FFF2-40B4-BE49-F238E27FC236}">
+                <a16:creationId xmlns:a16="http://schemas.microsoft.com/office/drawing/2014/main" id="{556CB2D3-E011-4DE9-A775-EA6D333E8D60}"/>
+              </a:ext>
+            </a:extLst>
+          </p:cNvPr>
+          <p:cNvSpPr txBox="1"/>
+          <p:nvPr/>
+        </p:nvSpPr>
+        <p:spPr>
+          <a:xfrm>
+            <a:off x="184728" y="2133255"/>
+            <a:ext cx="11301492" cy="2554545"/>
+          </a:xfrm>
+          <a:prstGeom prst="rect">
+            <a:avLst/>
+          </a:prstGeom>
+          <a:noFill/>
+        </p:spPr>
+        <p:txBody>
+          <a:bodyPr wrap="none" rtlCol="0">
+            <a:spAutoFit/>
+          </a:bodyPr>
+          <a:lstStyle/>
+          <a:p>
+            <a:r>
+              <a:rPr lang="en-US" altLang="ko-KR" sz="4000" dirty="0">
                 <a:solidFill>
                   <a:schemeClr val="tx1">
                     <a:lumMod val="85000"/>
                     <a:lumOff val="15000"/>
                   </a:schemeClr>
                 </a:solidFill>
-              </a:rPr>
-              <a:t>최종 보스 처치</a:t>
-            </a:r>
+                <a:latin typeface="Noto Sans KR Black" panose="020B0A00000000000000" pitchFamily="34" charset="-127"/>
+                <a:ea typeface="Noto Sans KR Black" panose="020B0A00000000000000" pitchFamily="34" charset="-127"/>
+              </a:rPr>
+              <a:t>1. </a:t>
+            </a:r>
+            <a:r>
+              <a:rPr lang="ko-KR" altLang="en-US" sz="3200" dirty="0">
+                <a:solidFill>
+                  <a:schemeClr val="tx1">
+                    <a:lumMod val="85000"/>
+                    <a:lumOff val="15000"/>
+                  </a:schemeClr>
+                </a:solidFill>
+                <a:latin typeface="나눔바른고딕OTF Light" panose="02000303000000000000" pitchFamily="50" charset="-127"/>
+                <a:ea typeface="나눔바른고딕OTF Light" panose="02000303000000000000" pitchFamily="50" charset="-127"/>
+              </a:rPr>
+              <a:t>외계 행성에서 몰려오는 </a:t>
+            </a:r>
+            <a:r>
+              <a:rPr lang="ko-KR" altLang="en-US" sz="3200" dirty="0">
+                <a:solidFill>
+                  <a:schemeClr val="bg1"/>
+                </a:solidFill>
+                <a:latin typeface="나눔바른고딕OTF Light" panose="02000303000000000000" pitchFamily="50" charset="-127"/>
+                <a:ea typeface="나눔바른고딕OTF Light" panose="02000303000000000000" pitchFamily="50" charset="-127"/>
+              </a:rPr>
+              <a:t>몬스터</a:t>
+            </a:r>
+            <a:r>
+              <a:rPr lang="ko-KR" altLang="en-US" sz="3200" dirty="0">
+                <a:latin typeface="나눔바른고딕OTF Light" panose="02000303000000000000" pitchFamily="50" charset="-127"/>
+                <a:ea typeface="나눔바른고딕OTF Light" panose="02000303000000000000" pitchFamily="50" charset="-127"/>
+              </a:rPr>
+              <a:t>를 처치</a:t>
+            </a:r>
+            <a:r>
+              <a:rPr lang="ko-KR" altLang="en-US" sz="3200" dirty="0">
+                <a:solidFill>
+                  <a:schemeClr val="tx1">
+                    <a:lumMod val="85000"/>
+                    <a:lumOff val="15000"/>
+                  </a:schemeClr>
+                </a:solidFill>
+                <a:latin typeface="나눔바른고딕OTF Light" panose="02000303000000000000" pitchFamily="50" charset="-127"/>
+                <a:ea typeface="나눔바른고딕OTF Light" panose="02000303000000000000" pitchFamily="50" charset="-127"/>
+              </a:rPr>
+              <a:t>하는 멀티플레이 슈팅 게임</a:t>
+            </a:r>
+            <a:endParaRPr lang="en-US" altLang="ko-KR" sz="3200" dirty="0">
+              <a:solidFill>
+                <a:schemeClr val="tx1">
+                  <a:lumMod val="85000"/>
+                  <a:lumOff val="15000"/>
+                </a:schemeClr>
+              </a:solidFill>
+              <a:latin typeface="나눔바른고딕OTF Light" panose="02000303000000000000" pitchFamily="50" charset="-127"/>
+              <a:ea typeface="나눔바른고딕OTF Light" panose="02000303000000000000" pitchFamily="50" charset="-127"/>
+            </a:endParaRPr>
+          </a:p>
+          <a:p>
+            <a:r>
+              <a:rPr lang="en-US" altLang="ko-KR" sz="4000" dirty="0">
+                <a:solidFill>
+                  <a:schemeClr val="tx1">
+                    <a:lumMod val="85000"/>
+                    <a:lumOff val="15000"/>
+                  </a:schemeClr>
+                </a:solidFill>
+                <a:latin typeface="Noto Sans KR Black" panose="020B0A00000000000000" pitchFamily="34" charset="-127"/>
+                <a:ea typeface="Noto Sans KR Black" panose="020B0A00000000000000" pitchFamily="34" charset="-127"/>
+              </a:rPr>
+              <a:t>2.</a:t>
+            </a:r>
+            <a:r>
+              <a:rPr lang="en-US" altLang="ko-KR" sz="3200" dirty="0">
+                <a:solidFill>
+                  <a:schemeClr val="tx1">
+                    <a:lumMod val="85000"/>
+                    <a:lumOff val="15000"/>
+                  </a:schemeClr>
+                </a:solidFill>
+                <a:latin typeface="Noto Sans KR Black" panose="020B0A00000000000000" pitchFamily="34" charset="-127"/>
+                <a:ea typeface="Noto Sans KR Black" panose="020B0A00000000000000" pitchFamily="34" charset="-127"/>
+              </a:rPr>
+              <a:t> </a:t>
+            </a:r>
+            <a:r>
+              <a:rPr lang="en-US" altLang="ko-KR" sz="3200" dirty="0">
+                <a:solidFill>
+                  <a:schemeClr val="bg1"/>
+                </a:solidFill>
+                <a:latin typeface="나눔바른고딕OTF Light" panose="02000303000000000000" pitchFamily="50" charset="-127"/>
+                <a:ea typeface="나눔바른고딕OTF Light" panose="02000303000000000000" pitchFamily="50" charset="-127"/>
+              </a:rPr>
+              <a:t>3</a:t>
+            </a:r>
+            <a:r>
+              <a:rPr lang="ko-KR" altLang="en-US" sz="3200" dirty="0">
+                <a:solidFill>
+                  <a:schemeClr val="bg1"/>
+                </a:solidFill>
+                <a:latin typeface="나눔바른고딕OTF Light" panose="02000303000000000000" pitchFamily="50" charset="-127"/>
+                <a:ea typeface="나눔바른고딕OTF Light" panose="02000303000000000000" pitchFamily="50" charset="-127"/>
+              </a:rPr>
+              <a:t>가지 무기</a:t>
+            </a:r>
+            <a:r>
+              <a:rPr lang="ko-KR" altLang="en-US" sz="3200" dirty="0">
+                <a:solidFill>
+                  <a:schemeClr val="tx1">
+                    <a:lumMod val="85000"/>
+                    <a:lumOff val="15000"/>
+                  </a:schemeClr>
+                </a:solidFill>
+                <a:latin typeface="나눔바른고딕OTF Light" panose="02000303000000000000" pitchFamily="50" charset="-127"/>
+                <a:ea typeface="나눔바른고딕OTF Light" panose="02000303000000000000" pitchFamily="50" charset="-127"/>
+              </a:rPr>
+              <a:t> 중 하나를 선택해서 플레이 가능</a:t>
+            </a:r>
+            <a:endParaRPr lang="en-US" altLang="ko-KR" sz="3200" dirty="0">
+              <a:solidFill>
+                <a:schemeClr val="tx1">
+                  <a:lumMod val="85000"/>
+                  <a:lumOff val="15000"/>
+                </a:schemeClr>
+              </a:solidFill>
+              <a:latin typeface="나눔바른고딕OTF Light" panose="02000303000000000000" pitchFamily="50" charset="-127"/>
+              <a:ea typeface="나눔바른고딕OTF Light" panose="02000303000000000000" pitchFamily="50" charset="-127"/>
+            </a:endParaRPr>
+          </a:p>
+          <a:p>
+            <a:r>
+              <a:rPr lang="en-US" altLang="ko-KR" sz="4000" dirty="0">
+                <a:solidFill>
+                  <a:schemeClr val="tx1">
+                    <a:lumMod val="85000"/>
+                    <a:lumOff val="15000"/>
+                  </a:schemeClr>
+                </a:solidFill>
+                <a:latin typeface="Noto Sans KR Black" panose="020B0A00000000000000" pitchFamily="34" charset="-127"/>
+                <a:ea typeface="Noto Sans KR Black" panose="020B0A00000000000000" pitchFamily="34" charset="-127"/>
+              </a:rPr>
+              <a:t>3.</a:t>
+            </a:r>
+            <a:r>
+              <a:rPr lang="en-US" altLang="ko-KR" sz="3200" dirty="0">
+                <a:solidFill>
+                  <a:schemeClr val="tx1">
+                    <a:lumMod val="85000"/>
+                    <a:lumOff val="15000"/>
+                  </a:schemeClr>
+                </a:solidFill>
+                <a:latin typeface="나눔바른고딕OTF Light" panose="02000303000000000000" pitchFamily="50" charset="-127"/>
+                <a:ea typeface="나눔바른고딕OTF Light" panose="02000303000000000000" pitchFamily="50" charset="-127"/>
+              </a:rPr>
+              <a:t> </a:t>
+            </a:r>
+            <a:r>
+              <a:rPr lang="ko-KR" altLang="en-US" sz="3200" dirty="0">
+                <a:solidFill>
+                  <a:schemeClr val="tx1">
+                    <a:lumMod val="85000"/>
+                    <a:lumOff val="15000"/>
+                  </a:schemeClr>
+                </a:solidFill>
+                <a:latin typeface="나눔바른고딕OTF Light" panose="02000303000000000000" pitchFamily="50" charset="-127"/>
+                <a:ea typeface="나눔바른고딕OTF Light" panose="02000303000000000000" pitchFamily="50" charset="-127"/>
+              </a:rPr>
+              <a:t>게임은 </a:t>
+            </a:r>
+            <a:r>
+              <a:rPr lang="ko-KR" altLang="en-US" sz="3200" dirty="0">
+                <a:solidFill>
+                  <a:schemeClr val="bg1"/>
+                </a:solidFill>
+                <a:latin typeface="나눔바른고딕OTF Light" panose="02000303000000000000" pitchFamily="50" charset="-127"/>
+                <a:ea typeface="나눔바른고딕OTF Light" panose="02000303000000000000" pitchFamily="50" charset="-127"/>
+              </a:rPr>
+              <a:t>라운드 형식</a:t>
+            </a:r>
+            <a:r>
+              <a:rPr lang="ko-KR" altLang="en-US" sz="3200" dirty="0">
+                <a:solidFill>
+                  <a:schemeClr val="tx1">
+                    <a:lumMod val="85000"/>
+                    <a:lumOff val="15000"/>
+                  </a:schemeClr>
+                </a:solidFill>
+                <a:latin typeface="나눔바른고딕OTF Light" panose="02000303000000000000" pitchFamily="50" charset="-127"/>
+                <a:ea typeface="나눔바른고딕OTF Light" panose="02000303000000000000" pitchFamily="50" charset="-127"/>
+              </a:rPr>
+              <a:t>으로 진행되며 각 라운드 종료 후 보상 획득</a:t>
+            </a:r>
+            <a:endParaRPr lang="en-US" altLang="ko-KR" sz="3200" dirty="0">
+              <a:solidFill>
+                <a:schemeClr val="tx1">
+                  <a:lumMod val="85000"/>
+                  <a:lumOff val="15000"/>
+                </a:schemeClr>
+              </a:solidFill>
+              <a:latin typeface="나눔바른고딕OTF Light" panose="02000303000000000000" pitchFamily="50" charset="-127"/>
+              <a:ea typeface="나눔바른고딕OTF Light" panose="02000303000000000000" pitchFamily="50" charset="-127"/>
+            </a:endParaRPr>
+          </a:p>
+          <a:p>
+            <a:r>
+              <a:rPr lang="en-US" altLang="ko-KR" sz="4000" dirty="0">
+                <a:solidFill>
+                  <a:schemeClr val="tx1">
+                    <a:lumMod val="85000"/>
+                    <a:lumOff val="15000"/>
+                  </a:schemeClr>
+                </a:solidFill>
+                <a:latin typeface="Noto Sans KR Black" panose="020B0A00000000000000" pitchFamily="34" charset="-127"/>
+                <a:ea typeface="Noto Sans KR Black" panose="020B0A00000000000000" pitchFamily="34" charset="-127"/>
+              </a:rPr>
+              <a:t>4.</a:t>
+            </a:r>
+            <a:r>
+              <a:rPr lang="en-US" altLang="ko-KR" sz="3200" dirty="0">
+                <a:solidFill>
+                  <a:schemeClr val="tx1">
+                    <a:lumMod val="85000"/>
+                    <a:lumOff val="15000"/>
+                  </a:schemeClr>
+                </a:solidFill>
+                <a:latin typeface="나눔바른고딕OTF Light" panose="02000303000000000000" pitchFamily="50" charset="-127"/>
+                <a:ea typeface="나눔바른고딕OTF Light" panose="02000303000000000000" pitchFamily="50" charset="-127"/>
+              </a:rPr>
+              <a:t> </a:t>
+            </a:r>
+            <a:r>
+              <a:rPr lang="ko-KR" altLang="en-US" sz="3200" dirty="0">
+                <a:solidFill>
+                  <a:schemeClr val="tx1">
+                    <a:lumMod val="85000"/>
+                    <a:lumOff val="15000"/>
+                  </a:schemeClr>
+                </a:solidFill>
+                <a:latin typeface="나눔바른고딕OTF Light" panose="02000303000000000000" pitchFamily="50" charset="-127"/>
+                <a:ea typeface="나눔바른고딕OTF Light" panose="02000303000000000000" pitchFamily="50" charset="-127"/>
+              </a:rPr>
+              <a:t>마지막 라운드의 </a:t>
+            </a:r>
+            <a:r>
+              <a:rPr lang="ko-KR" altLang="en-US" sz="3200" dirty="0">
+                <a:solidFill>
+                  <a:schemeClr val="bg1"/>
+                </a:solidFill>
+                <a:latin typeface="나눔바른고딕OTF Light" panose="02000303000000000000" pitchFamily="50" charset="-127"/>
+                <a:ea typeface="나눔바른고딕OTF Light" panose="02000303000000000000" pitchFamily="50" charset="-127"/>
+              </a:rPr>
+              <a:t>보스</a:t>
+            </a:r>
+            <a:r>
+              <a:rPr lang="ko-KR" altLang="en-US" sz="3200" dirty="0">
+                <a:latin typeface="나눔바른고딕OTF Light" panose="02000303000000000000" pitchFamily="50" charset="-127"/>
+                <a:ea typeface="나눔바른고딕OTF Light" panose="02000303000000000000" pitchFamily="50" charset="-127"/>
+              </a:rPr>
+              <a:t>를 처치</a:t>
+            </a:r>
+            <a:r>
+              <a:rPr lang="ko-KR" altLang="en-US" sz="3200" dirty="0">
+                <a:solidFill>
+                  <a:schemeClr val="tx1">
+                    <a:lumMod val="85000"/>
+                    <a:lumOff val="15000"/>
+                  </a:schemeClr>
+                </a:solidFill>
+                <a:latin typeface="나눔바른고딕OTF Light" panose="02000303000000000000" pitchFamily="50" charset="-127"/>
+                <a:ea typeface="나눔바른고딕OTF Light" panose="02000303000000000000" pitchFamily="50" charset="-127"/>
+              </a:rPr>
+              <a:t>하는 것이 최종 목표</a:t>
+            </a:r>
+            <a:endParaRPr lang="en-US" altLang="ko-KR" sz="3200" dirty="0">
+              <a:solidFill>
+                <a:schemeClr val="tx1">
+                  <a:lumMod val="85000"/>
+                  <a:lumOff val="15000"/>
+                </a:schemeClr>
+              </a:solidFill>
+              <a:latin typeface="나눔바른고딕OTF Light" panose="02000303000000000000" pitchFamily="50" charset="-127"/>
+              <a:ea typeface="나눔바른고딕OTF Light" panose="02000303000000000000" pitchFamily="50" charset="-127"/>
+            </a:endParaRPr>
           </a:p>
         </p:txBody>
       </p:sp>
     </p:spTree>
     <p:extLst>
       <p:ext uri="{BB962C8B-B14F-4D97-AF65-F5344CB8AC3E}">
-        <p14:creationId xmlns:p14="http://schemas.microsoft.com/office/powerpoint/2010/main" val="910339737"/>
+        <p14:creationId xmlns:p14="http://schemas.microsoft.com/office/powerpoint/2010/main" val="2633716888"/>
       </p:ext>
     </p:extLst>
   </p:cSld>
@@ -14000,7 +14295,7 @@
           <p:cNvPr id="2" name="직사각형 1">
             <a:extLst>
               <a:ext uri="{FF2B5EF4-FFF2-40B4-BE49-F238E27FC236}">
-                <a16:creationId xmlns:a16="http://schemas.microsoft.com/office/drawing/2014/main" id="{5DDB1F92-11AB-400A-ADB7-171544DF4438}"/>
+                <a16:creationId xmlns:a16="http://schemas.microsoft.com/office/drawing/2014/main" id="{E3CE0B4C-8E3C-4B29-BD78-6B62D4E5643A}"/>
               </a:ext>
             </a:extLst>
           </p:cNvPr>
@@ -14055,7 +14350,7 @@
           <p:cNvPr id="3" name="직사각형 2">
             <a:extLst>
               <a:ext uri="{FF2B5EF4-FFF2-40B4-BE49-F238E27FC236}">
-                <a16:creationId xmlns:a16="http://schemas.microsoft.com/office/drawing/2014/main" id="{8ADC126D-9FB9-4962-9B0F-D809260D7810}"/>
+                <a16:creationId xmlns:a16="http://schemas.microsoft.com/office/drawing/2014/main" id="{113A0854-FD43-46BF-8FA8-B977F7CF286D}"/>
               </a:ext>
             </a:extLst>
           </p:cNvPr>
@@ -14110,7 +14405,7 @@
           <p:cNvPr id="4" name="TextBox 3">
             <a:extLst>
               <a:ext uri="{FF2B5EF4-FFF2-40B4-BE49-F238E27FC236}">
-                <a16:creationId xmlns:a16="http://schemas.microsoft.com/office/drawing/2014/main" id="{9EEA7416-8B75-4F86-BECC-B2609B00F8B8}"/>
+                <a16:creationId xmlns:a16="http://schemas.microsoft.com/office/drawing/2014/main" id="{DBD330DA-F84A-4808-AD25-CC42770A48B5}"/>
               </a:ext>
             </a:extLst>
           </p:cNvPr>
@@ -14120,7 +14415,7 @@
         <p:spPr>
           <a:xfrm>
             <a:off x="184728" y="29503"/>
-            <a:ext cx="3063659" cy="769441"/>
+            <a:ext cx="3623108" cy="769441"/>
           </a:xfrm>
           <a:prstGeom prst="rect">
             <a:avLst/>
@@ -14141,7 +14436,7 @@
                 <a:latin typeface="Noto Sans KR Black" panose="020B0A00000000000000" pitchFamily="34" charset="-127"/>
                 <a:ea typeface="Noto Sans KR Black" panose="020B0A00000000000000" pitchFamily="34" charset="-127"/>
               </a:rPr>
-              <a:t>3. </a:t>
+              <a:t>2-3. </a:t>
             </a:r>
             <a:r>
               <a:rPr lang="ko-KR" altLang="en-US" sz="4400" dirty="0">
@@ -14151,17 +14446,17 @@
                 <a:latin typeface="Noto Sans KR Black" panose="020B0A00000000000000" pitchFamily="34" charset="-127"/>
                 <a:ea typeface="Noto Sans KR Black" panose="020B0A00000000000000" pitchFamily="34" charset="-127"/>
               </a:rPr>
-              <a:t>개발 환경</a:t>
+              <a:t>게임 방법</a:t>
             </a:r>
           </a:p>
         </p:txBody>
       </p:sp>
       <p:pic>
         <p:nvPicPr>
-          <p:cNvPr id="1030" name="Picture 6" descr="DirectX">
-            <a:extLst>
-              <a:ext uri="{FF2B5EF4-FFF2-40B4-BE49-F238E27FC236}">
-                <a16:creationId xmlns:a16="http://schemas.microsoft.com/office/drawing/2014/main" id="{50868A0E-2AC6-4697-B863-1D044243148C}"/>
+          <p:cNvPr id="11" name="Picture 2">
+            <a:extLst>
+              <a:ext uri="{FF2B5EF4-FFF2-40B4-BE49-F238E27FC236}">
+                <a16:creationId xmlns:a16="http://schemas.microsoft.com/office/drawing/2014/main" id="{28CE51C6-0E90-4B22-9DD6-28E6578F09C0}"/>
               </a:ext>
             </a:extLst>
           </p:cNvPr>
@@ -14185,13 +14480,20 @@
         </p:blipFill>
         <p:spPr bwMode="auto">
           <a:xfrm>
-            <a:off x="2006037" y="3204583"/>
-            <a:ext cx="2147967" cy="884247"/>
+            <a:off x="1293091" y="1009265"/>
+            <a:ext cx="4302626" cy="2239626"/>
           </a:xfrm>
           <a:prstGeom prst="rect">
             <a:avLst/>
           </a:prstGeom>
           <a:noFill/>
+          <a:effectLst>
+            <a:outerShdw blurRad="50800" dist="38100" dir="2700000" algn="tl" rotWithShape="0">
+              <a:prstClr val="black">
+                <a:alpha val="40000"/>
+              </a:prstClr>
+            </a:outerShdw>
+          </a:effectLst>
           <a:extLst>
             <a:ext uri="{909E8E84-426E-40DD-AFC4-6F175D3DCCD1}">
               <a14:hiddenFill xmlns:a14="http://schemas.microsoft.com/office/drawing/2010/main">
@@ -14203,84 +14505,369 @@
           </a:extLst>
         </p:spPr>
       </p:pic>
-      <p:pic>
-        <p:nvPicPr>
-          <p:cNvPr id="6" name="그림 5">
-            <a:extLst>
-              <a:ext uri="{FF2B5EF4-FFF2-40B4-BE49-F238E27FC236}">
-                <a16:creationId xmlns:a16="http://schemas.microsoft.com/office/drawing/2014/main" id="{79668D70-D95B-4E6B-8DD7-C56379DB9A32}"/>
-              </a:ext>
-            </a:extLst>
-          </p:cNvPr>
-          <p:cNvPicPr>
-            <a:picLocks noChangeAspect="1"/>
-          </p:cNvPicPr>
+      <p:sp>
+        <p:nvSpPr>
+          <p:cNvPr id="12" name="TextBox 11">
+            <a:extLst>
+              <a:ext uri="{FF2B5EF4-FFF2-40B4-BE49-F238E27FC236}">
+                <a16:creationId xmlns:a16="http://schemas.microsoft.com/office/drawing/2014/main" id="{B4E485B0-9671-49D7-859B-FE90533F3A6B}"/>
+              </a:ext>
+            </a:extLst>
+          </p:cNvPr>
+          <p:cNvSpPr txBox="1"/>
           <p:nvPr/>
-        </p:nvPicPr>
-        <p:blipFill>
-          <a:blip r:embed="rId3">
-            <a:extLst>
-              <a:ext uri="{28A0092B-C50C-407E-A947-70E740481C1C}">
-                <a14:useLocalDpi xmlns:a14="http://schemas.microsoft.com/office/drawing/2010/main" val="0"/>
-              </a:ext>
-            </a:extLst>
-          </a:blip>
-          <a:stretch>
-            <a:fillRect/>
-          </a:stretch>
-        </p:blipFill>
+        </p:nvSpPr>
         <p:spPr>
           <a:xfrm>
-            <a:off x="4955846" y="3010893"/>
-            <a:ext cx="1353498" cy="1353498"/>
+            <a:off x="1365950" y="3301361"/>
+            <a:ext cx="4386137" cy="400110"/>
           </a:xfrm>
           <a:prstGeom prst="rect">
             <a:avLst/>
           </a:prstGeom>
-        </p:spPr>
-      </p:pic>
-      <p:pic>
-        <p:nvPicPr>
-          <p:cNvPr id="9" name="그림 8">
-            <a:extLst>
-              <a:ext uri="{FF2B5EF4-FFF2-40B4-BE49-F238E27FC236}">
-                <a16:creationId xmlns:a16="http://schemas.microsoft.com/office/drawing/2014/main" id="{588F62A5-B0E1-421F-9A4F-D6110FCF8EC2}"/>
-              </a:ext>
-            </a:extLst>
-          </p:cNvPr>
-          <p:cNvPicPr>
-            <a:picLocks noChangeAspect="1"/>
-          </p:cNvPicPr>
+          <a:noFill/>
+        </p:spPr>
+        <p:txBody>
+          <a:bodyPr wrap="none" rtlCol="0">
+            <a:spAutoFit/>
+          </a:bodyPr>
+          <a:lstStyle/>
+          <a:p>
+            <a:r>
+              <a:rPr lang="en-US" altLang="ko-KR" sz="2000" dirty="0">
+                <a:latin typeface="나눔바른고딕OTF Light" panose="02000303000000000000" pitchFamily="50" charset="-127"/>
+                <a:ea typeface="나눔바른고딕OTF Light" panose="02000303000000000000" pitchFamily="50" charset="-127"/>
+              </a:rPr>
+              <a:t>1. </a:t>
+            </a:r>
+            <a:r>
+              <a:rPr lang="ko-KR" altLang="en-US" sz="2000" dirty="0">
+                <a:latin typeface="나눔바른고딕OTF Light" panose="02000303000000000000" pitchFamily="50" charset="-127"/>
+                <a:ea typeface="나눔바른고딕OTF Light" panose="02000303000000000000" pitchFamily="50" charset="-127"/>
+              </a:rPr>
+              <a:t>라운드가 시작되면 </a:t>
+            </a:r>
+            <a:r>
+              <a:rPr lang="ko-KR" altLang="en-US" sz="2000" dirty="0" err="1">
+                <a:latin typeface="나눔바른고딕OTF Light" panose="02000303000000000000" pitchFamily="50" charset="-127"/>
+                <a:ea typeface="나눔바른고딕OTF Light" panose="02000303000000000000" pitchFamily="50" charset="-127"/>
+              </a:rPr>
+              <a:t>몬스터들이</a:t>
+            </a:r>
+            <a:r>
+              <a:rPr lang="ko-KR" altLang="en-US" sz="2000" dirty="0">
+                <a:latin typeface="나눔바른고딕OTF Light" panose="02000303000000000000" pitchFamily="50" charset="-127"/>
+                <a:ea typeface="나눔바른고딕OTF Light" panose="02000303000000000000" pitchFamily="50" charset="-127"/>
+              </a:rPr>
+              <a:t> 나온다</a:t>
+            </a:r>
+            <a:r>
+              <a:rPr lang="en-US" altLang="ko-KR" sz="2000" dirty="0">
+                <a:latin typeface="나눔바른고딕OTF Light" panose="02000303000000000000" pitchFamily="50" charset="-127"/>
+                <a:ea typeface="나눔바른고딕OTF Light" panose="02000303000000000000" pitchFamily="50" charset="-127"/>
+              </a:rPr>
+              <a:t>.</a:t>
+            </a:r>
+            <a:endParaRPr lang="ko-KR" altLang="en-US" sz="2000" dirty="0">
+              <a:latin typeface="나눔바른고딕OTF Light" panose="02000303000000000000" pitchFamily="50" charset="-127"/>
+              <a:ea typeface="나눔바른고딕OTF Light" panose="02000303000000000000" pitchFamily="50" charset="-127"/>
+            </a:endParaRPr>
+          </a:p>
+        </p:txBody>
+      </p:sp>
+      <p:sp>
+        <p:nvSpPr>
+          <p:cNvPr id="14" name="TextBox 13">
+            <a:extLst>
+              <a:ext uri="{FF2B5EF4-FFF2-40B4-BE49-F238E27FC236}">
+                <a16:creationId xmlns:a16="http://schemas.microsoft.com/office/drawing/2014/main" id="{87367391-7DB9-4BBB-867B-68FFAB3FAAC9}"/>
+              </a:ext>
+            </a:extLst>
+          </p:cNvPr>
+          <p:cNvSpPr txBox="1"/>
           <p:nvPr/>
-        </p:nvPicPr>
-        <p:blipFill>
-          <a:blip r:embed="rId4">
-            <a:extLst>
-              <a:ext uri="{28A0092B-C50C-407E-A947-70E740481C1C}">
-                <a14:useLocalDpi xmlns:a14="http://schemas.microsoft.com/office/drawing/2010/main" val="0"/>
-              </a:ext>
-            </a:extLst>
-          </a:blip>
-          <a:stretch>
-            <a:fillRect/>
-          </a:stretch>
-        </p:blipFill>
+        </p:nvSpPr>
         <p:spPr>
           <a:xfrm>
-            <a:off x="6366494" y="3010893"/>
-            <a:ext cx="1305600" cy="1478810"/>
+            <a:off x="6746132" y="3301361"/>
+            <a:ext cx="4443845" cy="400110"/>
           </a:xfrm>
           <a:prstGeom prst="rect">
             <a:avLst/>
           </a:prstGeom>
-        </p:spPr>
-      </p:pic>
+          <a:noFill/>
+        </p:spPr>
+        <p:txBody>
+          <a:bodyPr wrap="none" rtlCol="0">
+            <a:spAutoFit/>
+          </a:bodyPr>
+          <a:lstStyle/>
+          <a:p>
+            <a:r>
+              <a:rPr lang="en-US" altLang="ko-KR" sz="2000" dirty="0">
+                <a:latin typeface="나눔바른고딕OTF Light" panose="02000303000000000000" pitchFamily="50" charset="-127"/>
+                <a:ea typeface="나눔바른고딕OTF Light" panose="02000303000000000000" pitchFamily="50" charset="-127"/>
+              </a:rPr>
+              <a:t>2. </a:t>
+            </a:r>
+            <a:r>
+              <a:rPr lang="ko-KR" altLang="en-US" sz="2000" dirty="0">
+                <a:latin typeface="나눔바른고딕OTF Light" panose="02000303000000000000" pitchFamily="50" charset="-127"/>
+                <a:ea typeface="나눔바른고딕OTF Light" panose="02000303000000000000" pitchFamily="50" charset="-127"/>
+              </a:rPr>
+              <a:t>해당 라운드의 모든 몬스터를 처치한다</a:t>
+            </a:r>
+            <a:r>
+              <a:rPr lang="en-US" altLang="ko-KR" sz="2000" dirty="0">
+                <a:latin typeface="나눔바른고딕OTF Light" panose="02000303000000000000" pitchFamily="50" charset="-127"/>
+                <a:ea typeface="나눔바른고딕OTF Light" panose="02000303000000000000" pitchFamily="50" charset="-127"/>
+              </a:rPr>
+              <a:t>.</a:t>
+            </a:r>
+            <a:endParaRPr lang="ko-KR" altLang="en-US" sz="2000" dirty="0">
+              <a:latin typeface="나눔바른고딕OTF Light" panose="02000303000000000000" pitchFamily="50" charset="-127"/>
+              <a:ea typeface="나눔바른고딕OTF Light" panose="02000303000000000000" pitchFamily="50" charset="-127"/>
+            </a:endParaRPr>
+          </a:p>
+        </p:txBody>
+      </p:sp>
+      <p:sp>
+        <p:nvSpPr>
+          <p:cNvPr id="16" name="TextBox 15">
+            <a:extLst>
+              <a:ext uri="{FF2B5EF4-FFF2-40B4-BE49-F238E27FC236}">
+                <a16:creationId xmlns:a16="http://schemas.microsoft.com/office/drawing/2014/main" id="{996A0F63-1A77-4118-8499-3DE088DF21C8}"/>
+              </a:ext>
+            </a:extLst>
+          </p:cNvPr>
+          <p:cNvSpPr txBox="1"/>
+          <p:nvPr/>
+        </p:nvSpPr>
+        <p:spPr>
+          <a:xfrm>
+            <a:off x="1566326" y="6075331"/>
+            <a:ext cx="3756156" cy="400110"/>
+          </a:xfrm>
+          <a:prstGeom prst="rect">
+            <a:avLst/>
+          </a:prstGeom>
+          <a:noFill/>
+        </p:spPr>
+        <p:txBody>
+          <a:bodyPr wrap="none" rtlCol="0">
+            <a:spAutoFit/>
+          </a:bodyPr>
+          <a:lstStyle/>
+          <a:p>
+            <a:r>
+              <a:rPr lang="en-US" altLang="ko-KR" sz="2000" dirty="0">
+                <a:latin typeface="나눔바른고딕OTF Light" panose="02000303000000000000" pitchFamily="50" charset="-127"/>
+                <a:ea typeface="나눔바른고딕OTF Light" panose="02000303000000000000" pitchFamily="50" charset="-127"/>
+              </a:rPr>
+              <a:t>3. </a:t>
+            </a:r>
+            <a:r>
+              <a:rPr lang="ko-KR" altLang="en-US" sz="2000" dirty="0">
+                <a:latin typeface="나눔바른고딕OTF Light" panose="02000303000000000000" pitchFamily="50" charset="-127"/>
+                <a:ea typeface="나눔바른고딕OTF Light" panose="02000303000000000000" pitchFamily="50" charset="-127"/>
+              </a:rPr>
+              <a:t>원하는 보상 중 하나를 선택한다</a:t>
+            </a:r>
+            <a:r>
+              <a:rPr lang="en-US" altLang="ko-KR" sz="2000" dirty="0">
+                <a:latin typeface="나눔바른고딕OTF Light" panose="02000303000000000000" pitchFamily="50" charset="-127"/>
+                <a:ea typeface="나눔바른고딕OTF Light" panose="02000303000000000000" pitchFamily="50" charset="-127"/>
+              </a:rPr>
+              <a:t>.</a:t>
+            </a:r>
+            <a:endParaRPr lang="ko-KR" altLang="en-US" sz="2000" dirty="0">
+              <a:latin typeface="나눔바른고딕OTF Light" panose="02000303000000000000" pitchFamily="50" charset="-127"/>
+              <a:ea typeface="나눔바른고딕OTF Light" panose="02000303000000000000" pitchFamily="50" charset="-127"/>
+            </a:endParaRPr>
+          </a:p>
+        </p:txBody>
+      </p:sp>
+      <p:cxnSp>
+        <p:nvCxnSpPr>
+          <p:cNvPr id="10" name="직선 화살표 연결선 9">
+            <a:extLst>
+              <a:ext uri="{FF2B5EF4-FFF2-40B4-BE49-F238E27FC236}">
+                <a16:creationId xmlns:a16="http://schemas.microsoft.com/office/drawing/2014/main" id="{E4084C6B-AEDA-460A-89C4-1A088F62D6FE}"/>
+              </a:ext>
+            </a:extLst>
+          </p:cNvPr>
+          <p:cNvCxnSpPr/>
+          <p:nvPr/>
+        </p:nvCxnSpPr>
+        <p:spPr>
+          <a:xfrm>
+            <a:off x="5752087" y="2299855"/>
+            <a:ext cx="759549" cy="0"/>
+          </a:xfrm>
+          <a:prstGeom prst="straightConnector1">
+            <a:avLst/>
+          </a:prstGeom>
+          <a:ln>
+            <a:tailEnd type="triangle"/>
+          </a:ln>
+        </p:spPr>
+        <p:style>
+          <a:lnRef idx="1">
+            <a:schemeClr val="dk1"/>
+          </a:lnRef>
+          <a:fillRef idx="0">
+            <a:schemeClr val="dk1"/>
+          </a:fillRef>
+          <a:effectRef idx="0">
+            <a:schemeClr val="dk1"/>
+          </a:effectRef>
+          <a:fontRef idx="minor">
+            <a:schemeClr val="tx1"/>
+          </a:fontRef>
+        </p:style>
+      </p:cxnSp>
+      <p:cxnSp>
+        <p:nvCxnSpPr>
+          <p:cNvPr id="18" name="직선 화살표 연결선 17">
+            <a:extLst>
+              <a:ext uri="{FF2B5EF4-FFF2-40B4-BE49-F238E27FC236}">
+                <a16:creationId xmlns:a16="http://schemas.microsoft.com/office/drawing/2014/main" id="{A223E337-1924-4871-8419-8982F2522E5E}"/>
+              </a:ext>
+            </a:extLst>
+          </p:cNvPr>
+          <p:cNvCxnSpPr>
+            <a:cxnSpLocks/>
+          </p:cNvCxnSpPr>
+          <p:nvPr/>
+        </p:nvCxnSpPr>
+        <p:spPr>
+          <a:xfrm flipH="1">
+            <a:off x="5752087" y="3301361"/>
+            <a:ext cx="806168" cy="400110"/>
+          </a:xfrm>
+          <a:prstGeom prst="straightConnector1">
+            <a:avLst/>
+          </a:prstGeom>
+          <a:ln>
+            <a:tailEnd type="triangle"/>
+          </a:ln>
+        </p:spPr>
+        <p:style>
+          <a:lnRef idx="1">
+            <a:schemeClr val="dk1"/>
+          </a:lnRef>
+          <a:fillRef idx="0">
+            <a:schemeClr val="dk1"/>
+          </a:fillRef>
+          <a:effectRef idx="0">
+            <a:schemeClr val="dk1"/>
+          </a:effectRef>
+          <a:fontRef idx="minor">
+            <a:schemeClr val="tx1"/>
+          </a:fontRef>
+        </p:style>
+      </p:cxnSp>
+      <p:sp>
+        <p:nvSpPr>
+          <p:cNvPr id="23" name="TextBox 22">
+            <a:extLst>
+              <a:ext uri="{FF2B5EF4-FFF2-40B4-BE49-F238E27FC236}">
+                <a16:creationId xmlns:a16="http://schemas.microsoft.com/office/drawing/2014/main" id="{6747D5C0-D53F-4DB0-A116-B24D62C4B646}"/>
+              </a:ext>
+            </a:extLst>
+          </p:cNvPr>
+          <p:cNvSpPr txBox="1"/>
+          <p:nvPr/>
+        </p:nvSpPr>
+        <p:spPr>
+          <a:xfrm>
+            <a:off x="7004215" y="6073135"/>
+            <a:ext cx="3927678" cy="400110"/>
+          </a:xfrm>
+          <a:prstGeom prst="rect">
+            <a:avLst/>
+          </a:prstGeom>
+          <a:noFill/>
+        </p:spPr>
+        <p:txBody>
+          <a:bodyPr wrap="none" rtlCol="0">
+            <a:spAutoFit/>
+          </a:bodyPr>
+          <a:lstStyle/>
+          <a:p>
+            <a:r>
+              <a:rPr lang="en-US" altLang="ko-KR" sz="2000" dirty="0">
+                <a:latin typeface="나눔바른고딕OTF Light" panose="02000303000000000000" pitchFamily="50" charset="-127"/>
+                <a:ea typeface="나눔바른고딕OTF Light" panose="02000303000000000000" pitchFamily="50" charset="-127"/>
+              </a:rPr>
+              <a:t>4. </a:t>
+            </a:r>
+            <a:r>
+              <a:rPr lang="ko-KR" altLang="en-US" sz="2000" dirty="0">
+                <a:latin typeface="나눔바른고딕OTF Light" panose="02000303000000000000" pitchFamily="50" charset="-127"/>
+                <a:ea typeface="나눔바른고딕OTF Light" panose="02000303000000000000" pitchFamily="50" charset="-127"/>
+              </a:rPr>
+              <a:t>최종 보스 라운드까지 클리어한다</a:t>
+            </a:r>
+            <a:r>
+              <a:rPr lang="en-US" altLang="ko-KR" sz="2000" dirty="0">
+                <a:latin typeface="나눔바른고딕OTF Light" panose="02000303000000000000" pitchFamily="50" charset="-127"/>
+                <a:ea typeface="나눔바른고딕OTF Light" panose="02000303000000000000" pitchFamily="50" charset="-127"/>
+              </a:rPr>
+              <a:t>.</a:t>
+            </a:r>
+            <a:endParaRPr lang="ko-KR" altLang="en-US" sz="2000" dirty="0">
+              <a:latin typeface="나눔바른고딕OTF Light" panose="02000303000000000000" pitchFamily="50" charset="-127"/>
+              <a:ea typeface="나눔바른고딕OTF Light" panose="02000303000000000000" pitchFamily="50" charset="-127"/>
+            </a:endParaRPr>
+          </a:p>
+        </p:txBody>
+      </p:sp>
+      <p:cxnSp>
+        <p:nvCxnSpPr>
+          <p:cNvPr id="24" name="직선 화살표 연결선 23">
+            <a:extLst>
+              <a:ext uri="{FF2B5EF4-FFF2-40B4-BE49-F238E27FC236}">
+                <a16:creationId xmlns:a16="http://schemas.microsoft.com/office/drawing/2014/main" id="{2727575B-6E4C-4D86-8FC8-18C57FEFFB4B}"/>
+              </a:ext>
+            </a:extLst>
+          </p:cNvPr>
+          <p:cNvCxnSpPr/>
+          <p:nvPr/>
+        </p:nvCxnSpPr>
+        <p:spPr>
+          <a:xfrm>
+            <a:off x="5756924" y="4926445"/>
+            <a:ext cx="759549" cy="0"/>
+          </a:xfrm>
+          <a:prstGeom prst="straightConnector1">
+            <a:avLst/>
+          </a:prstGeom>
+          <a:ln>
+            <a:tailEnd type="triangle"/>
+          </a:ln>
+        </p:spPr>
+        <p:style>
+          <a:lnRef idx="1">
+            <a:schemeClr val="dk1"/>
+          </a:lnRef>
+          <a:fillRef idx="0">
+            <a:schemeClr val="dk1"/>
+          </a:fillRef>
+          <a:effectRef idx="0">
+            <a:schemeClr val="dk1"/>
+          </a:effectRef>
+          <a:fontRef idx="minor">
+            <a:schemeClr val="tx1"/>
+          </a:fontRef>
+        </p:style>
+      </p:cxnSp>
       <p:pic>
         <p:nvPicPr>
-          <p:cNvPr id="1034" name="Picture 10">
-            <a:extLst>
-              <a:ext uri="{FF2B5EF4-FFF2-40B4-BE49-F238E27FC236}">
-                <a16:creationId xmlns:a16="http://schemas.microsoft.com/office/drawing/2014/main" id="{90077A9D-0DB0-41B8-8529-126C7BB843C9}"/>
+          <p:cNvPr id="1026" name="Picture 2">
+            <a:extLst>
+              <a:ext uri="{FF2B5EF4-FFF2-40B4-BE49-F238E27FC236}">
+                <a16:creationId xmlns:a16="http://schemas.microsoft.com/office/drawing/2014/main" id="{5BAB0679-ACCA-4D82-A2EE-6BE94C2F3158}"/>
               </a:ext>
             </a:extLst>
           </p:cNvPr>
@@ -14290,7 +14877,7 @@
           <p:nvPr/>
         </p:nvPicPr>
         <p:blipFill>
-          <a:blip r:embed="rId5">
+          <a:blip r:embed="rId3">
             <a:extLst>
               <a:ext uri="{28A0092B-C50C-407E-A947-70E740481C1C}">
                 <a14:useLocalDpi xmlns:a14="http://schemas.microsoft.com/office/drawing/2010/main" val="0"/>
@@ -14304,13 +14891,20 @@
         </p:blipFill>
         <p:spPr bwMode="auto">
           <a:xfrm>
-            <a:off x="179965" y="2783242"/>
-            <a:ext cx="2279976" cy="1784081"/>
+            <a:off x="1293091" y="3806632"/>
+            <a:ext cx="4302196" cy="2239626"/>
           </a:xfrm>
           <a:prstGeom prst="rect">
             <a:avLst/>
           </a:prstGeom>
           <a:noFill/>
+          <a:effectLst>
+            <a:outerShdw blurRad="50800" dist="38100" dir="2700000" algn="tl" rotWithShape="0">
+              <a:prstClr val="black">
+                <a:alpha val="40000"/>
+              </a:prstClr>
+            </a:outerShdw>
+          </a:effectLst>
           <a:extLst>
             <a:ext uri="{909E8E84-426E-40DD-AFC4-6F175D3DCCD1}">
               <a14:hiddenFill xmlns:a14="http://schemas.microsoft.com/office/drawing/2010/main">
@@ -14324,10 +14918,10 @@
       </p:pic>
       <p:pic>
         <p:nvPicPr>
-          <p:cNvPr id="1038" name="Picture 14">
-            <a:extLst>
-              <a:ext uri="{FF2B5EF4-FFF2-40B4-BE49-F238E27FC236}">
-                <a16:creationId xmlns:a16="http://schemas.microsoft.com/office/drawing/2014/main" id="{A76E6135-F1B7-4DBA-9C29-F7F9F4E28C69}"/>
+          <p:cNvPr id="1028" name="Picture 4">
+            <a:extLst>
+              <a:ext uri="{FF2B5EF4-FFF2-40B4-BE49-F238E27FC236}">
+                <a16:creationId xmlns:a16="http://schemas.microsoft.com/office/drawing/2014/main" id="{EF6C4F29-7A14-4A57-9867-3DCC4C744DF3}"/>
               </a:ext>
             </a:extLst>
           </p:cNvPr>
@@ -14337,7 +14931,7 @@
           <p:nvPr/>
         </p:nvPicPr>
         <p:blipFill>
-          <a:blip r:embed="rId6">
+          <a:blip r:embed="rId4">
             <a:extLst>
               <a:ext uri="{28A0092B-C50C-407E-A947-70E740481C1C}">
                 <a14:useLocalDpi xmlns:a14="http://schemas.microsoft.com/office/drawing/2010/main" val="0"/>
@@ -14351,13 +14945,20 @@
         </p:blipFill>
         <p:spPr bwMode="auto">
           <a:xfrm>
-            <a:off x="8470102" y="2953353"/>
-            <a:ext cx="1517300" cy="1517300"/>
+            <a:off x="6678540" y="3808001"/>
+            <a:ext cx="4297359" cy="2236885"/>
           </a:xfrm>
           <a:prstGeom prst="rect">
             <a:avLst/>
           </a:prstGeom>
           <a:noFill/>
+          <a:effectLst>
+            <a:outerShdw blurRad="50800" dist="38100" dir="2700000" algn="tl" rotWithShape="0">
+              <a:prstClr val="black">
+                <a:alpha val="40000"/>
+              </a:prstClr>
+            </a:outerShdw>
+          </a:effectLst>
           <a:extLst>
             <a:ext uri="{909E8E84-426E-40DD-AFC4-6F175D3DCCD1}">
               <a14:hiddenFill xmlns:a14="http://schemas.microsoft.com/office/drawing/2010/main">
@@ -14371,10 +14972,10 @@
       </p:pic>
       <p:pic>
         <p:nvPicPr>
-          <p:cNvPr id="1042" name="Picture 18" descr="Adobe Photoshop CS6 Logo">
-            <a:extLst>
-              <a:ext uri="{FF2B5EF4-FFF2-40B4-BE49-F238E27FC236}">
-                <a16:creationId xmlns:a16="http://schemas.microsoft.com/office/drawing/2014/main" id="{69B2C070-40B4-4449-91D5-3F036529705A}"/>
+          <p:cNvPr id="1030" name="Picture 6">
+            <a:extLst>
+              <a:ext uri="{FF2B5EF4-FFF2-40B4-BE49-F238E27FC236}">
+                <a16:creationId xmlns:a16="http://schemas.microsoft.com/office/drawing/2014/main" id="{2FD0C691-50DE-4CE9-8840-5CCBD19C8550}"/>
               </a:ext>
             </a:extLst>
           </p:cNvPr>
@@ -14384,7 +14985,7 @@
           <p:nvPr/>
         </p:nvPicPr>
         <p:blipFill>
-          <a:blip r:embed="rId7">
+          <a:blip r:embed="rId5">
             <a:extLst>
               <a:ext uri="{28A0092B-C50C-407E-A947-70E740481C1C}">
                 <a14:useLocalDpi xmlns:a14="http://schemas.microsoft.com/office/drawing/2010/main" val="0"/>
@@ -14398,13 +14999,20 @@
         </p:blipFill>
         <p:spPr bwMode="auto">
           <a:xfrm>
-            <a:off x="10079765" y="3007031"/>
-            <a:ext cx="1397860" cy="1397860"/>
+            <a:off x="6678540" y="1009265"/>
+            <a:ext cx="4297359" cy="2236884"/>
           </a:xfrm>
           <a:prstGeom prst="rect">
             <a:avLst/>
           </a:prstGeom>
           <a:noFill/>
+          <a:effectLst>
+            <a:outerShdw blurRad="50800" dist="38100" dir="2700000" algn="tl" rotWithShape="0">
+              <a:prstClr val="black">
+                <a:alpha val="40000"/>
+              </a:prstClr>
+            </a:outerShdw>
+          </a:effectLst>
           <a:extLst>
             <a:ext uri="{909E8E84-426E-40DD-AFC4-6F175D3DCCD1}">
               <a14:hiddenFill xmlns:a14="http://schemas.microsoft.com/office/drawing/2010/main">
@@ -14419,7 +15027,7 @@
     </p:spTree>
     <p:extLst>
       <p:ext uri="{BB962C8B-B14F-4D97-AF65-F5344CB8AC3E}">
-        <p14:creationId xmlns:p14="http://schemas.microsoft.com/office/powerpoint/2010/main" val="3902298302"/>
+        <p14:creationId xmlns:p14="http://schemas.microsoft.com/office/powerpoint/2010/main" val="910339737"/>
       </p:ext>
     </p:extLst>
   </p:cSld>
@@ -14451,7 +15059,7 @@
           <p:cNvPr id="2" name="직사각형 1">
             <a:extLst>
               <a:ext uri="{FF2B5EF4-FFF2-40B4-BE49-F238E27FC236}">
-                <a16:creationId xmlns:a16="http://schemas.microsoft.com/office/drawing/2014/main" id="{5EBE6A9B-AD32-4287-82C5-A394D0FDEAE8}"/>
+                <a16:creationId xmlns:a16="http://schemas.microsoft.com/office/drawing/2014/main" id="{5DDB1F92-11AB-400A-ADB7-171544DF4438}"/>
               </a:ext>
             </a:extLst>
           </p:cNvPr>
@@ -14506,7 +15114,7 @@
           <p:cNvPr id="3" name="직사각형 2">
             <a:extLst>
               <a:ext uri="{FF2B5EF4-FFF2-40B4-BE49-F238E27FC236}">
-                <a16:creationId xmlns:a16="http://schemas.microsoft.com/office/drawing/2014/main" id="{9E7635CB-8FA5-45A2-9713-E9BC0EB79B40}"/>
+                <a16:creationId xmlns:a16="http://schemas.microsoft.com/office/drawing/2014/main" id="{8ADC126D-9FB9-4962-9B0F-D809260D7810}"/>
               </a:ext>
             </a:extLst>
           </p:cNvPr>
@@ -14561,7 +15169,7 @@
           <p:cNvPr id="4" name="TextBox 3">
             <a:extLst>
               <a:ext uri="{FF2B5EF4-FFF2-40B4-BE49-F238E27FC236}">
-                <a16:creationId xmlns:a16="http://schemas.microsoft.com/office/drawing/2014/main" id="{2FF44EB3-933F-47EE-BE1F-24843D247A0F}"/>
+                <a16:creationId xmlns:a16="http://schemas.microsoft.com/office/drawing/2014/main" id="{9EEA7416-8B75-4F86-BECC-B2609B00F8B8}"/>
               </a:ext>
             </a:extLst>
           </p:cNvPr>
@@ -14571,7 +15179,7 @@
         <p:spPr>
           <a:xfrm>
             <a:off x="184728" y="29503"/>
-            <a:ext cx="7738016" cy="769441"/>
+            <a:ext cx="3063659" cy="769441"/>
           </a:xfrm>
           <a:prstGeom prst="rect">
             <a:avLst/>
@@ -14592,7 +15200,7 @@
                 <a:latin typeface="Noto Sans KR Black" panose="020B0A00000000000000" pitchFamily="34" charset="-127"/>
                 <a:ea typeface="Noto Sans KR Black" panose="020B0A00000000000000" pitchFamily="34" charset="-127"/>
               </a:rPr>
-              <a:t>4. </a:t>
+              <a:t>3. </a:t>
             </a:r>
             <a:r>
               <a:rPr lang="ko-KR" altLang="en-US" sz="4400" dirty="0">
@@ -14602,578 +15210,275 @@
                 <a:latin typeface="Noto Sans KR Black" panose="020B0A00000000000000" pitchFamily="34" charset="-127"/>
                 <a:ea typeface="Noto Sans KR Black" panose="020B0A00000000000000" pitchFamily="34" charset="-127"/>
               </a:rPr>
-              <a:t>기술적 요소 및 중점 연구 분야</a:t>
-            </a:r>
-          </a:p>
-        </p:txBody>
-      </p:sp>
-      <p:sp>
-        <p:nvSpPr>
-          <p:cNvPr id="6" name="TextBox 5">
-            <a:extLst>
-              <a:ext uri="{FF2B5EF4-FFF2-40B4-BE49-F238E27FC236}">
-                <a16:creationId xmlns:a16="http://schemas.microsoft.com/office/drawing/2014/main" id="{B9F1B01C-6C5A-45F6-9078-0631D7B23490}"/>
-              </a:ext>
-            </a:extLst>
-          </p:cNvPr>
-          <p:cNvSpPr txBox="1"/>
+              <a:t>개발 환경</a:t>
+            </a:r>
+          </a:p>
+        </p:txBody>
+      </p:sp>
+      <p:pic>
+        <p:nvPicPr>
+          <p:cNvPr id="1030" name="Picture 6" descr="DirectX">
+            <a:extLst>
+              <a:ext uri="{FF2B5EF4-FFF2-40B4-BE49-F238E27FC236}">
+                <a16:creationId xmlns:a16="http://schemas.microsoft.com/office/drawing/2014/main" id="{50868A0E-2AC6-4697-B863-1D044243148C}"/>
+              </a:ext>
+            </a:extLst>
+          </p:cNvPr>
+          <p:cNvPicPr>
+            <a:picLocks noChangeAspect="1" noChangeArrowheads="1"/>
+          </p:cNvPicPr>
           <p:nvPr/>
-        </p:nvSpPr>
-        <p:spPr>
+        </p:nvPicPr>
+        <p:blipFill>
+          <a:blip r:embed="rId2">
+            <a:extLst>
+              <a:ext uri="{28A0092B-C50C-407E-A947-70E740481C1C}">
+                <a14:useLocalDpi xmlns:a14="http://schemas.microsoft.com/office/drawing/2010/main" val="0"/>
+              </a:ext>
+            </a:extLst>
+          </a:blip>
+          <a:srcRect/>
+          <a:stretch>
+            <a:fillRect/>
+          </a:stretch>
+        </p:blipFill>
+        <p:spPr bwMode="auto">
           <a:xfrm>
-            <a:off x="298306" y="2890391"/>
-            <a:ext cx="4641014" cy="1077218"/>
+            <a:off x="2006037" y="3204583"/>
+            <a:ext cx="2147967" cy="884247"/>
           </a:xfrm>
           <a:prstGeom prst="rect">
             <a:avLst/>
           </a:prstGeom>
           <a:noFill/>
-        </p:spPr>
-        <p:txBody>
-          <a:bodyPr wrap="none" rtlCol="0">
-            <a:spAutoFit/>
-          </a:bodyPr>
-          <a:lstStyle/>
-          <a:p>
-            <a:r>
-              <a:rPr lang="ko-KR" altLang="en-US" sz="4000" dirty="0">
+          <a:extLst>
+            <a:ext uri="{909E8E84-426E-40DD-AFC4-6F175D3DCCD1}">
+              <a14:hiddenFill xmlns:a14="http://schemas.microsoft.com/office/drawing/2010/main">
                 <a:solidFill>
-                  <a:schemeClr val="tx1">
-                    <a:lumMod val="85000"/>
-                    <a:lumOff val="15000"/>
-                  </a:schemeClr>
+                  <a:srgbClr val="FFFFFF"/>
                 </a:solidFill>
-                <a:latin typeface="Noto Sans KR Black" panose="020B0A00000000000000" pitchFamily="34" charset="-127"/>
-                <a:ea typeface="Noto Sans KR Black" panose="020B0A00000000000000" pitchFamily="34" charset="-127"/>
-              </a:rPr>
-              <a:t>조명 및 그림자</a:t>
-            </a:r>
-            <a:endParaRPr lang="en-US" altLang="ko-KR" sz="4000" dirty="0">
-              <a:solidFill>
-                <a:schemeClr val="tx1">
-                  <a:lumMod val="85000"/>
-                  <a:lumOff val="15000"/>
-                </a:schemeClr>
-              </a:solidFill>
-              <a:latin typeface="Noto Sans KR Black" panose="020B0A00000000000000" pitchFamily="34" charset="-127"/>
-              <a:ea typeface="Noto Sans KR Black" panose="020B0A00000000000000" pitchFamily="34" charset="-127"/>
-            </a:endParaRPr>
-          </a:p>
-          <a:p>
-            <a:r>
-              <a:rPr lang="ko-KR" altLang="en-US" sz="2400" dirty="0">
-                <a:solidFill>
-                  <a:schemeClr val="tx1">
-                    <a:lumMod val="85000"/>
-                    <a:lumOff val="15000"/>
-                  </a:schemeClr>
-                </a:solidFill>
-                <a:latin typeface="나눔바른고딕OTF Light" panose="02000303000000000000" pitchFamily="50" charset="-127"/>
-                <a:ea typeface="나눔바른고딕OTF Light" panose="02000303000000000000" pitchFamily="50" charset="-127"/>
-              </a:rPr>
-              <a:t>방향성 조명과 그에 따른 그림자 구현</a:t>
-            </a:r>
-          </a:p>
-        </p:txBody>
-      </p:sp>
-      <p:sp>
-        <p:nvSpPr>
-          <p:cNvPr id="7" name="TextBox 6">
-            <a:extLst>
-              <a:ext uri="{FF2B5EF4-FFF2-40B4-BE49-F238E27FC236}">
-                <a16:creationId xmlns:a16="http://schemas.microsoft.com/office/drawing/2014/main" id="{3ED3D592-736C-4438-8407-E6514428FF2F}"/>
-              </a:ext>
-            </a:extLst>
-          </p:cNvPr>
-          <p:cNvSpPr txBox="1"/>
+              </a14:hiddenFill>
+            </a:ext>
+          </a:extLst>
+        </p:spPr>
+      </p:pic>
+      <p:pic>
+        <p:nvPicPr>
+          <p:cNvPr id="6" name="그림 5">
+            <a:extLst>
+              <a:ext uri="{FF2B5EF4-FFF2-40B4-BE49-F238E27FC236}">
+                <a16:creationId xmlns:a16="http://schemas.microsoft.com/office/drawing/2014/main" id="{79668D70-D95B-4E6B-8DD7-C56379DB9A32}"/>
+              </a:ext>
+            </a:extLst>
+          </p:cNvPr>
+          <p:cNvPicPr>
+            <a:picLocks noChangeAspect="1"/>
+          </p:cNvPicPr>
           <p:nvPr/>
-        </p:nvSpPr>
+        </p:nvPicPr>
+        <p:blipFill>
+          <a:blip r:embed="rId3">
+            <a:extLst>
+              <a:ext uri="{28A0092B-C50C-407E-A947-70E740481C1C}">
+                <a14:useLocalDpi xmlns:a14="http://schemas.microsoft.com/office/drawing/2010/main" val="0"/>
+              </a:ext>
+            </a:extLst>
+          </a:blip>
+          <a:stretch>
+            <a:fillRect/>
+          </a:stretch>
+        </p:blipFill>
         <p:spPr>
           <a:xfrm>
-            <a:off x="298306" y="1166244"/>
-            <a:ext cx="4617546" cy="1077218"/>
+            <a:off x="4955846" y="3010893"/>
+            <a:ext cx="1353498" cy="1353498"/>
+          </a:xfrm>
+          <a:prstGeom prst="rect">
+            <a:avLst/>
+          </a:prstGeom>
+        </p:spPr>
+      </p:pic>
+      <p:pic>
+        <p:nvPicPr>
+          <p:cNvPr id="9" name="그림 8">
+            <a:extLst>
+              <a:ext uri="{FF2B5EF4-FFF2-40B4-BE49-F238E27FC236}">
+                <a16:creationId xmlns:a16="http://schemas.microsoft.com/office/drawing/2014/main" id="{588F62A5-B0E1-421F-9A4F-D6110FCF8EC2}"/>
+              </a:ext>
+            </a:extLst>
+          </p:cNvPr>
+          <p:cNvPicPr>
+            <a:picLocks noChangeAspect="1"/>
+          </p:cNvPicPr>
+          <p:nvPr/>
+        </p:nvPicPr>
+        <p:blipFill>
+          <a:blip r:embed="rId4">
+            <a:extLst>
+              <a:ext uri="{28A0092B-C50C-407E-A947-70E740481C1C}">
+                <a14:useLocalDpi xmlns:a14="http://schemas.microsoft.com/office/drawing/2010/main" val="0"/>
+              </a:ext>
+            </a:extLst>
+          </a:blip>
+          <a:stretch>
+            <a:fillRect/>
+          </a:stretch>
+        </p:blipFill>
+        <p:spPr>
+          <a:xfrm>
+            <a:off x="6366494" y="3010893"/>
+            <a:ext cx="1305600" cy="1478810"/>
+          </a:xfrm>
+          <a:prstGeom prst="rect">
+            <a:avLst/>
+          </a:prstGeom>
+        </p:spPr>
+      </p:pic>
+      <p:pic>
+        <p:nvPicPr>
+          <p:cNvPr id="1034" name="Picture 10">
+            <a:extLst>
+              <a:ext uri="{FF2B5EF4-FFF2-40B4-BE49-F238E27FC236}">
+                <a16:creationId xmlns:a16="http://schemas.microsoft.com/office/drawing/2014/main" id="{90077A9D-0DB0-41B8-8529-126C7BB843C9}"/>
+              </a:ext>
+            </a:extLst>
+          </p:cNvPr>
+          <p:cNvPicPr>
+            <a:picLocks noChangeAspect="1" noChangeArrowheads="1"/>
+          </p:cNvPicPr>
+          <p:nvPr/>
+        </p:nvPicPr>
+        <p:blipFill>
+          <a:blip r:embed="rId5">
+            <a:extLst>
+              <a:ext uri="{28A0092B-C50C-407E-A947-70E740481C1C}">
+                <a14:useLocalDpi xmlns:a14="http://schemas.microsoft.com/office/drawing/2010/main" val="0"/>
+              </a:ext>
+            </a:extLst>
+          </a:blip>
+          <a:srcRect/>
+          <a:stretch>
+            <a:fillRect/>
+          </a:stretch>
+        </p:blipFill>
+        <p:spPr bwMode="auto">
+          <a:xfrm>
+            <a:off x="179965" y="2783242"/>
+            <a:ext cx="2279976" cy="1784081"/>
           </a:xfrm>
           <a:prstGeom prst="rect">
             <a:avLst/>
           </a:prstGeom>
           <a:noFill/>
-        </p:spPr>
-        <p:txBody>
-          <a:bodyPr wrap="none" rtlCol="0">
-            <a:spAutoFit/>
-          </a:bodyPr>
-          <a:lstStyle/>
-          <a:p>
-            <a:r>
-              <a:rPr lang="en-US" altLang="ko-KR" sz="4000" dirty="0">
+          <a:extLst>
+            <a:ext uri="{909E8E84-426E-40DD-AFC4-6F175D3DCCD1}">
+              <a14:hiddenFill xmlns:a14="http://schemas.microsoft.com/office/drawing/2010/main">
                 <a:solidFill>
-                  <a:schemeClr val="tx1">
-                    <a:lumMod val="85000"/>
-                    <a:lumOff val="15000"/>
-                  </a:schemeClr>
+                  <a:srgbClr val="FFFFFF"/>
                 </a:solidFill>
-                <a:latin typeface="Noto Sans KR Black" panose="020B0A00000000000000" pitchFamily="34" charset="-127"/>
-                <a:ea typeface="Noto Sans KR Black" panose="020B0A00000000000000" pitchFamily="34" charset="-127"/>
-              </a:rPr>
-              <a:t>3D </a:t>
-            </a:r>
-            <a:r>
-              <a:rPr lang="ko-KR" altLang="en-US" sz="4000" dirty="0">
-                <a:solidFill>
-                  <a:schemeClr val="tx1">
-                    <a:lumMod val="85000"/>
-                    <a:lumOff val="15000"/>
-                  </a:schemeClr>
-                </a:solidFill>
-                <a:latin typeface="Noto Sans KR Black" panose="020B0A00000000000000" pitchFamily="34" charset="-127"/>
-                <a:ea typeface="Noto Sans KR Black" panose="020B0A00000000000000" pitchFamily="34" charset="-127"/>
-              </a:rPr>
-              <a:t>애니메이션</a:t>
-            </a:r>
-          </a:p>
-          <a:p>
-            <a:r>
-              <a:rPr lang="en-US" altLang="ko-KR" sz="2400" dirty="0">
-                <a:solidFill>
-                  <a:schemeClr val="tx1">
-                    <a:lumMod val="85000"/>
-                    <a:lumOff val="15000"/>
-                  </a:schemeClr>
-                </a:solidFill>
-                <a:latin typeface="나눔바른고딕OTF Light" panose="02000303000000000000" pitchFamily="50" charset="-127"/>
-                <a:ea typeface="나눔바른고딕OTF Light" panose="02000303000000000000" pitchFamily="50" charset="-127"/>
-              </a:rPr>
-              <a:t>FBX SDK</a:t>
-            </a:r>
-            <a:r>
-              <a:rPr lang="ko-KR" altLang="en-US" sz="2400" dirty="0">
-                <a:solidFill>
-                  <a:schemeClr val="tx1">
-                    <a:lumMod val="85000"/>
-                    <a:lumOff val="15000"/>
-                  </a:schemeClr>
-                </a:solidFill>
-                <a:latin typeface="나눔바른고딕OTF Light" panose="02000303000000000000" pitchFamily="50" charset="-127"/>
-                <a:ea typeface="나눔바른고딕OTF Light" panose="02000303000000000000" pitchFamily="50" charset="-127"/>
-              </a:rPr>
-              <a:t>를 이용한 애니메이션 구현</a:t>
-            </a:r>
-          </a:p>
-        </p:txBody>
-      </p:sp>
-      <p:sp>
-        <p:nvSpPr>
-          <p:cNvPr id="8" name="TextBox 7">
-            <a:extLst>
-              <a:ext uri="{FF2B5EF4-FFF2-40B4-BE49-F238E27FC236}">
-                <a16:creationId xmlns:a16="http://schemas.microsoft.com/office/drawing/2014/main" id="{99642363-0970-45C1-8164-E9476C10591D}"/>
-              </a:ext>
-            </a:extLst>
-          </p:cNvPr>
-          <p:cNvSpPr txBox="1"/>
+              </a14:hiddenFill>
+            </a:ext>
+          </a:extLst>
+        </p:spPr>
+      </p:pic>
+      <p:pic>
+        <p:nvPicPr>
+          <p:cNvPr id="1038" name="Picture 14">
+            <a:extLst>
+              <a:ext uri="{FF2B5EF4-FFF2-40B4-BE49-F238E27FC236}">
+                <a16:creationId xmlns:a16="http://schemas.microsoft.com/office/drawing/2014/main" id="{A76E6135-F1B7-4DBA-9C29-F7F9F4E28C69}"/>
+              </a:ext>
+            </a:extLst>
+          </p:cNvPr>
+          <p:cNvPicPr>
+            <a:picLocks noChangeAspect="1" noChangeArrowheads="1"/>
+          </p:cNvPicPr>
           <p:nvPr/>
-        </p:nvSpPr>
-        <p:spPr>
+        </p:nvPicPr>
+        <p:blipFill>
+          <a:blip r:embed="rId6">
+            <a:extLst>
+              <a:ext uri="{28A0092B-C50C-407E-A947-70E740481C1C}">
+                <a14:useLocalDpi xmlns:a14="http://schemas.microsoft.com/office/drawing/2010/main" val="0"/>
+              </a:ext>
+            </a:extLst>
+          </a:blip>
+          <a:srcRect/>
+          <a:stretch>
+            <a:fillRect/>
+          </a:stretch>
+        </p:blipFill>
+        <p:spPr bwMode="auto">
           <a:xfrm>
-            <a:off x="298306" y="4747195"/>
-            <a:ext cx="4846198" cy="1077218"/>
+            <a:off x="8470102" y="2953353"/>
+            <a:ext cx="1517300" cy="1517300"/>
           </a:xfrm>
           <a:prstGeom prst="rect">
             <a:avLst/>
           </a:prstGeom>
           <a:noFill/>
-        </p:spPr>
-        <p:txBody>
-          <a:bodyPr wrap="none" rtlCol="0">
-            <a:spAutoFit/>
-          </a:bodyPr>
-          <a:lstStyle/>
-          <a:p>
-            <a:r>
-              <a:rPr lang="ko-KR" altLang="en-US" sz="4000" dirty="0" err="1">
+          <a:extLst>
+            <a:ext uri="{909E8E84-426E-40DD-AFC4-6F175D3DCCD1}">
+              <a14:hiddenFill xmlns:a14="http://schemas.microsoft.com/office/drawing/2010/main">
                 <a:solidFill>
-                  <a:schemeClr val="tx1">
-                    <a:lumMod val="85000"/>
-                    <a:lumOff val="15000"/>
-                  </a:schemeClr>
+                  <a:srgbClr val="FFFFFF"/>
                 </a:solidFill>
-                <a:latin typeface="Noto Sans KR Black" panose="020B0A00000000000000" pitchFamily="34" charset="-127"/>
-                <a:ea typeface="Noto Sans KR Black" panose="020B0A00000000000000" pitchFamily="34" charset="-127"/>
-              </a:rPr>
-              <a:t>멀티쓰레딩</a:t>
-            </a:r>
-            <a:endParaRPr lang="en-US" altLang="ko-KR" sz="4000" dirty="0">
-              <a:solidFill>
-                <a:schemeClr val="tx1">
-                  <a:lumMod val="85000"/>
-                  <a:lumOff val="15000"/>
-                </a:schemeClr>
-              </a:solidFill>
-              <a:latin typeface="Noto Sans KR Black" panose="020B0A00000000000000" pitchFamily="34" charset="-127"/>
-              <a:ea typeface="Noto Sans KR Black" panose="020B0A00000000000000" pitchFamily="34" charset="-127"/>
-            </a:endParaRPr>
-          </a:p>
-          <a:p>
-            <a:r>
-              <a:rPr lang="ko-KR" altLang="en-US" sz="2400" dirty="0" err="1">
-                <a:solidFill>
-                  <a:schemeClr val="tx1">
-                    <a:lumMod val="85000"/>
-                    <a:lumOff val="15000"/>
-                  </a:schemeClr>
-                </a:solidFill>
-                <a:latin typeface="나눔바른고딕OTF Light" panose="02000303000000000000" pitchFamily="50" charset="-127"/>
-                <a:ea typeface="나눔바른고딕OTF Light" panose="02000303000000000000" pitchFamily="50" charset="-127"/>
-              </a:rPr>
-              <a:t>멀티쓰레딩을</a:t>
-            </a:r>
-            <a:r>
-              <a:rPr lang="ko-KR" altLang="en-US" sz="2400" dirty="0">
-                <a:solidFill>
-                  <a:schemeClr val="tx1">
-                    <a:lumMod val="85000"/>
-                    <a:lumOff val="15000"/>
-                  </a:schemeClr>
-                </a:solidFill>
-                <a:latin typeface="나눔바른고딕OTF Light" panose="02000303000000000000" pitchFamily="50" charset="-127"/>
-                <a:ea typeface="나눔바른고딕OTF Light" panose="02000303000000000000" pitchFamily="50" charset="-127"/>
-              </a:rPr>
-              <a:t> 이용한 렌더링 속도 향상</a:t>
-            </a:r>
-          </a:p>
-        </p:txBody>
-      </p:sp>
-      <p:sp>
-        <p:nvSpPr>
-          <p:cNvPr id="9" name="TextBox 8">
-            <a:extLst>
-              <a:ext uri="{FF2B5EF4-FFF2-40B4-BE49-F238E27FC236}">
-                <a16:creationId xmlns:a16="http://schemas.microsoft.com/office/drawing/2014/main" id="{EA21F5D1-E1EE-4B5F-A649-CE15381A372D}"/>
-              </a:ext>
-            </a:extLst>
-          </p:cNvPr>
-          <p:cNvSpPr txBox="1"/>
+              </a14:hiddenFill>
+            </a:ext>
+          </a:extLst>
+        </p:spPr>
+      </p:pic>
+      <p:pic>
+        <p:nvPicPr>
+          <p:cNvPr id="1042" name="Picture 18" descr="Adobe Photoshop CS6 Logo">
+            <a:extLst>
+              <a:ext uri="{FF2B5EF4-FFF2-40B4-BE49-F238E27FC236}">
+                <a16:creationId xmlns:a16="http://schemas.microsoft.com/office/drawing/2014/main" id="{69B2C070-40B4-4449-91D5-3F036529705A}"/>
+              </a:ext>
+            </a:extLst>
+          </p:cNvPr>
+          <p:cNvPicPr>
+            <a:picLocks noChangeAspect="1" noChangeArrowheads="1"/>
+          </p:cNvPicPr>
           <p:nvPr/>
-        </p:nvSpPr>
-        <p:spPr>
+        </p:nvPicPr>
+        <p:blipFill>
+          <a:blip r:embed="rId7">
+            <a:extLst>
+              <a:ext uri="{28A0092B-C50C-407E-A947-70E740481C1C}">
+                <a14:useLocalDpi xmlns:a14="http://schemas.microsoft.com/office/drawing/2010/main" val="0"/>
+              </a:ext>
+            </a:extLst>
+          </a:blip>
+          <a:srcRect/>
+          <a:stretch>
+            <a:fillRect/>
+          </a:stretch>
+        </p:blipFill>
+        <p:spPr bwMode="auto">
           <a:xfrm>
-            <a:off x="5955320" y="1159552"/>
-            <a:ext cx="5654112" cy="1077218"/>
+            <a:off x="10079765" y="3007031"/>
+            <a:ext cx="1397860" cy="1397860"/>
           </a:xfrm>
           <a:prstGeom prst="rect">
             <a:avLst/>
           </a:prstGeom>
           <a:noFill/>
-        </p:spPr>
-        <p:txBody>
-          <a:bodyPr wrap="none" rtlCol="0">
-            <a:spAutoFit/>
-          </a:bodyPr>
-          <a:lstStyle/>
-          <a:p>
-            <a:r>
-              <a:rPr lang="ko-KR" altLang="en-US" sz="4000" dirty="0">
+          <a:extLst>
+            <a:ext uri="{909E8E84-426E-40DD-AFC4-6F175D3DCCD1}">
+              <a14:hiddenFill xmlns:a14="http://schemas.microsoft.com/office/drawing/2010/main">
                 <a:solidFill>
-                  <a:schemeClr val="tx1">
-                    <a:lumMod val="85000"/>
-                    <a:lumOff val="15000"/>
-                  </a:schemeClr>
+                  <a:srgbClr val="FFFFFF"/>
                 </a:solidFill>
-                <a:latin typeface="Noto Sans KR Black" panose="020B0A00000000000000" pitchFamily="34" charset="-127"/>
-                <a:ea typeface="Noto Sans KR Black" panose="020B0A00000000000000" pitchFamily="34" charset="-127"/>
-              </a:rPr>
-              <a:t>시야 처리</a:t>
-            </a:r>
-          </a:p>
-          <a:p>
-            <a:r>
-              <a:rPr lang="ko-KR" altLang="en-US" sz="2400" dirty="0">
-                <a:solidFill>
-                  <a:schemeClr val="tx1">
-                    <a:lumMod val="85000"/>
-                    <a:lumOff val="15000"/>
-                  </a:schemeClr>
-                </a:solidFill>
-                <a:latin typeface="나눔바른고딕OTF Light" panose="02000303000000000000" pitchFamily="50" charset="-127"/>
-                <a:ea typeface="나눔바른고딕OTF Light" panose="02000303000000000000" pitchFamily="50" charset="-127"/>
-              </a:rPr>
-              <a:t>필요한 계산만 처리하여 서버 부하 감소</a:t>
-            </a:r>
-          </a:p>
-        </p:txBody>
-      </p:sp>
-      <p:sp>
-        <p:nvSpPr>
-          <p:cNvPr id="10" name="TextBox 9">
-            <a:extLst>
-              <a:ext uri="{FF2B5EF4-FFF2-40B4-BE49-F238E27FC236}">
-                <a16:creationId xmlns:a16="http://schemas.microsoft.com/office/drawing/2014/main" id="{8907833E-73DB-4C4B-8A63-654D576E9A0D}"/>
-              </a:ext>
-            </a:extLst>
-          </p:cNvPr>
-          <p:cNvSpPr txBox="1"/>
-          <p:nvPr/>
-        </p:nvSpPr>
-        <p:spPr>
-          <a:xfrm>
-            <a:off x="5955319" y="2890391"/>
-            <a:ext cx="5056705" cy="1077218"/>
-          </a:xfrm>
-          <a:prstGeom prst="rect">
-            <a:avLst/>
-          </a:prstGeom>
-          <a:noFill/>
-        </p:spPr>
-        <p:txBody>
-          <a:bodyPr wrap="none" rtlCol="0">
-            <a:spAutoFit/>
-          </a:bodyPr>
-          <a:lstStyle/>
-          <a:p>
-            <a:r>
-              <a:rPr lang="en-US" altLang="ko-KR" sz="4000" dirty="0">
-                <a:solidFill>
-                  <a:schemeClr val="tx1">
-                    <a:lumMod val="85000"/>
-                    <a:lumOff val="15000"/>
-                  </a:schemeClr>
-                </a:solidFill>
-                <a:latin typeface="Noto Sans KR Black" panose="020B0A00000000000000" pitchFamily="34" charset="-127"/>
-                <a:ea typeface="Noto Sans KR Black" panose="020B0A00000000000000" pitchFamily="34" charset="-127"/>
-              </a:rPr>
-              <a:t>NPC AI</a:t>
-            </a:r>
-            <a:endParaRPr lang="ko-KR" altLang="en-US" sz="4000" dirty="0">
-              <a:solidFill>
-                <a:schemeClr val="tx1">
-                  <a:lumMod val="85000"/>
-                  <a:lumOff val="15000"/>
-                </a:schemeClr>
-              </a:solidFill>
-              <a:latin typeface="Noto Sans KR Black" panose="020B0A00000000000000" pitchFamily="34" charset="-127"/>
-              <a:ea typeface="Noto Sans KR Black" panose="020B0A00000000000000" pitchFamily="34" charset="-127"/>
-            </a:endParaRPr>
-          </a:p>
-          <a:p>
-            <a:r>
-              <a:rPr lang="en-US" altLang="ko-KR" sz="2400" dirty="0">
-                <a:solidFill>
-                  <a:schemeClr val="tx1">
-                    <a:lumMod val="85000"/>
-                    <a:lumOff val="15000"/>
-                  </a:schemeClr>
-                </a:solidFill>
-                <a:latin typeface="나눔바른고딕OTF Light" panose="02000303000000000000" pitchFamily="50" charset="-127"/>
-                <a:ea typeface="나눔바른고딕OTF Light" panose="02000303000000000000" pitchFamily="50" charset="-127"/>
-              </a:rPr>
-              <a:t>A*</a:t>
-            </a:r>
-            <a:r>
-              <a:rPr lang="ko-KR" altLang="en-US" sz="2400" dirty="0">
-                <a:solidFill>
-                  <a:schemeClr val="tx1">
-                    <a:lumMod val="85000"/>
-                    <a:lumOff val="15000"/>
-                  </a:schemeClr>
-                </a:solidFill>
-                <a:latin typeface="나눔바른고딕OTF Light" panose="02000303000000000000" pitchFamily="50" charset="-127"/>
-                <a:ea typeface="나눔바른고딕OTF Light" panose="02000303000000000000" pitchFamily="50" charset="-127"/>
-              </a:rPr>
-              <a:t>와 </a:t>
-            </a:r>
-            <a:r>
-              <a:rPr lang="en-US" altLang="ko-KR" sz="2400" dirty="0">
-                <a:solidFill>
-                  <a:schemeClr val="tx1">
-                    <a:lumMod val="85000"/>
-                    <a:lumOff val="15000"/>
-                  </a:schemeClr>
-                </a:solidFill>
-                <a:latin typeface="나눔바른고딕OTF Light" panose="02000303000000000000" pitchFamily="50" charset="-127"/>
-                <a:ea typeface="나눔바른고딕OTF Light" panose="02000303000000000000" pitchFamily="50" charset="-127"/>
-              </a:rPr>
-              <a:t>Path mesh</a:t>
-            </a:r>
-            <a:r>
-              <a:rPr lang="ko-KR" altLang="en-US" sz="2400" dirty="0">
-                <a:solidFill>
-                  <a:schemeClr val="tx1">
-                    <a:lumMod val="85000"/>
-                    <a:lumOff val="15000"/>
-                  </a:schemeClr>
-                </a:solidFill>
-                <a:latin typeface="나눔바른고딕OTF Light" panose="02000303000000000000" pitchFamily="50" charset="-127"/>
-                <a:ea typeface="나눔바른고딕OTF Light" panose="02000303000000000000" pitchFamily="50" charset="-127"/>
-              </a:rPr>
-              <a:t>로 몬스터 </a:t>
-            </a:r>
-            <a:r>
-              <a:rPr lang="en-US" altLang="ko-KR" sz="2400" dirty="0">
-                <a:solidFill>
-                  <a:schemeClr val="tx1">
-                    <a:lumMod val="85000"/>
-                    <a:lumOff val="15000"/>
-                  </a:schemeClr>
-                </a:solidFill>
-                <a:latin typeface="나눔바른고딕OTF Light" panose="02000303000000000000" pitchFamily="50" charset="-127"/>
-                <a:ea typeface="나눔바른고딕OTF Light" panose="02000303000000000000" pitchFamily="50" charset="-127"/>
-              </a:rPr>
-              <a:t>AI </a:t>
-            </a:r>
-            <a:r>
-              <a:rPr lang="ko-KR" altLang="en-US" sz="2400" dirty="0">
-                <a:solidFill>
-                  <a:schemeClr val="tx1">
-                    <a:lumMod val="85000"/>
-                    <a:lumOff val="15000"/>
-                  </a:schemeClr>
-                </a:solidFill>
-                <a:latin typeface="나눔바른고딕OTF Light" panose="02000303000000000000" pitchFamily="50" charset="-127"/>
-                <a:ea typeface="나눔바른고딕OTF Light" panose="02000303000000000000" pitchFamily="50" charset="-127"/>
-              </a:rPr>
-              <a:t>구현  </a:t>
-            </a:r>
-          </a:p>
-        </p:txBody>
-      </p:sp>
-      <p:sp>
-        <p:nvSpPr>
-          <p:cNvPr id="11" name="TextBox 10">
-            <a:extLst>
-              <a:ext uri="{FF2B5EF4-FFF2-40B4-BE49-F238E27FC236}">
-                <a16:creationId xmlns:a16="http://schemas.microsoft.com/office/drawing/2014/main" id="{92327C20-70BD-420E-B29D-EECB4F5484D8}"/>
-              </a:ext>
-            </a:extLst>
-          </p:cNvPr>
-          <p:cNvSpPr txBox="1"/>
-          <p:nvPr/>
-        </p:nvSpPr>
-        <p:spPr>
-          <a:xfrm>
-            <a:off x="5955319" y="4747195"/>
-            <a:ext cx="6147004" cy="1077218"/>
-          </a:xfrm>
-          <a:prstGeom prst="rect">
-            <a:avLst/>
-          </a:prstGeom>
-          <a:noFill/>
-        </p:spPr>
-        <p:txBody>
-          <a:bodyPr wrap="none" rtlCol="0">
-            <a:spAutoFit/>
-          </a:bodyPr>
-          <a:lstStyle/>
-          <a:p>
-            <a:r>
-              <a:rPr lang="en-US" altLang="ko-KR" sz="4000" dirty="0">
-                <a:solidFill>
-                  <a:schemeClr val="tx1">
-                    <a:lumMod val="85000"/>
-                    <a:lumOff val="15000"/>
-                  </a:schemeClr>
-                </a:solidFill>
-                <a:latin typeface="Noto Sans KR Black" panose="020B0A00000000000000" pitchFamily="34" charset="-127"/>
-                <a:ea typeface="Noto Sans KR Black" panose="020B0A00000000000000" pitchFamily="34" charset="-127"/>
-              </a:rPr>
-              <a:t>3D</a:t>
-            </a:r>
-            <a:r>
-              <a:rPr lang="ko-KR" altLang="en-US" sz="4000" dirty="0">
-                <a:solidFill>
-                  <a:schemeClr val="tx1">
-                    <a:lumMod val="85000"/>
-                    <a:lumOff val="15000"/>
-                  </a:schemeClr>
-                </a:solidFill>
-                <a:latin typeface="Noto Sans KR Black" panose="020B0A00000000000000" pitchFamily="34" charset="-127"/>
-                <a:ea typeface="Noto Sans KR Black" panose="020B0A00000000000000" pitchFamily="34" charset="-127"/>
-              </a:rPr>
-              <a:t>지형 </a:t>
-            </a:r>
-            <a:r>
-              <a:rPr lang="en-US" altLang="ko-KR" sz="4000" dirty="0">
-                <a:solidFill>
-                  <a:schemeClr val="tx1">
-                    <a:lumMod val="85000"/>
-                    <a:lumOff val="15000"/>
-                  </a:schemeClr>
-                </a:solidFill>
-                <a:latin typeface="Noto Sans KR Black" panose="020B0A00000000000000" pitchFamily="34" charset="-127"/>
-                <a:ea typeface="Noto Sans KR Black" panose="020B0A00000000000000" pitchFamily="34" charset="-127"/>
-              </a:rPr>
-              <a:t>Polygon </a:t>
-            </a:r>
-            <a:r>
-              <a:rPr lang="ko-KR" altLang="en-US" sz="4000" dirty="0">
-                <a:solidFill>
-                  <a:schemeClr val="tx1">
-                    <a:lumMod val="85000"/>
-                    <a:lumOff val="15000"/>
-                  </a:schemeClr>
-                </a:solidFill>
-                <a:latin typeface="Noto Sans KR Black" panose="020B0A00000000000000" pitchFamily="34" charset="-127"/>
-                <a:ea typeface="Noto Sans KR Black" panose="020B0A00000000000000" pitchFamily="34" charset="-127"/>
-              </a:rPr>
-              <a:t>충돌처리</a:t>
-            </a:r>
-            <a:endParaRPr lang="en-US" altLang="ko-KR" sz="4000" dirty="0">
-              <a:solidFill>
-                <a:schemeClr val="tx1">
-                  <a:lumMod val="85000"/>
-                  <a:lumOff val="15000"/>
-                </a:schemeClr>
-              </a:solidFill>
-              <a:latin typeface="Noto Sans KR Black" panose="020B0A00000000000000" pitchFamily="34" charset="-127"/>
-              <a:ea typeface="Noto Sans KR Black" panose="020B0A00000000000000" pitchFamily="34" charset="-127"/>
-            </a:endParaRPr>
-          </a:p>
-          <a:p>
-            <a:r>
-              <a:rPr lang="ko-KR" altLang="en-US" sz="2400" dirty="0">
-                <a:solidFill>
-                  <a:schemeClr val="tx1">
-                    <a:lumMod val="85000"/>
-                    <a:lumOff val="15000"/>
-                  </a:schemeClr>
-                </a:solidFill>
-                <a:latin typeface="나눔바른고딕OTF Light" panose="02000303000000000000" pitchFamily="50" charset="-127"/>
-                <a:ea typeface="나눔바른고딕OTF Light" panose="02000303000000000000" pitchFamily="50" charset="-127"/>
-              </a:rPr>
-              <a:t>검색 </a:t>
-            </a:r>
-            <a:r>
-              <a:rPr lang="en-US" altLang="ko-KR" sz="2400" dirty="0">
-                <a:solidFill>
-                  <a:schemeClr val="tx1">
-                    <a:lumMod val="85000"/>
-                    <a:lumOff val="15000"/>
-                  </a:schemeClr>
-                </a:solidFill>
-                <a:latin typeface="나눔바른고딕OTF Light" panose="02000303000000000000" pitchFamily="50" charset="-127"/>
-                <a:ea typeface="나눔바른고딕OTF Light" panose="02000303000000000000" pitchFamily="50" charset="-127"/>
-              </a:rPr>
-              <a:t>Data</a:t>
-            </a:r>
-            <a:r>
-              <a:rPr lang="ko-KR" altLang="en-US" sz="2400" dirty="0">
-                <a:solidFill>
-                  <a:schemeClr val="tx1">
-                    <a:lumMod val="85000"/>
-                    <a:lumOff val="15000"/>
-                  </a:schemeClr>
-                </a:solidFill>
-                <a:latin typeface="나눔바른고딕OTF Light" panose="02000303000000000000" pitchFamily="50" charset="-127"/>
-                <a:ea typeface="나눔바른고딕OTF Light" panose="02000303000000000000" pitchFamily="50" charset="-127"/>
-              </a:rPr>
-              <a:t> 최적화로 충돌검색 속도 향상</a:t>
-            </a:r>
-          </a:p>
-        </p:txBody>
-      </p:sp>
+              </a14:hiddenFill>
+            </a:ext>
+          </a:extLst>
+        </p:spPr>
+      </p:pic>
     </p:spTree>
     <p:extLst>
       <p:ext uri="{BB962C8B-B14F-4D97-AF65-F5344CB8AC3E}">
-        <p14:creationId xmlns:p14="http://schemas.microsoft.com/office/powerpoint/2010/main" val="3806875783"/>
+        <p14:creationId xmlns:p14="http://schemas.microsoft.com/office/powerpoint/2010/main" val="3902298302"/>
       </p:ext>
     </p:extLst>
   </p:cSld>
